--- a/translations/pt-br/intermediate/TurnDegrees.pptx
+++ b/translations/pt-br/intermediate/TurnDegrees.pptx
@@ -5,25 +5,26 @@
     <p:sldMasterId id="2147483714" r:id="rId1"/>
   </p:sldMasterIdLst>
   <p:notesMasterIdLst>
-    <p:notesMasterId r:id="rId15"/>
+    <p:notesMasterId r:id="rId16"/>
   </p:notesMasterIdLst>
   <p:handoutMasterIdLst>
-    <p:handoutMasterId r:id="rId16"/>
+    <p:handoutMasterId r:id="rId17"/>
   </p:handoutMasterIdLst>
   <p:sldIdLst>
     <p:sldId id="370" r:id="rId2"/>
     <p:sldId id="372" r:id="rId3"/>
-    <p:sldId id="352" r:id="rId4"/>
-    <p:sldId id="286" r:id="rId5"/>
+    <p:sldId id="376" r:id="rId4"/>
+    <p:sldId id="377" r:id="rId5"/>
     <p:sldId id="287" r:id="rId6"/>
     <p:sldId id="361" r:id="rId7"/>
     <p:sldId id="362" r:id="rId8"/>
-    <p:sldId id="363" r:id="rId9"/>
-    <p:sldId id="364" r:id="rId10"/>
-    <p:sldId id="365" r:id="rId11"/>
-    <p:sldId id="366" r:id="rId12"/>
-    <p:sldId id="367" r:id="rId13"/>
-    <p:sldId id="371" r:id="rId14"/>
+    <p:sldId id="375" r:id="rId9"/>
+    <p:sldId id="379" r:id="rId10"/>
+    <p:sldId id="367" r:id="rId11"/>
+    <p:sldId id="373" r:id="rId12"/>
+    <p:sldId id="374" r:id="rId13"/>
+    <p:sldId id="378" r:id="rId14"/>
+    <p:sldId id="371" r:id="rId15"/>
   </p:sldIdLst>
   <p:sldSz cx="9144000" cy="6858000" type="screen4x3"/>
   <p:notesSz cx="6858000" cy="9144000"/>
@@ -223,7 +224,7 @@
           <a:p>
             <a:fld id="{E00FA3B4-5499-9244-86B5-B0871A9DDD84}" type="datetimeFigureOut">
               <a:rPr lang="en-US" smtClean="0"/>
-              <a:t>7/20/2015</a:t>
+              <a:t>11/12/2015</a:t>
             </a:fld>
             <a:endParaRPr lang="en-US"/>
           </a:p>
@@ -389,7 +390,7 @@
           <a:p>
             <a:fld id="{FD3EFF1E-85A1-6640-AFB9-C38833E80A84}" type="datetimeFigureOut">
               <a:rPr lang="en-US" smtClean="0"/>
-              <a:t>7/20/2015</a:t>
+              <a:t>11/12/2015</a:t>
             </a:fld>
             <a:endParaRPr lang="en-US"/>
           </a:p>
@@ -807,7 +808,7 @@
           <a:p>
             <a:fld id="{13967457-1E83-1040-AFF7-8D09C473DBD5}" type="slidenum">
               <a:rPr lang="en-US" smtClean="0"/>
-              <a:t>3</a:t>
+              <a:t>2</a:t>
             </a:fld>
             <a:endParaRPr lang="en-US"/>
           </a:p>
@@ -816,7 +817,7 @@
     </p:spTree>
     <p:extLst>
       <p:ext uri="{BB962C8B-B14F-4D97-AF65-F5344CB8AC3E}">
-        <p14:creationId xmlns:p14="http://schemas.microsoft.com/office/powerpoint/2010/main" val="2375391209"/>
+        <p14:creationId xmlns:p14="http://schemas.microsoft.com/office/powerpoint/2010/main" val="1108472779"/>
       </p:ext>
     </p:extLst>
   </p:cSld>
@@ -891,7 +892,91 @@
           <a:p>
             <a:fld id="{13967457-1E83-1040-AFF7-8D09C473DBD5}" type="slidenum">
               <a:rPr lang="en-US" smtClean="0"/>
-              <a:t>13</a:t>
+              <a:t>4</a:t>
+            </a:fld>
+            <a:endParaRPr lang="en-US"/>
+          </a:p>
+        </p:txBody>
+      </p:sp>
+    </p:spTree>
+    <p:extLst>
+      <p:ext uri="{BB962C8B-B14F-4D97-AF65-F5344CB8AC3E}">
+        <p14:creationId xmlns:p14="http://schemas.microsoft.com/office/powerpoint/2010/main" val="1276312104"/>
+      </p:ext>
+    </p:extLst>
+  </p:cSld>
+  <p:clrMapOvr>
+    <a:masterClrMapping/>
+  </p:clrMapOvr>
+</p:notes>
+</file>
+
+<file path=ppt/notesSlides/notesSlide4.xml><?xml version="1.0" encoding="utf-8"?>
+<p:notes xmlns:a="http://schemas.openxmlformats.org/drawingml/2006/main" xmlns:r="http://schemas.openxmlformats.org/officeDocument/2006/relationships" xmlns:p="http://schemas.openxmlformats.org/presentationml/2006/main">
+  <p:cSld>
+    <p:spTree>
+      <p:nvGrpSpPr>
+        <p:cNvPr id="1" name=""/>
+        <p:cNvGrpSpPr/>
+        <p:nvPr/>
+      </p:nvGrpSpPr>
+      <p:grpSpPr>
+        <a:xfrm>
+          <a:off x="0" y="0"/>
+          <a:ext cx="0" cy="0"/>
+          <a:chOff x="0" y="0"/>
+          <a:chExt cx="0" cy="0"/>
+        </a:xfrm>
+      </p:grpSpPr>
+      <p:sp>
+        <p:nvSpPr>
+          <p:cNvPr id="2" name="Slide Image Placeholder 1"/>
+          <p:cNvSpPr>
+            <a:spLocks noGrp="1" noRot="1" noChangeAspect="1"/>
+          </p:cNvSpPr>
+          <p:nvPr>
+            <p:ph type="sldImg"/>
+          </p:nvPr>
+        </p:nvSpPr>
+        <p:spPr/>
+      </p:sp>
+      <p:sp>
+        <p:nvSpPr>
+          <p:cNvPr id="3" name="Notes Placeholder 2"/>
+          <p:cNvSpPr>
+            <a:spLocks noGrp="1"/>
+          </p:cNvSpPr>
+          <p:nvPr>
+            <p:ph type="body" idx="1"/>
+          </p:nvPr>
+        </p:nvSpPr>
+        <p:spPr/>
+        <p:txBody>
+          <a:bodyPr/>
+          <a:lstStyle/>
+          <a:p>
+            <a:endParaRPr lang="en-US"/>
+          </a:p>
+        </p:txBody>
+      </p:sp>
+      <p:sp>
+        <p:nvSpPr>
+          <p:cNvPr id="4" name="Slide Number Placeholder 3"/>
+          <p:cNvSpPr>
+            <a:spLocks noGrp="1"/>
+          </p:cNvSpPr>
+          <p:nvPr>
+            <p:ph type="sldNum" sz="quarter" idx="10"/>
+          </p:nvPr>
+        </p:nvSpPr>
+        <p:spPr/>
+        <p:txBody>
+          <a:bodyPr/>
+          <a:lstStyle/>
+          <a:p>
+            <a:fld id="{13967457-1E83-1040-AFF7-8D09C473DBD5}" type="slidenum">
+              <a:rPr lang="en-US" smtClean="0"/>
+              <a:t>14</a:t>
             </a:fld>
             <a:endParaRPr lang="en-US"/>
           </a:p>
@@ -1101,9 +1186,9 @@
           <a:bodyPr/>
           <a:lstStyle/>
           <a:p>
-            <a:fld id="{1513B2E8-9F3A-4798-8858-A24CED2A0EBC}" type="datetime1">
-              <a:rPr lang="en-US" smtClean="0"/>
-              <a:t>7/20/2015</a:t>
+            <a:fld id="{AE923CF0-CB60-4C7B-97E9-B9CB60A78D22}" type="datetime1">
+              <a:rPr lang="en-US" smtClean="0"/>
+              <a:t>11/12/2015</a:t>
             </a:fld>
             <a:endParaRPr lang="en-US"/>
           </a:p>
@@ -1126,7 +1211,7 @@
           <a:p>
             <a:r>
               <a:rPr lang="en-US" smtClean="0"/>
-              <a:t>© 2015, EV3Lessons.com (last edit 2/28/15)</a:t>
+              <a:t>© 2015, EV3Lessons.com (last edit 11/02/15)</a:t>
             </a:r>
             <a:endParaRPr lang="en-US"/>
           </a:p>
@@ -1392,9 +1477,9 @@
           <a:bodyPr/>
           <a:lstStyle/>
           <a:p>
-            <a:fld id="{4AD44EEF-22E8-486F-A7CC-B0A2D2A00269}" type="datetime1">
-              <a:rPr lang="en-US" smtClean="0"/>
-              <a:t>7/20/2015</a:t>
+            <a:fld id="{4705EFA9-4B69-4A67-BFCF-73D69EBB1C86}" type="datetime1">
+              <a:rPr lang="en-US" smtClean="0"/>
+              <a:t>11/12/2015</a:t>
             </a:fld>
             <a:endParaRPr lang="en-US"/>
           </a:p>
@@ -1417,7 +1502,7 @@
           <a:p>
             <a:r>
               <a:rPr lang="en-US" smtClean="0"/>
-              <a:t>© 2015, EV3Lessons.com (last edit 2/28/15)</a:t>
+              <a:t>© 2015, EV3Lessons.com (last edit 11/02/15)</a:t>
             </a:r>
             <a:endParaRPr lang="en-US"/>
           </a:p>
@@ -1571,9 +1656,9 @@
           <a:bodyPr/>
           <a:lstStyle/>
           <a:p>
-            <a:fld id="{0BC32E21-3DAD-48D0-B769-86CAE6FF8312}" type="datetime1">
-              <a:rPr lang="en-US" smtClean="0"/>
-              <a:t>7/20/2015</a:t>
+            <a:fld id="{F425330F-2C79-43A3-8FB4-D3B1505F6C01}" type="datetime1">
+              <a:rPr lang="en-US" smtClean="0"/>
+              <a:t>11/12/2015</a:t>
             </a:fld>
             <a:endParaRPr lang="en-US"/>
           </a:p>
@@ -1596,7 +1681,7 @@
           <a:p>
             <a:r>
               <a:rPr lang="en-US" smtClean="0"/>
-              <a:t>© 2015, EV3Lessons.com (last edit 2/28/15)</a:t>
+              <a:t>© 2015, EV3Lessons.com (last edit 11/02/15)</a:t>
             </a:r>
             <a:endParaRPr lang="en-US"/>
           </a:p>
@@ -1750,9 +1835,9 @@
           <a:bodyPr/>
           <a:lstStyle/>
           <a:p>
-            <a:fld id="{4A8F83AE-6DA7-43E5-81CC-B42B905F83E7}" type="datetime1">
-              <a:rPr lang="en-US" smtClean="0"/>
-              <a:t>7/20/2015</a:t>
+            <a:fld id="{E9F371A7-56E1-4588-BBEC-E2428955CE10}" type="datetime1">
+              <a:rPr lang="en-US" smtClean="0"/>
+              <a:t>11/12/2015</a:t>
             </a:fld>
             <a:endParaRPr lang="en-US"/>
           </a:p>
@@ -1775,7 +1860,7 @@
           <a:p>
             <a:r>
               <a:rPr lang="en-US" smtClean="0"/>
-              <a:t>© 2015, EV3Lessons.com (last edit 2/28/15)</a:t>
+              <a:t>© 2015, EV3Lessons.com (last edit 11/02/15)</a:t>
             </a:r>
             <a:endParaRPr lang="en-US"/>
           </a:p>
@@ -2003,9 +2088,9 @@
           <a:bodyPr/>
           <a:lstStyle/>
           <a:p>
-            <a:fld id="{8B3EF5FC-0D0A-41B0-8822-39085D7BEEBA}" type="datetime1">
-              <a:rPr lang="en-US" smtClean="0"/>
-              <a:t>7/20/2015</a:t>
+            <a:fld id="{BCD33F1B-FFDB-45E8-8142-3514A0AE8551}" type="datetime1">
+              <a:rPr lang="en-US" smtClean="0"/>
+              <a:t>11/12/2015</a:t>
             </a:fld>
             <a:endParaRPr lang="en-US"/>
           </a:p>
@@ -2051,7 +2136,7 @@
           <a:p>
             <a:r>
               <a:rPr lang="en-US" smtClean="0"/>
-              <a:t>© 2015, EV3Lessons.com (last edit 2/28/15)</a:t>
+              <a:t>© 2015, EV3Lessons.com (last edit 11/02/15)</a:t>
             </a:r>
             <a:endParaRPr lang="en-US"/>
           </a:p>
@@ -2295,9 +2380,9 @@
           <a:bodyPr/>
           <a:lstStyle/>
           <a:p>
-            <a:fld id="{BF631AC1-580A-4A60-95AA-5E56A699011C}" type="datetime1">
-              <a:rPr lang="en-US" smtClean="0"/>
-              <a:t>7/20/2015</a:t>
+            <a:fld id="{E53379DA-4C0F-44D4-9710-A6C0D92B5F07}" type="datetime1">
+              <a:rPr lang="en-US" smtClean="0"/>
+              <a:t>11/12/2015</a:t>
             </a:fld>
             <a:endParaRPr lang="en-US"/>
           </a:p>
@@ -2320,7 +2405,7 @@
           <a:p>
             <a:r>
               <a:rPr lang="en-US" smtClean="0"/>
-              <a:t>© 2015, EV3Lessons.com (last edit 2/28/15)</a:t>
+              <a:t>© 2015, EV3Lessons.com (last edit 11/02/15)</a:t>
             </a:r>
             <a:endParaRPr lang="en-US"/>
           </a:p>
@@ -2738,9 +2823,9 @@
           <a:bodyPr/>
           <a:lstStyle/>
           <a:p>
-            <a:fld id="{47EA05A9-A3BD-4767-8F20-909A2121C350}" type="datetime1">
-              <a:rPr lang="en-US" smtClean="0"/>
-              <a:t>7/20/2015</a:t>
+            <a:fld id="{78C8D720-C659-4EE8-9820-1EFABFCE3871}" type="datetime1">
+              <a:rPr lang="en-US" smtClean="0"/>
+              <a:t>11/12/2015</a:t>
             </a:fld>
             <a:endParaRPr lang="en-US"/>
           </a:p>
@@ -2763,7 +2848,7 @@
           <a:p>
             <a:r>
               <a:rPr lang="en-US" smtClean="0"/>
-              <a:t>© 2015, EV3Lessons.com (last edit 2/28/15)</a:t>
+              <a:t>© 2015, EV3Lessons.com (last edit 11/02/15)</a:t>
             </a:r>
             <a:endParaRPr lang="en-US"/>
           </a:p>
@@ -2855,9 +2940,9 @@
           <a:bodyPr/>
           <a:lstStyle/>
           <a:p>
-            <a:fld id="{2F370896-11DF-4AF2-AA13-8FCB78DE624D}" type="datetime1">
-              <a:rPr lang="en-US" smtClean="0"/>
-              <a:t>7/20/2015</a:t>
+            <a:fld id="{10043641-80DF-419A-AD50-6D94EF609967}" type="datetime1">
+              <a:rPr lang="en-US" smtClean="0"/>
+              <a:t>11/12/2015</a:t>
             </a:fld>
             <a:endParaRPr lang="en-US"/>
           </a:p>
@@ -2880,7 +2965,7 @@
           <a:p>
             <a:r>
               <a:rPr lang="en-US" smtClean="0"/>
-              <a:t>© 2015, EV3Lessons.com (last edit 2/28/15)</a:t>
+              <a:t>© 2015, EV3Lessons.com (last edit 11/02/15)</a:t>
             </a:r>
             <a:endParaRPr lang="en-US"/>
           </a:p>
@@ -2949,9 +3034,9 @@
           <a:bodyPr/>
           <a:lstStyle/>
           <a:p>
-            <a:fld id="{F9FC8E25-1492-433E-B3A5-5BB78549A3AC}" type="datetime1">
-              <a:rPr lang="en-US" smtClean="0"/>
-              <a:t>7/20/2015</a:t>
+            <a:fld id="{8CF8CDBE-49F4-4255-B9EA-BAC4B9653F98}" type="datetime1">
+              <a:rPr lang="en-US" smtClean="0"/>
+              <a:t>11/12/2015</a:t>
             </a:fld>
             <a:endParaRPr lang="en-US"/>
           </a:p>
@@ -2974,7 +3059,7 @@
           <a:p>
             <a:r>
               <a:rPr lang="en-US" smtClean="0"/>
-              <a:t>© 2015, EV3Lessons.com (last edit 2/28/15)</a:t>
+              <a:t>© 2015, EV3Lessons.com (last edit 11/02/15)</a:t>
             </a:r>
             <a:endParaRPr lang="en-US"/>
           </a:p>
@@ -3195,9 +3280,9 @@
           <a:bodyPr/>
           <a:lstStyle/>
           <a:p>
-            <a:fld id="{B15A6900-05DA-4BE7-8CE1-A8844A2165AA}" type="datetime1">
-              <a:rPr lang="en-US" smtClean="0"/>
-              <a:t>7/20/2015</a:t>
+            <a:fld id="{9866554A-94AB-4B6C-B088-D50C47B5E481}" type="datetime1">
+              <a:rPr lang="en-US" smtClean="0"/>
+              <a:t>11/12/2015</a:t>
             </a:fld>
             <a:endParaRPr lang="en-US"/>
           </a:p>
@@ -3220,7 +3305,7 @@
           <a:p>
             <a:r>
               <a:rPr lang="en-US" smtClean="0"/>
-              <a:t>© 2015, EV3Lessons.com (last edit 2/28/15)</a:t>
+              <a:t>© 2015, EV3Lessons.com (last edit 11/02/15)</a:t>
             </a:r>
             <a:endParaRPr lang="en-US"/>
           </a:p>
@@ -3493,9 +3578,9 @@
           <a:bodyPr/>
           <a:lstStyle/>
           <a:p>
-            <a:fld id="{DBF33A58-6CC4-4F73-9C23-3EA22CE9D7D7}" type="datetime1">
-              <a:rPr lang="en-US" smtClean="0"/>
-              <a:t>7/20/2015</a:t>
+            <a:fld id="{91527C36-FED2-4929-9127-7964448B9E1F}" type="datetime1">
+              <a:rPr lang="en-US" smtClean="0"/>
+              <a:t>11/12/2015</a:t>
             </a:fld>
             <a:endParaRPr lang="en-US"/>
           </a:p>
@@ -3518,7 +3603,7 @@
           <a:p>
             <a:r>
               <a:rPr lang="en-US" smtClean="0"/>
-              <a:t>© 2015, EV3Lessons.com (last edit 2/28/15)</a:t>
+              <a:t>© 2015, EV3Lessons.com (last edit 11/02/15)</a:t>
             </a:r>
             <a:endParaRPr lang="en-US"/>
           </a:p>
@@ -3791,9 +3876,9 @@
             </a:lvl1pPr>
           </a:lstStyle>
           <a:p>
-            <a:fld id="{EA78CF66-11E1-42A4-AC73-178274BE6D0D}" type="datetime1">
-              <a:rPr lang="en-US" smtClean="0"/>
-              <a:t>7/20/2015</a:t>
+            <a:fld id="{7644706D-55FC-4799-9DA6-17652D7ABD2A}" type="datetime1">
+              <a:rPr lang="en-US" smtClean="0"/>
+              <a:t>11/12/2015</a:t>
             </a:fld>
             <a:endParaRPr lang="en-US"/>
           </a:p>
@@ -3832,7 +3917,7 @@
           <a:p>
             <a:r>
               <a:rPr lang="en-US" smtClean="0"/>
-              <a:t>© 2015, EV3Lessons.com (last edit 2/28/15)</a:t>
+              <a:t>© 2015, EV3Lessons.com (last edit 11/02/15)</a:t>
             </a:r>
             <a:endParaRPr lang="en-US"/>
           </a:p>
@@ -4327,12 +4412,16 @@
           <a:p>
             <a:pPr algn="ctr"/>
             <a:r>
+              <a:rPr lang="en-US" sz="3200" dirty="0" err="1"/>
+              <a:t>Lição</a:t>
+            </a:r>
+            <a:r>
               <a:rPr lang="en-US" sz="3200" dirty="0"/>
-              <a:t>LIÇÃO DE </a:t>
+              <a:t> de </a:t>
             </a:r>
             <a:r>
               <a:rPr lang="en-US" sz="3200" dirty="0" err="1"/>
-              <a:t>Programação</a:t>
+              <a:t>programação</a:t>
             </a:r>
             <a:r>
               <a:rPr lang="en-US" sz="3200" dirty="0"/>
@@ -4340,7 +4429,7 @@
             </a:r>
             <a:r>
               <a:rPr lang="en-US" sz="3200" dirty="0" err="1"/>
-              <a:t>intermediário</a:t>
+              <a:t>intermediária</a:t>
             </a:r>
             <a:endParaRPr lang="en-US" sz="3200" dirty="0"/>
           </a:p>
@@ -4354,8 +4443,8 @@
         </p:nvSpPr>
         <p:spPr>
           <a:xfrm>
-            <a:off x="1487501" y="5949643"/>
-            <a:ext cx="4750545" cy="523220"/>
+            <a:off x="1650339" y="6072753"/>
+            <a:ext cx="4750545" cy="400110"/>
           </a:xfrm>
           <a:prstGeom prst="rect">
             <a:avLst/>
@@ -4369,46 +4458,21 @@
           <a:lstStyle/>
           <a:p>
             <a:r>
-              <a:rPr lang="en-US" sz="2800" dirty="0" err="1" smtClean="0"/>
+              <a:rPr lang="en-US" sz="2000" dirty="0" err="1"/>
               <a:t>Por</a:t>
             </a:r>
             <a:r>
-              <a:rPr lang="en-US" sz="2800" dirty="0" smtClean="0"/>
-              <a:t>: Droids Robotics</a:t>
-            </a:r>
-          </a:p>
-        </p:txBody>
-      </p:sp>
-      <p:pic>
-        <p:nvPicPr>
-          <p:cNvPr id="3" name="Picture 2" descr="Droidslogo2.png"/>
-          <p:cNvPicPr>
-            <a:picLocks noChangeAspect="1"/>
-          </p:cNvPicPr>
-          <p:nvPr/>
-        </p:nvPicPr>
-        <p:blipFill>
-          <a:blip r:embed="rId3">
-            <a:extLst>
-              <a:ext uri="{28A0092B-C50C-407E-A947-70E740481C1C}">
-                <a14:useLocalDpi xmlns:a14="http://schemas.microsoft.com/office/drawing/2010/main" val="0"/>
-              </a:ext>
-            </a:extLst>
-          </a:blip>
-          <a:stretch>
-            <a:fillRect/>
-          </a:stretch>
-        </p:blipFill>
-        <p:spPr>
-          <a:xfrm>
-            <a:off x="402306" y="5456830"/>
-            <a:ext cx="1085195" cy="1085195"/>
-          </a:xfrm>
-          <a:prstGeom prst="rect">
-            <a:avLst/>
-          </a:prstGeom>
-        </p:spPr>
-      </p:pic>
+              <a:rPr lang="en-US" sz="2000" dirty="0"/>
+              <a:t> Droids Robotics</a:t>
+            </a:r>
+            <a:r>
+              <a:rPr lang="en-US" sz="2000" dirty="0" smtClean="0"/>
+              <a:t>.</a:t>
+            </a:r>
+            <a:endParaRPr lang="en-US" sz="2000" dirty="0"/>
+          </a:p>
+        </p:txBody>
+      </p:sp>
       <p:sp>
         <p:nvSpPr>
           <p:cNvPr id="4" name="TextBox 3"/>
@@ -4445,7 +4509,7 @@
                   <a:srgbClr val="FF0000"/>
                 </a:solidFill>
               </a:rPr>
-              <a:t>Girar</a:t>
+              <a:t>Virar_Grau</a:t>
             </a:r>
             <a:r>
               <a:rPr lang="en-US" sz="2800" dirty="0" smtClean="0">
@@ -4453,15 +4517,7 @@
                   <a:srgbClr val="FF0000"/>
                 </a:solidFill>
               </a:rPr>
-              <a:t> </a:t>
-            </a:r>
-            <a:r>
-              <a:rPr lang="en-US" sz="2800" dirty="0" err="1" smtClean="0">
-                <a:solidFill>
-                  <a:srgbClr val="FF0000"/>
-                </a:solidFill>
-              </a:rPr>
-              <a:t>Graus</a:t>
+              <a:t>.</a:t>
             </a:r>
             <a:endParaRPr lang="en-US" sz="2800" dirty="0">
               <a:solidFill>
@@ -4483,7 +4539,7 @@
           <p:nvPr/>
         </p:nvPicPr>
         <p:blipFill>
-          <a:blip r:embed="rId4">
+          <a:blip r:embed="rId3">
             <a:extLst>
               <a:ext uri="{28A0092B-C50C-407E-A947-70E740481C1C}">
                 <a14:useLocalDpi xmlns:a14="http://schemas.microsoft.com/office/drawing/2010/main" val="0"/>
@@ -4513,6 +4569,36 @@
               </a14:hiddenFill>
             </a:ext>
           </a:extLst>
+        </p:spPr>
+      </p:pic>
+      <p:pic>
+        <p:nvPicPr>
+          <p:cNvPr id="8" name="Picture 7"/>
+          <p:cNvPicPr>
+            <a:picLocks noChangeAspect="1"/>
+          </p:cNvPicPr>
+          <p:nvPr/>
+        </p:nvPicPr>
+        <p:blipFill>
+          <a:blip r:embed="rId4">
+            <a:extLst>
+              <a:ext uri="{28A0092B-C50C-407E-A947-70E740481C1C}">
+                <a14:useLocalDpi xmlns:a14="http://schemas.microsoft.com/office/drawing/2010/main" val="0"/>
+              </a:ext>
+            </a:extLst>
+          </a:blip>
+          <a:stretch>
+            <a:fillRect/>
+          </a:stretch>
+        </p:blipFill>
+        <p:spPr>
+          <a:xfrm>
+            <a:off x="402305" y="5241747"/>
+            <a:ext cx="1286881" cy="1231116"/>
+          </a:xfrm>
+          <a:prstGeom prst="rect">
+            <a:avLst/>
+          </a:prstGeom>
         </p:spPr>
       </p:pic>
     </p:spTree>
@@ -4562,12 +4648,7 @@
             <p:ph type="title"/>
           </p:nvPr>
         </p:nvSpPr>
-        <p:spPr>
-          <a:xfrm>
-            <a:off x="457199" y="152718"/>
-            <a:ext cx="8245475" cy="797021"/>
-          </a:xfrm>
-        </p:spPr>
+        <p:spPr/>
         <p:txBody>
           <a:bodyPr>
             <a:normAutofit/>
@@ -4576,11 +4657,19 @@
           <a:p>
             <a:r>
               <a:rPr lang="en-US" dirty="0" err="1" smtClean="0"/>
-              <a:t>Estágio</a:t>
-            </a:r>
-            <a:r>
-              <a:rPr lang="en-US" dirty="0" smtClean="0"/>
-              <a:t> 5: outro MY BLOCK</a:t>
+              <a:t>Passo</a:t>
+            </a:r>
+            <a:r>
+              <a:rPr lang="en-US" dirty="0" smtClean="0"/>
+              <a:t> 3b: my block </a:t>
+            </a:r>
+            <a:r>
+              <a:rPr lang="en-US" dirty="0" err="1" smtClean="0"/>
+              <a:t>Girar_grau</a:t>
+            </a:r>
+            <a:r>
+              <a:rPr lang="en-US" dirty="0" smtClean="0"/>
+              <a:t>.</a:t>
             </a:r>
             <a:endParaRPr lang="en-US" dirty="0"/>
           </a:p>
@@ -4602,8 +4691,8 @@
           <a:lstStyle/>
           <a:p>
             <a:r>
-              <a:rPr lang="en-US"/>
-              <a:t>© 2015, EV3Lessons.com (última edição 28/2/15)</a:t>
+              <a:rPr lang="en-US" smtClean="0"/>
+              <a:t>© 2015, EV3Lessons.com (last edit 11/02/15)</a:t>
             </a:r>
             <a:endParaRPr lang="en-US"/>
           </a:p>
@@ -4634,22 +4723,28 @@
       </p:sp>
       <p:pic>
         <p:nvPicPr>
-          <p:cNvPr id="6" name="Picture 5"/>
+          <p:cNvPr id="5" name="Imagem 4"/>
           <p:cNvPicPr>
             <a:picLocks noChangeAspect="1"/>
           </p:cNvPicPr>
           <p:nvPr/>
         </p:nvPicPr>
         <p:blipFill>
-          <a:blip r:embed="rId2"/>
+          <a:blip r:embed="rId2">
+            <a:extLst>
+              <a:ext uri="{28A0092B-C50C-407E-A947-70E740481C1C}">
+                <a14:useLocalDpi xmlns:a14="http://schemas.microsoft.com/office/drawing/2010/main" val="0"/>
+              </a:ext>
+            </a:extLst>
+          </a:blip>
           <a:stretch>
             <a:fillRect/>
           </a:stretch>
         </p:blipFill>
         <p:spPr>
           <a:xfrm>
-            <a:off x="155306" y="1985151"/>
-            <a:ext cx="8547368" cy="2678117"/>
+            <a:off x="248069" y="1650563"/>
+            <a:ext cx="8454606" cy="3655533"/>
           </a:xfrm>
           <a:prstGeom prst="rect">
             <a:avLst/>
@@ -4659,7 +4754,7 @@
     </p:spTree>
     <p:extLst>
       <p:ext uri="{BB962C8B-B14F-4D97-AF65-F5344CB8AC3E}">
-        <p14:creationId xmlns:p14="http://schemas.microsoft.com/office/powerpoint/2010/main" val="1461497077"/>
+        <p14:creationId xmlns:p14="http://schemas.microsoft.com/office/powerpoint/2010/main" val="2279022026"/>
       </p:ext>
     </p:extLst>
   </p:cSld>
@@ -4709,32 +4804,44 @@
           <a:lstStyle/>
           <a:p>
             <a:r>
-              <a:rPr lang="en-US" dirty="0" err="1" smtClean="0"/>
-              <a:t>estágio</a:t>
-            </a:r>
-            <a:r>
-              <a:rPr lang="en-US" dirty="0" smtClean="0"/>
-              <a:t> 6: </a:t>
-            </a:r>
-            <a:r>
-              <a:rPr lang="en-US" dirty="0" err="1" smtClean="0"/>
-              <a:t>girar</a:t>
-            </a:r>
-            <a:r>
-              <a:rPr lang="en-US" dirty="0" smtClean="0"/>
-              <a:t> </a:t>
-            </a:r>
-            <a:r>
-              <a:rPr lang="en-US" dirty="0" err="1" smtClean="0"/>
-              <a:t>graus</a:t>
-            </a:r>
-            <a:r>
-              <a:rPr lang="en-US" dirty="0" smtClean="0"/>
-              <a:t> à </a:t>
-            </a:r>
-            <a:r>
-              <a:rPr lang="en-US" dirty="0" err="1" smtClean="0"/>
-              <a:t>direita</a:t>
+              <a:rPr lang="en-US" dirty="0" err="1"/>
+              <a:t>passo</a:t>
+            </a:r>
+            <a:r>
+              <a:rPr lang="en-US" dirty="0"/>
+              <a:t> 3B: </a:t>
+            </a:r>
+            <a:r>
+              <a:rPr lang="en-US" dirty="0" err="1"/>
+              <a:t>uma</a:t>
+            </a:r>
+            <a:r>
+              <a:rPr lang="en-US" dirty="0"/>
+              <a:t> </a:t>
+            </a:r>
+            <a:r>
+              <a:rPr lang="en-US" dirty="0" err="1"/>
+              <a:t>olhadinha</a:t>
+            </a:r>
+            <a:r>
+              <a:rPr lang="en-US" dirty="0"/>
+              <a:t>: </a:t>
+            </a:r>
+            <a:r>
+              <a:rPr lang="en-US" dirty="0" err="1" smtClean="0"/>
+              <a:t>Virar_graus</a:t>
+            </a:r>
+            <a:r>
+              <a:rPr lang="en-US" dirty="0" smtClean="0"/>
+              <a:t> </a:t>
+            </a:r>
+            <a:r>
+              <a:rPr lang="en-US" dirty="0" err="1" smtClean="0"/>
+              <a:t>direito</a:t>
+            </a:r>
+            <a:r>
+              <a:rPr lang="en-US" dirty="0" smtClean="0"/>
+              <a:t>.</a:t>
             </a:r>
             <a:endParaRPr lang="en-US" dirty="0"/>
           </a:p>
@@ -4756,8 +4863,8 @@
           <a:lstStyle/>
           <a:p>
             <a:r>
-              <a:rPr lang="en-US"/>
-              <a:t>© 2015, EV3Lessons.com (última edição 28/2/15)</a:t>
+              <a:rPr lang="en-US" smtClean="0"/>
+              <a:t>© 2015, EV3Lessons.com (last edit 11/02/15)</a:t>
             </a:r>
             <a:endParaRPr lang="en-US"/>
           </a:p>
@@ -4765,7 +4872,7 @@
       </p:sp>
       <p:sp>
         <p:nvSpPr>
-          <p:cNvPr id="3" name="Slide Number Placeholder 2"/>
+          <p:cNvPr id="5" name="Slide Number Placeholder 4"/>
           <p:cNvSpPr>
             <a:spLocks noGrp="1"/>
           </p:cNvSpPr>
@@ -4788,22 +4895,28 @@
       </p:sp>
       <p:pic>
         <p:nvPicPr>
-          <p:cNvPr id="6" name="Picture 5"/>
+          <p:cNvPr id="3" name="Imagem 2"/>
           <p:cNvPicPr>
             <a:picLocks noChangeAspect="1"/>
           </p:cNvPicPr>
           <p:nvPr/>
         </p:nvPicPr>
         <p:blipFill>
-          <a:blip r:embed="rId2"/>
+          <a:blip r:embed="rId2">
+            <a:extLst>
+              <a:ext uri="{28A0092B-C50C-407E-A947-70E740481C1C}">
+                <a14:useLocalDpi xmlns:a14="http://schemas.microsoft.com/office/drawing/2010/main" val="0"/>
+              </a:ext>
+            </a:extLst>
+          </a:blip>
           <a:stretch>
             <a:fillRect/>
           </a:stretch>
         </p:blipFill>
         <p:spPr>
           <a:xfrm>
-            <a:off x="106736" y="1739994"/>
-            <a:ext cx="8621222" cy="2563066"/>
+            <a:off x="457200" y="1661375"/>
+            <a:ext cx="7886063" cy="4288666"/>
           </a:xfrm>
           <a:prstGeom prst="rect">
             <a:avLst/>
@@ -4813,20 +4926,13 @@
     </p:spTree>
     <p:extLst>
       <p:ext uri="{BB962C8B-B14F-4D97-AF65-F5344CB8AC3E}">
-        <p14:creationId xmlns:p14="http://schemas.microsoft.com/office/powerpoint/2010/main" val="1688947526"/>
+        <p14:creationId xmlns:p14="http://schemas.microsoft.com/office/powerpoint/2010/main" val="3031772352"/>
       </p:ext>
     </p:extLst>
   </p:cSld>
   <p:clrMapOvr>
     <a:masterClrMapping/>
   </p:clrMapOvr>
-  <p:timing>
-    <p:tnLst>
-      <p:par>
-        <p:cTn id="1" dur="indefinite" restart="never" nodeType="tmRoot"/>
-      </p:par>
-    </p:tnLst>
-  </p:timing>
 </p:sld>
 </file>
 
@@ -4865,26 +4971,46 @@
           <a:lstStyle/>
           <a:p>
             <a:r>
-              <a:rPr lang="en-US" sz="3200" dirty="0" err="1" smtClean="0"/>
-              <a:t>estágio</a:t>
-            </a:r>
-            <a:r>
-              <a:rPr lang="en-US" sz="3200" dirty="0" smtClean="0"/>
-              <a:t> 7: Final do </a:t>
-            </a:r>
-            <a:r>
-              <a:rPr lang="en-US" sz="3200" dirty="0" err="1" smtClean="0"/>
-              <a:t>girar</a:t>
-            </a:r>
-            <a:r>
-              <a:rPr lang="en-US" sz="3200" dirty="0" smtClean="0"/>
-              <a:t> </a:t>
-            </a:r>
-            <a:r>
-              <a:rPr lang="en-US" sz="3200" dirty="0" err="1" smtClean="0"/>
-              <a:t>graus</a:t>
-            </a:r>
-            <a:endParaRPr lang="en-US" sz="3200" dirty="0"/>
+              <a:rPr lang="en-US" dirty="0" err="1" smtClean="0"/>
+              <a:t>passo</a:t>
+            </a:r>
+            <a:r>
+              <a:rPr lang="en-US" dirty="0" smtClean="0"/>
+              <a:t> 3B: </a:t>
+            </a:r>
+            <a:r>
+              <a:rPr lang="en-US" dirty="0" err="1" smtClean="0"/>
+              <a:t>uma</a:t>
+            </a:r>
+            <a:r>
+              <a:rPr lang="en-US" dirty="0" smtClean="0"/>
+              <a:t> </a:t>
+            </a:r>
+            <a:r>
+              <a:rPr lang="en-US" dirty="0" err="1" smtClean="0"/>
+              <a:t>olhadinha</a:t>
+            </a:r>
+            <a:r>
+              <a:rPr lang="en-US" dirty="0" smtClean="0"/>
+              <a:t>: </a:t>
+            </a:r>
+            <a:r>
+              <a:rPr lang="en-US" dirty="0" err="1" smtClean="0"/>
+              <a:t>Virar_graus</a:t>
+            </a:r>
+            <a:r>
+              <a:rPr lang="en-US" dirty="0" smtClean="0"/>
+              <a:t> </a:t>
+            </a:r>
+            <a:r>
+              <a:rPr lang="en-US" dirty="0" err="1" smtClean="0"/>
+              <a:t>esquerdo</a:t>
+            </a:r>
+            <a:r>
+              <a:rPr lang="en-US" dirty="0" smtClean="0"/>
+              <a:t>.</a:t>
+            </a:r>
+            <a:endParaRPr lang="en-US" dirty="0"/>
           </a:p>
         </p:txBody>
       </p:sp>
@@ -4904,8 +5030,8 @@
           <a:lstStyle/>
           <a:p>
             <a:r>
-              <a:rPr lang="en-US"/>
-              <a:t>© 2015, EV3Lessons.com (última edição 28/2/15)</a:t>
+              <a:rPr lang="en-US" smtClean="0"/>
+              <a:t>© 2015, EV3Lessons.com (last edit 11/02/15)</a:t>
             </a:r>
             <a:endParaRPr lang="en-US"/>
           </a:p>
@@ -4913,7 +5039,7 @@
       </p:sp>
       <p:sp>
         <p:nvSpPr>
-          <p:cNvPr id="3" name="Slide Number Placeholder 2"/>
+          <p:cNvPr id="5" name="Slide Number Placeholder 4"/>
           <p:cNvSpPr>
             <a:spLocks noGrp="1"/>
           </p:cNvSpPr>
@@ -4936,22 +5062,28 @@
       </p:sp>
       <p:pic>
         <p:nvPicPr>
-          <p:cNvPr id="6" name="Picture 5"/>
+          <p:cNvPr id="8" name="Imagem 7"/>
           <p:cNvPicPr>
             <a:picLocks noChangeAspect="1"/>
           </p:cNvPicPr>
           <p:nvPr/>
         </p:nvPicPr>
         <p:blipFill>
-          <a:blip r:embed="rId2"/>
+          <a:blip r:embed="rId2">
+            <a:extLst>
+              <a:ext uri="{28A0092B-C50C-407E-A947-70E740481C1C}">
+                <a14:useLocalDpi xmlns:a14="http://schemas.microsoft.com/office/drawing/2010/main" val="0"/>
+              </a:ext>
+            </a:extLst>
+          </a:blip>
           <a:stretch>
             <a:fillRect/>
           </a:stretch>
         </p:blipFill>
         <p:spPr>
           <a:xfrm>
-            <a:off x="180220" y="1933575"/>
-            <a:ext cx="8248556" cy="2584877"/>
+            <a:off x="457200" y="1722119"/>
+            <a:ext cx="7708006" cy="4227921"/>
           </a:xfrm>
           <a:prstGeom prst="rect">
             <a:avLst/>
@@ -4961,20 +5093,13 @@
     </p:spTree>
     <p:extLst>
       <p:ext uri="{BB962C8B-B14F-4D97-AF65-F5344CB8AC3E}">
-        <p14:creationId xmlns:p14="http://schemas.microsoft.com/office/powerpoint/2010/main" val="2279022026"/>
+        <p14:creationId xmlns:p14="http://schemas.microsoft.com/office/powerpoint/2010/main" val="2225033909"/>
       </p:ext>
     </p:extLst>
   </p:cSld>
   <p:clrMapOvr>
     <a:masterClrMapping/>
   </p:clrMapOvr>
-  <p:timing>
-    <p:tnLst>
-      <p:par>
-        <p:cTn id="1" dur="indefinite" restart="never" nodeType="tmRoot"/>
-      </p:par>
-    </p:tnLst>
-  </p:timing>
 </p:sld>
 </file>
 
@@ -5011,21 +5136,696 @@
           <a:lstStyle/>
           <a:p>
             <a:r>
-              <a:rPr lang="en-US" dirty="0" err="1" smtClean="0"/>
-              <a:t>créditos</a:t>
+              <a:rPr lang="en-US" dirty="0" err="1"/>
+              <a:t>DISCUSSão</a:t>
+            </a:r>
+            <a:r>
+              <a:rPr lang="en-US" dirty="0"/>
+              <a:t>.</a:t>
+            </a:r>
+          </a:p>
+        </p:txBody>
+      </p:sp>
+      <p:sp>
+        <p:nvSpPr>
+          <p:cNvPr id="3" name="Content Placeholder 2"/>
+          <p:cNvSpPr>
+            <a:spLocks noGrp="1"/>
+          </p:cNvSpPr>
+          <p:nvPr>
+            <p:ph idx="1"/>
+          </p:nvPr>
+        </p:nvSpPr>
+        <p:spPr>
+          <a:xfrm>
+            <a:off x="457200" y="1244600"/>
+            <a:ext cx="8245474" cy="4965700"/>
+          </a:xfrm>
+        </p:spPr>
+        <p:txBody>
+          <a:bodyPr>
+            <a:normAutofit/>
+          </a:bodyPr>
+          <a:lstStyle/>
+          <a:p>
+            <a:r>
+              <a:rPr lang="en-US" dirty="0" err="1"/>
+              <a:t>Por</a:t>
+            </a:r>
+            <a:r>
+              <a:rPr lang="en-US" dirty="0"/>
+              <a:t> </a:t>
+            </a:r>
+            <a:r>
+              <a:rPr lang="en-US" dirty="0" err="1"/>
+              <a:t>que</a:t>
+            </a:r>
+            <a:r>
+              <a:rPr lang="en-US" dirty="0"/>
+              <a:t> um My Block </a:t>
+            </a:r>
+            <a:r>
+              <a:rPr lang="en-US" dirty="0" smtClean="0"/>
+              <a:t>“</a:t>
+            </a:r>
+            <a:r>
+              <a:rPr lang="en-US" dirty="0" err="1" smtClean="0"/>
+              <a:t>Virar_Grau</a:t>
+            </a:r>
+            <a:r>
+              <a:rPr lang="en-US" dirty="0" smtClean="0"/>
+              <a:t>” é </a:t>
+            </a:r>
+            <a:r>
+              <a:rPr lang="en-US" dirty="0" err="1" smtClean="0"/>
+              <a:t>útil</a:t>
+            </a:r>
+            <a:r>
+              <a:rPr lang="en-US" dirty="0" smtClean="0"/>
+              <a:t>?</a:t>
+            </a:r>
+          </a:p>
+          <a:p>
+            <a:pPr lvl="1"/>
+            <a:r>
+              <a:rPr lang="en-US" b="0" dirty="0" err="1" smtClean="0"/>
+              <a:t>Você</a:t>
+            </a:r>
+            <a:r>
+              <a:rPr lang="en-US" b="0" dirty="0" smtClean="0"/>
+              <a:t> </a:t>
+            </a:r>
+            <a:r>
+              <a:rPr lang="en-US" b="0" dirty="0" err="1" smtClean="0"/>
+              <a:t>pode</a:t>
+            </a:r>
+            <a:r>
+              <a:rPr lang="en-US" b="0" dirty="0" smtClean="0"/>
+              <a:t> </a:t>
+            </a:r>
+            <a:r>
+              <a:rPr lang="en-US" b="0" dirty="0" err="1" smtClean="0"/>
+              <a:t>medir</a:t>
+            </a:r>
+            <a:r>
+              <a:rPr lang="en-US" b="0" dirty="0" smtClean="0"/>
+              <a:t> as </a:t>
+            </a:r>
+            <a:r>
+              <a:rPr lang="en-US" b="0" dirty="0" err="1" smtClean="0"/>
+              <a:t>curvas</a:t>
+            </a:r>
+            <a:r>
+              <a:rPr lang="en-US" b="0" dirty="0" smtClean="0"/>
+              <a:t> </a:t>
+            </a:r>
+            <a:r>
+              <a:rPr lang="en-US" b="0" dirty="0" err="1" smtClean="0"/>
+              <a:t>usando</a:t>
+            </a:r>
+            <a:r>
+              <a:rPr lang="en-US" b="0" dirty="0" smtClean="0"/>
+              <a:t> um</a:t>
+            </a:r>
+            <a:r>
+              <a:rPr lang="en-US" i="1" dirty="0"/>
+              <a:t> </a:t>
+            </a:r>
+            <a:r>
+              <a:rPr lang="en-US" i="1" dirty="0" err="1" smtClean="0"/>
+              <a:t>transferidor</a:t>
+            </a:r>
+            <a:r>
+              <a:rPr lang="en-US" b="0" dirty="0" smtClean="0"/>
+              <a:t> e </a:t>
+            </a:r>
+            <a:r>
+              <a:rPr lang="en-US" b="0" dirty="0" err="1" smtClean="0"/>
+              <a:t>colocar</a:t>
+            </a:r>
+            <a:r>
+              <a:rPr lang="en-US" b="0" dirty="0" smtClean="0"/>
+              <a:t> o valor no </a:t>
+            </a:r>
+            <a:r>
+              <a:rPr lang="en-US" b="0" dirty="0" err="1" smtClean="0"/>
+              <a:t>seu</a:t>
+            </a:r>
+            <a:r>
+              <a:rPr lang="en-US" b="0" dirty="0" smtClean="0"/>
+              <a:t> </a:t>
+            </a:r>
+            <a:r>
+              <a:rPr lang="en-US" b="0" dirty="0" err="1" smtClean="0"/>
+              <a:t>bloco</a:t>
+            </a:r>
+            <a:r>
+              <a:rPr lang="en-US" b="0" dirty="0" smtClean="0"/>
+              <a:t> de </a:t>
+            </a:r>
+            <a:r>
+              <a:rPr lang="en-US" b="0" dirty="0" err="1" smtClean="0"/>
+              <a:t>curvas</a:t>
+            </a:r>
+            <a:r>
+              <a:rPr lang="en-US" b="0" dirty="0" smtClean="0"/>
+              <a:t>.</a:t>
+            </a:r>
+          </a:p>
+          <a:p>
+            <a:pPr lvl="1"/>
+            <a:endParaRPr lang="en-US" b="0" dirty="0"/>
+          </a:p>
+          <a:p>
+            <a:r>
+              <a:rPr lang="en-US" dirty="0" err="1"/>
+              <a:t>Mudar</a:t>
+            </a:r>
+            <a:r>
+              <a:rPr lang="en-US" dirty="0"/>
+              <a:t> </a:t>
+            </a:r>
+            <a:r>
+              <a:rPr lang="en-US" dirty="0" err="1"/>
+              <a:t>os</a:t>
+            </a:r>
+            <a:r>
+              <a:rPr lang="en-US" dirty="0"/>
+              <a:t> </a:t>
+            </a:r>
+            <a:r>
+              <a:rPr lang="en-US" dirty="0" err="1"/>
+              <a:t>valores</a:t>
+            </a:r>
+            <a:r>
+              <a:rPr lang="en-US" dirty="0"/>
+              <a:t> das entradas </a:t>
+            </a:r>
+            <a:r>
+              <a:rPr lang="en-US" dirty="0" err="1"/>
+              <a:t>em</a:t>
+            </a:r>
+            <a:r>
+              <a:rPr lang="en-US" dirty="0"/>
+              <a:t> </a:t>
+            </a:r>
+            <a:r>
+              <a:rPr lang="en-US" dirty="0" err="1"/>
+              <a:t>uma</a:t>
+            </a:r>
+            <a:r>
+              <a:rPr lang="en-US" dirty="0"/>
+              <a:t> </a:t>
+            </a:r>
+            <a:r>
+              <a:rPr lang="en-US" dirty="0" err="1"/>
+              <a:t>cópia</a:t>
+            </a:r>
+            <a:r>
+              <a:rPr lang="en-US" dirty="0"/>
+              <a:t> do </a:t>
+            </a:r>
+            <a:r>
+              <a:rPr lang="en-US" dirty="0" smtClean="0"/>
+              <a:t>“</a:t>
+            </a:r>
+            <a:r>
+              <a:rPr lang="en-US" dirty="0" err="1" smtClean="0"/>
+              <a:t>Virar_Grau</a:t>
+            </a:r>
+            <a:r>
+              <a:rPr lang="en-US" dirty="0" smtClean="0"/>
+              <a:t>”</a:t>
+            </a:r>
+            <a:r>
+              <a:rPr lang="en-US" dirty="0"/>
+              <a:t> </a:t>
+            </a:r>
+            <a:r>
+              <a:rPr lang="en-US" dirty="0" err="1"/>
+              <a:t>afetará</a:t>
+            </a:r>
+            <a:r>
+              <a:rPr lang="en-US" dirty="0"/>
+              <a:t> </a:t>
+            </a:r>
+            <a:r>
+              <a:rPr lang="en-US" dirty="0" err="1"/>
+              <a:t>outra</a:t>
+            </a:r>
+            <a:r>
+              <a:rPr lang="en-US" dirty="0"/>
+              <a:t> </a:t>
+            </a:r>
+            <a:r>
+              <a:rPr lang="en-US" dirty="0" err="1"/>
+              <a:t>cópia</a:t>
+            </a:r>
+            <a:r>
+              <a:rPr lang="en-US" dirty="0"/>
+              <a:t> dele?</a:t>
+            </a:r>
+            <a:endParaRPr lang="en-US" dirty="0" smtClean="0"/>
+          </a:p>
+          <a:p>
+            <a:pPr lvl="1"/>
+            <a:r>
+              <a:rPr lang="en-US" dirty="0" err="1"/>
+              <a:t>Não</a:t>
+            </a:r>
+            <a:r>
+              <a:rPr lang="en-US" dirty="0"/>
+              <a:t>. </a:t>
+            </a:r>
+            <a:r>
+              <a:rPr lang="en-US" dirty="0" err="1"/>
+              <a:t>Isso</a:t>
+            </a:r>
+            <a:r>
+              <a:rPr lang="en-US" dirty="0"/>
+              <a:t> é </a:t>
+            </a:r>
+            <a:r>
+              <a:rPr lang="en-US" dirty="0" err="1"/>
+              <a:t>exetamente</a:t>
+            </a:r>
+            <a:r>
+              <a:rPr lang="en-US" dirty="0"/>
+              <a:t> o </a:t>
+            </a:r>
+            <a:r>
+              <a:rPr lang="en-US" dirty="0" err="1"/>
+              <a:t>porquê</a:t>
+            </a:r>
+            <a:r>
+              <a:rPr lang="en-US" dirty="0"/>
+              <a:t> do My Block </a:t>
+            </a:r>
+            <a:r>
+              <a:rPr lang="en-US" dirty="0" err="1"/>
+              <a:t>ser</a:t>
+            </a:r>
+            <a:r>
+              <a:rPr lang="en-US" dirty="0"/>
+              <a:t> </a:t>
+            </a:r>
+            <a:r>
+              <a:rPr lang="en-US" dirty="0" err="1"/>
+              <a:t>útil</a:t>
+            </a:r>
+            <a:r>
+              <a:rPr lang="en-US" dirty="0"/>
+              <a:t>. </a:t>
+            </a:r>
+            <a:r>
+              <a:rPr lang="en-US" dirty="0" err="1"/>
+              <a:t>Você</a:t>
+            </a:r>
+            <a:r>
+              <a:rPr lang="en-US" dirty="0"/>
+              <a:t> </a:t>
+            </a:r>
+            <a:r>
+              <a:rPr lang="en-US" dirty="0" err="1"/>
+              <a:t>pode</a:t>
+            </a:r>
+            <a:r>
+              <a:rPr lang="en-US" dirty="0"/>
+              <a:t> </a:t>
+            </a:r>
+            <a:r>
+              <a:rPr lang="en-US" dirty="0" err="1"/>
+              <a:t>usar</a:t>
+            </a:r>
+            <a:r>
+              <a:rPr lang="en-US" dirty="0"/>
+              <a:t> o </a:t>
+            </a:r>
+            <a:r>
+              <a:rPr lang="en-US" dirty="0" err="1"/>
+              <a:t>mesmo</a:t>
+            </a:r>
+            <a:r>
+              <a:rPr lang="en-US" dirty="0"/>
+              <a:t> </a:t>
+            </a:r>
+            <a:r>
+              <a:rPr lang="en-US" dirty="0" err="1"/>
+              <a:t>bloco</a:t>
+            </a:r>
+            <a:r>
+              <a:rPr lang="en-US" dirty="0"/>
+              <a:t> </a:t>
+            </a:r>
+            <a:r>
+              <a:rPr lang="en-US" dirty="0" err="1"/>
+              <a:t>várias</a:t>
+            </a:r>
+            <a:r>
+              <a:rPr lang="en-US" dirty="0"/>
+              <a:t> </a:t>
+            </a:r>
+            <a:r>
+              <a:rPr lang="en-US" dirty="0" err="1"/>
+              <a:t>vezes</a:t>
+            </a:r>
+            <a:r>
+              <a:rPr lang="en-US" dirty="0"/>
+              <a:t>, </a:t>
+            </a:r>
+            <a:r>
+              <a:rPr lang="en-US" dirty="0" err="1"/>
+              <a:t>cada</a:t>
+            </a:r>
+            <a:r>
+              <a:rPr lang="en-US" dirty="0"/>
+              <a:t> </a:t>
+            </a:r>
+            <a:r>
+              <a:rPr lang="en-US" dirty="0" err="1"/>
+              <a:t>vez</a:t>
+            </a:r>
+            <a:r>
+              <a:rPr lang="en-US" dirty="0"/>
+              <a:t> </a:t>
+            </a:r>
+            <a:r>
+              <a:rPr lang="en-US" dirty="0" err="1"/>
+              <a:t>usando</a:t>
+            </a:r>
+            <a:r>
+              <a:rPr lang="en-US" dirty="0"/>
+              <a:t> um </a:t>
+            </a:r>
+            <a:r>
+              <a:rPr lang="en-US" dirty="0" err="1"/>
+              <a:t>número</a:t>
+            </a:r>
+            <a:r>
+              <a:rPr lang="en-US" dirty="0"/>
+              <a:t> </a:t>
+            </a:r>
+            <a:r>
+              <a:rPr lang="en-US" dirty="0" err="1"/>
+              <a:t>diferente</a:t>
+            </a:r>
+            <a:r>
+              <a:rPr lang="en-US" dirty="0"/>
+              <a:t> para </a:t>
+            </a:r>
+            <a:r>
+              <a:rPr lang="en-US" dirty="0" err="1"/>
+              <a:t>força</a:t>
+            </a:r>
+            <a:r>
+              <a:rPr lang="en-US" dirty="0"/>
+              <a:t> e </a:t>
+            </a:r>
+            <a:r>
+              <a:rPr lang="en-US" dirty="0" err="1"/>
+              <a:t>centímetros</a:t>
+            </a:r>
+            <a:r>
+              <a:rPr lang="en-US" dirty="0"/>
+              <a:t> (</a:t>
+            </a:r>
+            <a:r>
+              <a:rPr lang="en-US" dirty="0" err="1"/>
+              <a:t>ou</a:t>
+            </a:r>
+            <a:r>
+              <a:rPr lang="en-US" dirty="0"/>
+              <a:t> </a:t>
+            </a:r>
+            <a:r>
+              <a:rPr lang="en-US" dirty="0" err="1"/>
+              <a:t>qualquer</a:t>
+            </a:r>
+            <a:r>
+              <a:rPr lang="en-US" dirty="0"/>
+              <a:t> outro </a:t>
+            </a:r>
+            <a:r>
+              <a:rPr lang="en-US" dirty="0" err="1"/>
+              <a:t>parâmetro</a:t>
+            </a:r>
+            <a:r>
+              <a:rPr lang="en-US" dirty="0"/>
+              <a:t> </a:t>
+            </a:r>
+            <a:r>
+              <a:rPr lang="en-US" dirty="0" err="1"/>
+              <a:t>que</a:t>
+            </a:r>
+            <a:r>
+              <a:rPr lang="en-US" dirty="0"/>
+              <a:t> </a:t>
+            </a:r>
+            <a:r>
+              <a:rPr lang="en-US" dirty="0" err="1"/>
+              <a:t>você</a:t>
+            </a:r>
+            <a:r>
+              <a:rPr lang="en-US" dirty="0"/>
+              <a:t> </a:t>
+            </a:r>
+            <a:r>
+              <a:rPr lang="en-US" dirty="0" err="1"/>
+              <a:t>adicionou</a:t>
+            </a:r>
+            <a:r>
+              <a:rPr lang="en-US" dirty="0" smtClean="0"/>
+              <a:t>).</a:t>
             </a:r>
             <a:endParaRPr lang="en-US" dirty="0"/>
           </a:p>
-        </p:txBody>
-      </p:sp>
-      <p:sp>
-        <p:nvSpPr>
-          <p:cNvPr id="3" name="Content Placeholder 2"/>
-          <p:cNvSpPr>
-            <a:spLocks noGrp="1"/>
-          </p:cNvSpPr>
-          <p:nvPr>
-            <p:ph idx="1"/>
+          <a:p>
+            <a:r>
+              <a:rPr lang="en-US" dirty="0" err="1"/>
+              <a:t>Você</a:t>
+            </a:r>
+            <a:r>
+              <a:rPr lang="en-US" dirty="0"/>
+              <a:t> </a:t>
+            </a:r>
+            <a:r>
+              <a:rPr lang="en-US" dirty="0" err="1"/>
+              <a:t>pode</a:t>
+            </a:r>
+            <a:r>
+              <a:rPr lang="en-US" dirty="0"/>
+              <a:t> </a:t>
+            </a:r>
+            <a:r>
+              <a:rPr lang="en-US" dirty="0" err="1"/>
+              <a:t>alterar</a:t>
+            </a:r>
+            <a:r>
+              <a:rPr lang="en-US" dirty="0"/>
+              <a:t> um My Block </a:t>
+            </a:r>
+            <a:r>
+              <a:rPr lang="en-US" dirty="0" err="1"/>
+              <a:t>depois</a:t>
+            </a:r>
+            <a:r>
+              <a:rPr lang="en-US" dirty="0"/>
+              <a:t> </a:t>
+            </a:r>
+            <a:r>
+              <a:rPr lang="en-US" dirty="0" err="1"/>
+              <a:t>que</a:t>
+            </a:r>
+            <a:r>
+              <a:rPr lang="en-US" dirty="0"/>
+              <a:t> </a:t>
+            </a:r>
+            <a:r>
+              <a:rPr lang="en-US" dirty="0" err="1"/>
+              <a:t>ele</a:t>
+            </a:r>
+            <a:r>
+              <a:rPr lang="en-US" dirty="0"/>
+              <a:t> é </a:t>
+            </a:r>
+            <a:r>
+              <a:rPr lang="en-US" dirty="0" err="1"/>
+              <a:t>feito</a:t>
+            </a:r>
+            <a:r>
+              <a:rPr lang="en-US" dirty="0"/>
+              <a:t>?</a:t>
+            </a:r>
+          </a:p>
+          <a:p>
+            <a:pPr lvl="1"/>
+            <a:r>
+              <a:rPr lang="en-US" dirty="0" err="1"/>
+              <a:t>Você</a:t>
+            </a:r>
+            <a:r>
+              <a:rPr lang="en-US" dirty="0"/>
+              <a:t> </a:t>
+            </a:r>
+            <a:r>
+              <a:rPr lang="en-US" dirty="0" err="1"/>
+              <a:t>pode</a:t>
+            </a:r>
+            <a:r>
+              <a:rPr lang="en-US" dirty="0"/>
+              <a:t> </a:t>
+            </a:r>
+            <a:r>
+              <a:rPr lang="en-US" dirty="0" err="1"/>
+              <a:t>mudar</a:t>
+            </a:r>
+            <a:r>
+              <a:rPr lang="en-US" dirty="0"/>
+              <a:t> o </a:t>
+            </a:r>
+            <a:r>
+              <a:rPr lang="en-US" dirty="0" err="1"/>
+              <a:t>conteúdo</a:t>
+            </a:r>
+            <a:r>
+              <a:rPr lang="en-US" dirty="0"/>
+              <a:t>, mas </a:t>
+            </a:r>
+            <a:r>
+              <a:rPr lang="en-US" dirty="0" err="1"/>
+              <a:t>não</a:t>
+            </a:r>
+            <a:r>
+              <a:rPr lang="en-US" dirty="0"/>
+              <a:t> </a:t>
+            </a:r>
+            <a:r>
+              <a:rPr lang="en-US" dirty="0" err="1"/>
+              <a:t>os</a:t>
+            </a:r>
+            <a:r>
+              <a:rPr lang="en-US" dirty="0"/>
+              <a:t> </a:t>
+            </a:r>
+            <a:r>
+              <a:rPr lang="en-US" dirty="0" err="1"/>
+              <a:t>blocos</a:t>
+            </a:r>
+            <a:r>
+              <a:rPr lang="en-US" dirty="0"/>
+              <a:t> </a:t>
+            </a:r>
+            <a:r>
+              <a:rPr lang="en-US" dirty="0" err="1"/>
+              <a:t>cinzas</a:t>
+            </a:r>
+            <a:r>
+              <a:rPr lang="en-US" dirty="0"/>
+              <a:t> (entradas e </a:t>
+            </a:r>
+            <a:r>
+              <a:rPr lang="en-US" dirty="0" err="1"/>
+              <a:t>saídas</a:t>
+            </a:r>
+            <a:r>
+              <a:rPr lang="en-US" dirty="0"/>
+              <a:t>). Se </a:t>
+            </a:r>
+            <a:r>
+              <a:rPr lang="en-US" dirty="0" err="1"/>
+              <a:t>você</a:t>
+            </a:r>
+            <a:r>
+              <a:rPr lang="en-US" dirty="0"/>
+              <a:t> </a:t>
+            </a:r>
+            <a:r>
+              <a:rPr lang="en-US" dirty="0" err="1"/>
+              <a:t>precisar</a:t>
+            </a:r>
+            <a:r>
+              <a:rPr lang="en-US" dirty="0"/>
+              <a:t> </a:t>
+            </a:r>
+            <a:r>
+              <a:rPr lang="en-US" dirty="0" err="1"/>
+              <a:t>fazer</a:t>
+            </a:r>
+            <a:r>
+              <a:rPr lang="en-US" dirty="0"/>
+              <a:t> </a:t>
+            </a:r>
+            <a:r>
+              <a:rPr lang="en-US" dirty="0" err="1"/>
+              <a:t>mudanças</a:t>
+            </a:r>
+            <a:r>
+              <a:rPr lang="en-US" dirty="0"/>
+              <a:t> </a:t>
+            </a:r>
+            <a:r>
+              <a:rPr lang="en-US" dirty="0" err="1"/>
+              <a:t>nos</a:t>
+            </a:r>
+            <a:r>
+              <a:rPr lang="en-US" dirty="0"/>
+              <a:t> </a:t>
+            </a:r>
+            <a:r>
+              <a:rPr lang="en-US" dirty="0" err="1"/>
+              <a:t>parâmetros</a:t>
+            </a:r>
+            <a:r>
+              <a:rPr lang="en-US" dirty="0"/>
+              <a:t>, </a:t>
+            </a:r>
+            <a:r>
+              <a:rPr lang="en-US" dirty="0" err="1"/>
+              <a:t>você</a:t>
+            </a:r>
+            <a:r>
+              <a:rPr lang="en-US" dirty="0"/>
+              <a:t> </a:t>
+            </a:r>
+            <a:r>
+              <a:rPr lang="en-US" dirty="0" err="1"/>
+              <a:t>deve</a:t>
+            </a:r>
+            <a:r>
+              <a:rPr lang="en-US" dirty="0"/>
+              <a:t> </a:t>
+            </a:r>
+            <a:r>
+              <a:rPr lang="en-US" dirty="0" err="1"/>
+              <a:t>refazer</a:t>
+            </a:r>
+            <a:r>
+              <a:rPr lang="en-US" dirty="0"/>
+              <a:t> </a:t>
+            </a:r>
+            <a:r>
+              <a:rPr lang="en-US" dirty="0" err="1"/>
+              <a:t>seu</a:t>
+            </a:r>
+            <a:r>
+              <a:rPr lang="en-US" dirty="0"/>
+              <a:t> My Block.</a:t>
+            </a:r>
+          </a:p>
+          <a:p>
+            <a:pPr lvl="1"/>
+            <a:endParaRPr lang="en-US" dirty="0"/>
+          </a:p>
+        </p:txBody>
+      </p:sp>
+      <p:sp>
+        <p:nvSpPr>
+          <p:cNvPr id="4" name="Footer Placeholder 3"/>
+          <p:cNvSpPr>
+            <a:spLocks noGrp="1"/>
+          </p:cNvSpPr>
+          <p:nvPr>
+            <p:ph type="ftr" sz="quarter" idx="11"/>
           </p:nvPr>
         </p:nvSpPr>
         <p:spPr/>
@@ -5034,129 +5834,305 @@
           <a:lstStyle/>
           <a:p>
             <a:r>
-              <a:rPr lang="en-US" dirty="0" smtClean="0"/>
-              <a:t>Este tutorial </a:t>
-            </a:r>
-            <a:r>
-              <a:rPr lang="en-US" dirty="0" err="1" smtClean="0"/>
+              <a:rPr lang="en-US" smtClean="0"/>
+              <a:t>© 2015, EV3Lessons.com (last edit 11/02/15)</a:t>
+            </a:r>
+            <a:endParaRPr lang="en-US"/>
+          </a:p>
+        </p:txBody>
+      </p:sp>
+      <p:sp>
+        <p:nvSpPr>
+          <p:cNvPr id="5" name="Slide Number Placeholder 4"/>
+          <p:cNvSpPr>
+            <a:spLocks noGrp="1"/>
+          </p:cNvSpPr>
+          <p:nvPr>
+            <p:ph type="sldNum" sz="quarter" idx="12"/>
+          </p:nvPr>
+        </p:nvSpPr>
+        <p:spPr/>
+        <p:txBody>
+          <a:bodyPr/>
+          <a:lstStyle/>
+          <a:p>
+            <a:fld id="{4DBC7FC8-25FB-FC45-8177-2B991DA6778C}" type="slidenum">
+              <a:rPr lang="en-US" smtClean="0"/>
+              <a:t>13</a:t>
+            </a:fld>
+            <a:endParaRPr lang="en-US"/>
+          </a:p>
+        </p:txBody>
+      </p:sp>
+    </p:spTree>
+    <p:extLst>
+      <p:ext uri="{BB962C8B-B14F-4D97-AF65-F5344CB8AC3E}">
+        <p14:creationId xmlns:p14="http://schemas.microsoft.com/office/powerpoint/2010/main" val="1241721732"/>
+      </p:ext>
+    </p:extLst>
+  </p:cSld>
+  <p:clrMapOvr>
+    <a:masterClrMapping/>
+  </p:clrMapOvr>
+</p:sld>
+</file>
+
+<file path=ppt/slides/slide14.xml><?xml version="1.0" encoding="utf-8"?>
+<p:sld xmlns:a="http://schemas.openxmlformats.org/drawingml/2006/main" xmlns:r="http://schemas.openxmlformats.org/officeDocument/2006/relationships" xmlns:p="http://schemas.openxmlformats.org/presentationml/2006/main">
+  <p:cSld>
+    <p:spTree>
+      <p:nvGrpSpPr>
+        <p:cNvPr id="1" name=""/>
+        <p:cNvGrpSpPr/>
+        <p:nvPr/>
+      </p:nvGrpSpPr>
+      <p:grpSpPr>
+        <a:xfrm>
+          <a:off x="0" y="0"/>
+          <a:ext cx="0" cy="0"/>
+          <a:chOff x="0" y="0"/>
+          <a:chExt cx="0" cy="0"/>
+        </a:xfrm>
+      </p:grpSpPr>
+      <p:sp>
+        <p:nvSpPr>
+          <p:cNvPr id="2" name="Title 1"/>
+          <p:cNvSpPr>
+            <a:spLocks noGrp="1"/>
+          </p:cNvSpPr>
+          <p:nvPr>
+            <p:ph type="title"/>
+          </p:nvPr>
+        </p:nvSpPr>
+        <p:spPr/>
+        <p:txBody>
+          <a:bodyPr/>
+          <a:lstStyle/>
+          <a:p>
+            <a:r>
+              <a:rPr lang="en-US" dirty="0" err="1" smtClean="0"/>
+              <a:t>CRéDIToS</a:t>
+            </a:r>
+            <a:r>
+              <a:rPr lang="en-US" dirty="0" smtClean="0"/>
+              <a:t>.</a:t>
+            </a:r>
+            <a:endParaRPr lang="en-US" dirty="0"/>
+          </a:p>
+        </p:txBody>
+      </p:sp>
+      <p:sp>
+        <p:nvSpPr>
+          <p:cNvPr id="3" name="Content Placeholder 2"/>
+          <p:cNvSpPr>
+            <a:spLocks noGrp="1"/>
+          </p:cNvSpPr>
+          <p:nvPr>
+            <p:ph idx="1"/>
+          </p:nvPr>
+        </p:nvSpPr>
+        <p:spPr>
+          <a:xfrm>
+            <a:off x="457199" y="956113"/>
+            <a:ext cx="8245474" cy="4373563"/>
+          </a:xfrm>
+        </p:spPr>
+        <p:txBody>
+          <a:bodyPr/>
+          <a:lstStyle/>
+          <a:p>
+            <a:pPr marL="342900" indent="-342900">
+              <a:buFont typeface="Arial"/>
+              <a:buChar char="•"/>
+            </a:pPr>
+            <a:r>
+              <a:rPr lang="en-US" dirty="0" err="1"/>
+              <a:t>Esta</a:t>
+            </a:r>
+            <a:r>
+              <a:rPr lang="en-US" dirty="0"/>
+              <a:t> </a:t>
+            </a:r>
+            <a:r>
+              <a:rPr lang="en-US" dirty="0" err="1"/>
+              <a:t>lição</a:t>
+            </a:r>
+            <a:r>
+              <a:rPr lang="en-US" dirty="0"/>
+              <a:t> </a:t>
+            </a:r>
+            <a:r>
+              <a:rPr lang="en-US" dirty="0" err="1"/>
               <a:t>foi</a:t>
             </a:r>
             <a:r>
-              <a:rPr lang="en-US" dirty="0" smtClean="0"/>
-              <a:t> </a:t>
-            </a:r>
-            <a:r>
-              <a:rPr lang="en-US" dirty="0" err="1" smtClean="0"/>
-              <a:t>criado</a:t>
-            </a:r>
-            <a:r>
-              <a:rPr lang="en-US" dirty="0" smtClean="0"/>
-              <a:t> </a:t>
-            </a:r>
-            <a:r>
-              <a:rPr lang="en-US" dirty="0" err="1" smtClean="0"/>
+              <a:rPr lang="en-US" dirty="0"/>
+              <a:t> </a:t>
+            </a:r>
+            <a:r>
+              <a:rPr lang="en-US" dirty="0" err="1"/>
+              <a:t>escrita</a:t>
+            </a:r>
+            <a:r>
+              <a:rPr lang="en-US" dirty="0"/>
+              <a:t> </a:t>
+            </a:r>
+            <a:r>
+              <a:rPr lang="en-US" dirty="0" err="1"/>
               <a:t>por</a:t>
             </a:r>
             <a:r>
-              <a:rPr lang="en-US" dirty="0" smtClean="0"/>
-              <a:t> Sanjay </a:t>
-            </a:r>
-            <a:r>
-              <a:rPr lang="en-US" dirty="0" err="1" smtClean="0"/>
+              <a:rPr lang="en-US" dirty="0"/>
+              <a:t> Sanjay e </a:t>
+            </a:r>
+            <a:r>
+              <a:rPr lang="en-US" dirty="0" err="1"/>
+              <a:t>Arvind</a:t>
+            </a:r>
+            <a:r>
+              <a:rPr lang="en-US" dirty="0"/>
+              <a:t> </a:t>
+            </a:r>
+            <a:r>
+              <a:rPr lang="en-US" dirty="0" err="1"/>
               <a:t>Seshan</a:t>
             </a:r>
             <a:r>
-              <a:rPr lang="en-US" dirty="0" smtClean="0"/>
-              <a:t> e Arvind </a:t>
-            </a:r>
-            <a:r>
-              <a:rPr lang="en-US" dirty="0" err="1" smtClean="0"/>
-              <a:t>Seshan</a:t>
-            </a:r>
-            <a:r>
-              <a:rPr lang="en-US" dirty="0" smtClean="0"/>
-              <a:t> dos Droids Robotics.</a:t>
-            </a:r>
-          </a:p>
-          <a:p>
-            <a:r>
-              <a:rPr lang="en-US" dirty="0" err="1" smtClean="0"/>
-              <a:t>Traduzido</a:t>
-            </a:r>
-            <a:r>
-              <a:rPr lang="en-US" dirty="0" smtClean="0"/>
-              <a:t> </a:t>
-            </a:r>
-            <a:r>
-              <a:rPr lang="en-US" dirty="0" err="1" smtClean="0"/>
+              <a:rPr lang="en-US" dirty="0"/>
+              <a:t> do Droids Robotics.</a:t>
+            </a:r>
+          </a:p>
+          <a:p>
+            <a:pPr marL="342900" indent="-342900">
+              <a:buFont typeface="Arial"/>
+              <a:buChar char="•"/>
+            </a:pPr>
+            <a:r>
+              <a:rPr lang="en-US" dirty="0" err="1"/>
+              <a:t>Esta</a:t>
+            </a:r>
+            <a:r>
+              <a:rPr lang="en-US" dirty="0"/>
+              <a:t> </a:t>
+            </a:r>
+            <a:r>
+              <a:rPr lang="en-US" dirty="0" err="1"/>
+              <a:t>lição</a:t>
+            </a:r>
+            <a:r>
+              <a:rPr lang="en-US" dirty="0"/>
+              <a:t> </a:t>
+            </a:r>
+            <a:r>
+              <a:rPr lang="en-US" dirty="0" err="1"/>
+              <a:t>foi</a:t>
+            </a:r>
+            <a:r>
+              <a:rPr lang="en-US" dirty="0"/>
+              <a:t> </a:t>
+            </a:r>
+            <a:r>
+              <a:rPr lang="en-US" dirty="0" err="1"/>
+              <a:t>traduzida</a:t>
+            </a:r>
+            <a:r>
+              <a:rPr lang="en-US" dirty="0"/>
+              <a:t> </a:t>
+            </a:r>
+            <a:r>
+              <a:rPr lang="en-US" dirty="0" err="1"/>
               <a:t>por</a:t>
             </a:r>
             <a:r>
-              <a:rPr lang="en-US" dirty="0" smtClean="0"/>
-              <a:t> Naira Hirakawa.</a:t>
-            </a:r>
-          </a:p>
-          <a:p>
-            <a:r>
-              <a:rPr lang="en-US" dirty="0" err="1" smtClean="0"/>
+              <a:rPr lang="en-US" dirty="0"/>
+              <a:t> Luiz Gabriel Vieira Costa da </a:t>
+            </a:r>
+            <a:r>
+              <a:rPr lang="en-US" dirty="0" err="1"/>
+              <a:t>Equipe</a:t>
+            </a:r>
+            <a:r>
+              <a:rPr lang="en-US" dirty="0"/>
+              <a:t> TILT.</a:t>
+            </a:r>
+          </a:p>
+          <a:p>
+            <a:pPr marL="342900" indent="-342900">
+              <a:buFont typeface="Arial"/>
+              <a:buChar char="•"/>
+            </a:pPr>
+            <a:r>
+              <a:rPr lang="en-US" dirty="0" err="1"/>
               <a:t>Mais</a:t>
             </a:r>
             <a:r>
-              <a:rPr lang="en-US" dirty="0" smtClean="0"/>
-              <a:t> </a:t>
-            </a:r>
-            <a:r>
-              <a:rPr lang="en-US" dirty="0" err="1" smtClean="0"/>
+              <a:rPr lang="en-US" dirty="0"/>
+              <a:t> </a:t>
+            </a:r>
+            <a:r>
+              <a:rPr lang="en-US" dirty="0" err="1"/>
               <a:t>lições</a:t>
             </a:r>
             <a:r>
-              <a:rPr lang="en-US" dirty="0" smtClean="0"/>
-              <a:t> </a:t>
-            </a:r>
-            <a:r>
-              <a:rPr lang="en-US" dirty="0" err="1" smtClean="0"/>
+              <a:rPr lang="en-US" dirty="0"/>
+              <a:t> </a:t>
+            </a:r>
+            <a:r>
+              <a:rPr lang="en-US" dirty="0" err="1"/>
               <a:t>estão</a:t>
             </a:r>
             <a:r>
-              <a:rPr lang="en-US" dirty="0" smtClean="0"/>
-              <a:t> </a:t>
-            </a:r>
-            <a:r>
-              <a:rPr lang="en-US" dirty="0" err="1" smtClean="0"/>
+              <a:rPr lang="en-US" dirty="0"/>
+              <a:t> </a:t>
+            </a:r>
+            <a:r>
+              <a:rPr lang="en-US" dirty="0" err="1"/>
               <a:t>disponíveis</a:t>
             </a:r>
             <a:r>
-              <a:rPr lang="en-US" dirty="0" smtClean="0"/>
-              <a:t> no site www.ev3lessons.com</a:t>
-            </a:r>
-          </a:p>
-          <a:p>
-            <a:r>
-              <a:rPr lang="en-US" dirty="0" smtClean="0"/>
-              <a:t>Email do </a:t>
-            </a:r>
-            <a:r>
-              <a:rPr lang="en-US" dirty="0" err="1" smtClean="0"/>
-              <a:t>autor</a:t>
-            </a:r>
-            <a:r>
-              <a:rPr lang="en-US" dirty="0" smtClean="0"/>
-              <a:t>: </a:t>
+              <a:rPr lang="en-US" dirty="0"/>
+              <a:t> </a:t>
+            </a:r>
+            <a:r>
+              <a:rPr lang="en-US" dirty="0" err="1"/>
+              <a:t>em</a:t>
+            </a:r>
+            <a:r>
+              <a:rPr lang="en-US" dirty="0"/>
+              <a:t> </a:t>
             </a:r>
             <a:r>
               <a:rPr lang="en-US" dirty="0" smtClean="0">
                 <a:hlinkClick r:id="rId3"/>
               </a:rPr>
+              <a:t>www.ev3lessons.com</a:t>
+            </a:r>
+            <a:endParaRPr lang="en-US" dirty="0" smtClean="0"/>
+          </a:p>
+          <a:p>
+            <a:pPr marL="342900" indent="-342900">
+              <a:buFont typeface="Arial"/>
+              <a:buChar char="•"/>
+            </a:pPr>
+            <a:r>
+              <a:rPr lang="en-US" dirty="0"/>
+              <a:t>Email do </a:t>
+            </a:r>
+            <a:r>
+              <a:rPr lang="en-US" dirty="0" err="1"/>
+              <a:t>autor</a:t>
+            </a:r>
+            <a:r>
+              <a:rPr lang="en-US" dirty="0"/>
+              <a:t>: </a:t>
+            </a:r>
+            <a:r>
+              <a:rPr lang="en-US" dirty="0">
+                <a:hlinkClick r:id="rId4"/>
+              </a:rPr>
               <a:t>team@droidsrobotics.org</a:t>
             </a:r>
-            <a:r>
-              <a:rPr lang="en-US" dirty="0" smtClean="0"/>
-              <a:t/>
-            </a:r>
-            <a:br>
-              <a:rPr lang="en-US" dirty="0" smtClean="0"/>
-            </a:br>
-            <a:endParaRPr lang="en-US" dirty="0" smtClean="0"/>
+            <a:endParaRPr lang="en-US" dirty="0"/>
           </a:p>
         </p:txBody>
       </p:sp>
@@ -5176,10 +6152,10 @@
           <a:lstStyle/>
           <a:p>
             <a:r>
-              <a:rPr lang="en-US"/>
-              <a:t>© 2015, EV3Lessons.com (última edição 28/2/15)</a:t>
-            </a:r>
-            <a:endParaRPr lang="en-US"/>
+              <a:rPr lang="en-US" smtClean="0"/>
+              <a:t>© 2015, EV3Lessons.com (last edit 11/02/15)</a:t>
+            </a:r>
+            <a:endParaRPr lang="en-US" dirty="0"/>
           </a:p>
         </p:txBody>
       </p:sp>
@@ -5209,7 +6185,7 @@
             <a:fld id="{4DBC7FC8-25FB-FC45-8177-2B991DA6778C}" type="slidenum">
               <a:rPr lang="en-US" smtClean="0"/>
               <a:pPr/>
-              <a:t>13</a:t>
+              <a:t>14</a:t>
             </a:fld>
             <a:endParaRPr lang="en-US"/>
           </a:p>
@@ -5396,22 +6372,7 @@
             </a:lvl9pPr>
           </a:lstStyle>
           <a:p>
-            <a:pPr marL="0" marR="0" lvl="0" indent="0" algn="ctr" defTabSz="914400" rtl="0" eaLnBrk="0" fontAlgn="base" latinLnBrk="0" hangingPunct="0">
-              <a:lnSpc>
-                <a:spcPct val="100000"/>
-              </a:lnSpc>
-              <a:spcBef>
-                <a:spcPct val="0"/>
-              </a:spcBef>
-              <a:spcAft>
-                <a:spcPct val="0"/>
-              </a:spcAft>
-              <a:buClrTx/>
-              <a:buSzTx/>
-              <a:buFontTx/>
-              <a:buNone/>
-              <a:tabLst/>
-            </a:pPr>
+            <a:pPr lvl="0" algn="ctr" defTabSz="914400"/>
             <a:r>
               <a:rPr kumimoji="0" lang="en-US" altLang="en-US" sz="2000" b="0" i="0" u="none" strike="noStrike" cap="none" normalizeH="0" baseline="0" dirty="0" smtClean="0">
                 <a:ln>
@@ -5449,17 +6410,81 @@
               </a:rPr>
             </a:br>
             <a:r>
+              <a:rPr lang="en-US" altLang="en-US" sz="2000" dirty="0">
+                <a:solidFill>
+                  <a:srgbClr val="000000"/>
+                </a:solidFill>
+                <a:latin typeface="Helvetica Neue"/>
+              </a:rPr>
+              <a:t>Este </a:t>
+            </a:r>
+            <a:r>
+              <a:rPr lang="en-US" altLang="en-US" sz="2000" dirty="0" err="1">
+                <a:solidFill>
+                  <a:srgbClr val="000000"/>
+                </a:solidFill>
+                <a:latin typeface="Helvetica Neue"/>
+              </a:rPr>
+              <a:t>trabalho</a:t>
+            </a:r>
+            <a:r>
+              <a:rPr lang="en-US" altLang="en-US" sz="2000" dirty="0">
+                <a:solidFill>
+                  <a:srgbClr val="000000"/>
+                </a:solidFill>
+                <a:latin typeface="Helvetica Neue"/>
+              </a:rPr>
+              <a:t> é </a:t>
+            </a:r>
+            <a:r>
+              <a:rPr lang="en-US" altLang="en-US" sz="2000" dirty="0" err="1">
+                <a:solidFill>
+                  <a:srgbClr val="000000"/>
+                </a:solidFill>
+                <a:latin typeface="Helvetica Neue"/>
+              </a:rPr>
+              <a:t>licenciado</a:t>
+            </a:r>
+            <a:r>
+              <a:rPr lang="en-US" altLang="en-US" sz="2000" dirty="0">
+                <a:solidFill>
+                  <a:srgbClr val="000000"/>
+                </a:solidFill>
+                <a:latin typeface="Helvetica Neue"/>
+              </a:rPr>
+              <a:t> </a:t>
+            </a:r>
+            <a:r>
+              <a:rPr lang="en-US" altLang="en-US" sz="2000" dirty="0" err="1" smtClean="0">
+                <a:solidFill>
+                  <a:srgbClr val="000000"/>
+                </a:solidFill>
+                <a:latin typeface="Helvetica Neue"/>
+              </a:rPr>
+              <a:t>por</a:t>
+            </a:r>
+            <a:r>
+              <a:rPr lang="en-US" altLang="en-US" sz="2000" dirty="0" smtClean="0">
+                <a:solidFill>
+                  <a:srgbClr val="000000"/>
+                </a:solidFill>
+                <a:latin typeface="Helvetica Neue"/>
+              </a:rPr>
+              <a:t> </a:t>
+            </a:r>
+            <a:r>
               <a:rPr kumimoji="0" lang="en-US" altLang="en-US" sz="2000" b="0" i="0" u="none" strike="noStrike" cap="none" normalizeH="0" baseline="0" dirty="0" smtClean="0">
                 <a:ln>
                   <a:noFill/>
                 </a:ln>
                 <a:solidFill>
-                  <a:srgbClr val="000000"/>
+                  <a:srgbClr val="4374B7"/>
                 </a:solidFill>
                 <a:effectLst/>
                 <a:latin typeface="Helvetica Neue"/>
-              </a:rPr>
-              <a:t>Este </a:t>
+                <a:hlinkClick r:id="rId5"/>
+              </a:rPr>
+              <a:t>Creative Commons Attribution-</a:t>
             </a:r>
             <a:r>
               <a:rPr kumimoji="0" lang="en-US" altLang="en-US" sz="2000" b="0" i="0" u="none" strike="noStrike" cap="none" normalizeH="0" baseline="0" dirty="0" err="1" smtClean="0">
@@ -5467,12 +6492,13 @@
                   <a:noFill/>
                 </a:ln>
                 <a:solidFill>
-                  <a:srgbClr val="000000"/>
+                  <a:srgbClr val="4374B7"/>
                 </a:solidFill>
                 <a:effectLst/>
                 <a:latin typeface="Helvetica Neue"/>
-              </a:rPr>
-              <a:t>trabalho</a:t>
+                <a:hlinkClick r:id="rId5"/>
+              </a:rPr>
+              <a:t>NonCommercial</a:t>
             </a:r>
             <a:r>
               <a:rPr kumimoji="0" lang="en-US" altLang="en-US" sz="2000" b="0" i="0" u="none" strike="noStrike" cap="none" normalizeH="0" baseline="0" dirty="0" smtClean="0">
@@ -5480,39 +6506,27 @@
                   <a:noFill/>
                 </a:ln>
                 <a:solidFill>
-                  <a:srgbClr val="000000"/>
+                  <a:srgbClr val="4374B7"/>
                 </a:solidFill>
                 <a:effectLst/>
                 <a:latin typeface="Helvetica Neue"/>
-              </a:rPr>
-              <a:t> </a:t>
-            </a:r>
-            <a:r>
-              <a:rPr kumimoji="0" lang="en-US" altLang="en-US" sz="2000" b="0" i="0" u="none" strike="noStrike" cap="none" normalizeH="0" baseline="0" smtClean="0">
+                <a:hlinkClick r:id="rId5"/>
+              </a:rPr>
+              <a:t>-</a:t>
+            </a:r>
+            <a:r>
+              <a:rPr kumimoji="0" lang="en-US" altLang="en-US" sz="2000" b="0" i="0" u="none" strike="noStrike" cap="none" normalizeH="0" baseline="0" dirty="0" err="1" smtClean="0">
                 <a:ln>
                   <a:noFill/>
                 </a:ln>
                 <a:solidFill>
-                  <a:srgbClr val="000000"/>
+                  <a:srgbClr val="4374B7"/>
                 </a:solidFill>
                 <a:effectLst/>
                 <a:latin typeface="Helvetica Neue"/>
-              </a:rPr>
-              <a:t>é licenciado por </a:t>
-            </a:r>
-            <a:r>
-              <a:rPr kumimoji="0" lang="en-US" altLang="en-US" sz="2000" b="0" i="0" u="none" strike="noStrike" cap="none" normalizeH="0" baseline="0" smtClean="0">
-                <a:ln>
-                  <a:noFill/>
-                </a:ln>
-                <a:solidFill>
-                  <a:srgbClr val="4374B7"/>
-                </a:solidFill>
-                <a:effectLst/>
-                <a:latin typeface="Helvetica Neue"/>
-                <a:hlinkClick r:id="rId4"/>
-              </a:rPr>
-              <a:t>Creative </a:t>
+                <a:hlinkClick r:id="rId5"/>
+              </a:rPr>
+              <a:t>ShareAlike</a:t>
             </a:r>
             <a:r>
               <a:rPr kumimoji="0" lang="en-US" altLang="en-US" sz="2000" b="0" i="0" u="none" strike="noStrike" cap="none" normalizeH="0" baseline="0" dirty="0" smtClean="0">
@@ -5524,63 +6538,7 @@
                 </a:solidFill>
                 <a:effectLst/>
                 <a:latin typeface="Helvetica Neue"/>
-                <a:hlinkClick r:id="rId4"/>
-              </a:rPr>
-              <a:t>Commons Attribution-</a:t>
-            </a:r>
-            <a:r>
-              <a:rPr kumimoji="0" lang="en-US" altLang="en-US" sz="2000" b="0" i="0" u="none" strike="noStrike" cap="none" normalizeH="0" baseline="0" dirty="0" err="1" smtClean="0">
-                <a:ln>
-                  <a:noFill/>
-                </a:ln>
-                <a:solidFill>
-                  <a:srgbClr val="4374B7"/>
-                </a:solidFill>
-                <a:effectLst/>
-                <a:latin typeface="Helvetica Neue"/>
-                <a:hlinkClick r:id="rId4"/>
-              </a:rPr>
-              <a:t>NonCommercial</a:t>
-            </a:r>
-            <a:r>
-              <a:rPr kumimoji="0" lang="en-US" altLang="en-US" sz="2000" b="0" i="0" u="none" strike="noStrike" cap="none" normalizeH="0" baseline="0" dirty="0" smtClean="0">
-                <a:ln>
-                  <a:noFill/>
-                </a:ln>
-                <a:solidFill>
-                  <a:srgbClr val="4374B7"/>
-                </a:solidFill>
-                <a:effectLst/>
-                <a:latin typeface="Helvetica Neue"/>
-                <a:hlinkClick r:id="rId4"/>
-              </a:rPr>
-              <a:t>-</a:t>
-            </a:r>
-            <a:r>
-              <a:rPr kumimoji="0" lang="en-US" altLang="en-US" sz="2000" b="0" i="0" u="none" strike="noStrike" cap="none" normalizeH="0" baseline="0" dirty="0" err="1" smtClean="0">
-                <a:ln>
-                  <a:noFill/>
-                </a:ln>
-                <a:solidFill>
-                  <a:srgbClr val="4374B7"/>
-                </a:solidFill>
-                <a:effectLst/>
-                <a:latin typeface="Helvetica Neue"/>
-                <a:hlinkClick r:id="rId4"/>
-              </a:rPr>
-              <a:t>ShareAlike</a:t>
-            </a:r>
-            <a:r>
-              <a:rPr kumimoji="0" lang="en-US" altLang="en-US" sz="2000" b="0" i="0" u="none" strike="noStrike" cap="none" normalizeH="0" baseline="0" dirty="0" smtClean="0">
-                <a:ln>
-                  <a:noFill/>
-                </a:ln>
-                <a:solidFill>
-                  <a:srgbClr val="4374B7"/>
-                </a:solidFill>
-                <a:effectLst/>
-                <a:latin typeface="Helvetica Neue"/>
-                <a:hlinkClick r:id="rId4"/>
+                <a:hlinkClick r:id="rId5"/>
               </a:rPr>
               <a:t> 4.0 International License</a:t>
             </a:r>
@@ -5625,7 +6583,7 @@
       <p:pic>
         <p:nvPicPr>
           <p:cNvPr id="2050" name="Picture 2" descr="Creative Commons License">
-            <a:hlinkClick r:id="rId4"/>
+            <a:hlinkClick r:id="rId5"/>
           </p:cNvPr>
           <p:cNvPicPr>
             <a:picLocks noChangeAspect="1" noChangeArrowheads="1"/>
@@ -5633,7 +6591,7 @@
           <p:nvPr/>
         </p:nvPicPr>
         <p:blipFill>
-          <a:blip r:embed="rId5">
+          <a:blip r:embed="rId6">
             <a:extLst>
               <a:ext uri="{28A0092B-C50C-407E-A947-70E740481C1C}">
                 <a14:useLocalDpi xmlns:a14="http://schemas.microsoft.com/office/drawing/2010/main" val="0"/>
@@ -5647,7 +6605,7 @@
         </p:blipFill>
         <p:spPr bwMode="auto">
           <a:xfrm>
-            <a:off x="3618595" y="3869113"/>
+            <a:off x="3618595" y="3609409"/>
             <a:ext cx="2161449" cy="761422"/>
           </a:xfrm>
           <a:prstGeom prst="rect">
@@ -5718,18 +6676,9 @@
           <a:lstStyle/>
           <a:p>
             <a:r>
-              <a:rPr lang="en-US" dirty="0" err="1" smtClean="0"/>
-              <a:t>objetivos</a:t>
-            </a:r>
-            <a:r>
-              <a:rPr lang="en-US" dirty="0" smtClean="0"/>
-              <a:t> da </a:t>
-            </a:r>
-            <a:r>
-              <a:rPr lang="en-US" dirty="0" err="1" smtClean="0"/>
-              <a:t>lição</a:t>
-            </a:r>
-            <a:endParaRPr lang="en-US" dirty="0"/>
+              <a:rPr lang="en-US" dirty="0"/>
+              <a:t>OBJETIVOS DA LIÇÃO.</a:t>
+            </a:r>
           </a:p>
         </p:txBody>
       </p:sp>
@@ -5753,18 +6702,21 @@
               <a:buAutoNum type="arabicPeriod"/>
             </a:pPr>
             <a:r>
-              <a:rPr lang="en-US" dirty="0" err="1" smtClean="0"/>
+              <a:rPr lang="en-US" dirty="0" err="1"/>
               <a:t>Criar</a:t>
             </a:r>
             <a:r>
-              <a:rPr lang="en-US" dirty="0" smtClean="0"/>
+              <a:rPr lang="en-US" dirty="0"/>
               <a:t> um My Block </a:t>
             </a:r>
             <a:r>
-              <a:rPr lang="en-US" dirty="0" err="1" smtClean="0"/>
+              <a:rPr lang="en-US" dirty="0" err="1"/>
               <a:t>útil</a:t>
             </a:r>
-            <a:endParaRPr lang="en-US" dirty="0" smtClean="0"/>
+            <a:r>
+              <a:rPr lang="en-US" dirty="0"/>
+              <a:t>.</a:t>
+            </a:r>
           </a:p>
           <a:p>
             <a:pPr marL="457200" indent="-457200">
@@ -5781,17 +6733,65 @@
             </a:r>
             <a:r>
               <a:rPr lang="en-US" dirty="0" err="1" smtClean="0"/>
-              <a:t>desenvolver</a:t>
-            </a:r>
-            <a:r>
-              <a:rPr lang="en-US" dirty="0" smtClean="0"/>
-              <a:t> um My Block com Entradas e </a:t>
-            </a:r>
-            <a:r>
-              <a:rPr lang="en-US" dirty="0" err="1" smtClean="0"/>
-              <a:t>Saídas</a:t>
-            </a:r>
-            <a:endParaRPr lang="en-US" dirty="0" smtClean="0"/>
+              <a:t>fazer</a:t>
+            </a:r>
+            <a:r>
+              <a:rPr lang="en-US" dirty="0" smtClean="0"/>
+              <a:t> um My Block </a:t>
+            </a:r>
+            <a:r>
+              <a:rPr lang="en-US" dirty="0" err="1" smtClean="0"/>
+              <a:t>que</a:t>
+            </a:r>
+            <a:r>
+              <a:rPr lang="en-US" dirty="0" smtClean="0"/>
+              <a:t> </a:t>
+            </a:r>
+            <a:r>
+              <a:rPr lang="en-US" dirty="0" err="1" smtClean="0"/>
+              <a:t>terá</a:t>
+            </a:r>
+            <a:r>
+              <a:rPr lang="en-US" dirty="0" smtClean="0"/>
+              <a:t> entradas </a:t>
+            </a:r>
+            <a:r>
+              <a:rPr lang="en-US" dirty="0" err="1" smtClean="0"/>
+              <a:t>baseadas</a:t>
+            </a:r>
+            <a:r>
+              <a:rPr lang="en-US" dirty="0" smtClean="0"/>
+              <a:t> </a:t>
+            </a:r>
+            <a:r>
+              <a:rPr lang="en-US" dirty="0" err="1" smtClean="0"/>
+              <a:t>nas</a:t>
+            </a:r>
+            <a:r>
+              <a:rPr lang="en-US" dirty="0" smtClean="0"/>
+              <a:t> </a:t>
+            </a:r>
+            <a:r>
+              <a:rPr lang="en-US" dirty="0" err="1" smtClean="0"/>
+              <a:t>medidas</a:t>
+            </a:r>
+            <a:r>
+              <a:rPr lang="en-US" dirty="0" smtClean="0"/>
+              <a:t> com um </a:t>
+            </a:r>
+            <a:r>
+              <a:rPr lang="en-US" dirty="0" err="1" smtClean="0"/>
+              <a:t>transferidor</a:t>
+            </a:r>
+            <a:r>
+              <a:rPr lang="en-US" dirty="0" smtClean="0"/>
+              <a:t>.</a:t>
+            </a:r>
+            <a:endParaRPr lang="en-US" i="1" u="sng" dirty="0" smtClean="0">
+              <a:solidFill>
+                <a:srgbClr val="FF0000"/>
+              </a:solidFill>
+            </a:endParaRPr>
           </a:p>
           <a:p>
             <a:pPr marL="457200" indent="-457200">
@@ -5799,64 +6799,80 @@
               <a:buAutoNum type="arabicPeriod"/>
             </a:pPr>
             <a:r>
-              <a:rPr lang="en-US" dirty="0" err="1" smtClean="0"/>
-              <a:t>Aprender</a:t>
-            </a:r>
-            <a:r>
-              <a:rPr lang="en-US" dirty="0" smtClean="0"/>
-              <a:t> a </a:t>
-            </a:r>
-            <a:r>
-              <a:rPr lang="en-US" dirty="0" err="1" smtClean="0"/>
-              <a:t>desenvolver</a:t>
-            </a:r>
-            <a:r>
-              <a:rPr lang="en-US" dirty="0" smtClean="0"/>
-              <a:t> um My Block que </a:t>
-            </a:r>
-            <a:r>
-              <a:rPr lang="en-US" dirty="0" err="1" smtClean="0"/>
-              <a:t>irá</a:t>
-            </a:r>
-            <a:r>
-              <a:rPr lang="en-US" dirty="0" smtClean="0"/>
-              <a:t> </a:t>
-            </a:r>
-            <a:r>
-              <a:rPr lang="en-US" dirty="0" err="1" smtClean="0"/>
-              <a:t>pegar</a:t>
-            </a:r>
-            <a:r>
-              <a:rPr lang="en-US" dirty="0" smtClean="0"/>
-              <a:t> as entradas </a:t>
-            </a:r>
-            <a:r>
-              <a:rPr lang="en-US" dirty="0" err="1" smtClean="0"/>
-              <a:t>baseadas</a:t>
-            </a:r>
-            <a:r>
-              <a:rPr lang="en-US" dirty="0" smtClean="0"/>
-              <a:t> </a:t>
-            </a:r>
-            <a:r>
-              <a:rPr lang="en-US" dirty="0" err="1" smtClean="0"/>
-              <a:t>nas</a:t>
-            </a:r>
-            <a:r>
-              <a:rPr lang="en-US" dirty="0" smtClean="0"/>
-              <a:t> </a:t>
-            </a:r>
-            <a:r>
-              <a:rPr lang="en-US" dirty="0" err="1" smtClean="0"/>
-              <a:t>medidas</a:t>
-            </a:r>
-            <a:r>
-              <a:rPr lang="en-US" dirty="0" smtClean="0"/>
-              <a:t> de um </a:t>
-            </a:r>
-            <a:r>
-              <a:rPr lang="en-US" dirty="0" err="1" smtClean="0"/>
-              <a:t>transferidor</a:t>
+              <a:rPr lang="en-US" dirty="0" smtClean="0"/>
+              <a:t>Fazer um My Block </a:t>
+            </a:r>
+            <a:r>
+              <a:rPr lang="en-US" dirty="0" err="1" smtClean="0"/>
+              <a:t>Virar_Graus</a:t>
+            </a:r>
+            <a:r>
+              <a:rPr lang="en-US" dirty="0" smtClean="0"/>
+              <a:t>.</a:t>
+            </a:r>
+          </a:p>
+          <a:p>
+            <a:pPr marL="457200" indent="-457200">
+              <a:buFont typeface="+mj-lt"/>
+              <a:buAutoNum type="arabicPeriod"/>
+            </a:pPr>
+            <a:endParaRPr lang="en-US" dirty="0"/>
+          </a:p>
+          <a:p>
+            <a:pPr marL="457200" indent="-457200">
+              <a:buFont typeface="+mj-lt"/>
+              <a:buAutoNum type="arabicPeriod"/>
+            </a:pPr>
+            <a:endParaRPr lang="en-US" dirty="0" smtClean="0"/>
+          </a:p>
+          <a:p>
+            <a:r>
+              <a:rPr lang="en-US" dirty="0" err="1" smtClean="0"/>
+              <a:t>Pré-requisitos</a:t>
+            </a:r>
+            <a:r>
+              <a:rPr lang="en-US" dirty="0" smtClean="0"/>
+              <a:t>: </a:t>
+            </a:r>
+            <a:r>
+              <a:rPr lang="en-US" dirty="0" err="1" smtClean="0"/>
+              <a:t>Curva</a:t>
+            </a:r>
+            <a:r>
+              <a:rPr lang="en-US" dirty="0" smtClean="0"/>
+              <a:t>, My Blocks com Entradas e </a:t>
+            </a:r>
+            <a:r>
+              <a:rPr lang="en-US" dirty="0" err="1" smtClean="0"/>
+              <a:t>Saídas</a:t>
+            </a:r>
+            <a:r>
+              <a:rPr lang="en-US" dirty="0" smtClean="0"/>
+              <a:t>, </a:t>
+            </a:r>
+            <a:r>
+              <a:rPr lang="en-US" dirty="0" err="1" smtClean="0"/>
+              <a:t>Fio</a:t>
+            </a:r>
+            <a:r>
+              <a:rPr lang="en-US" dirty="0" smtClean="0"/>
+              <a:t> de Dados, </a:t>
+            </a:r>
+            <a:r>
+              <a:rPr lang="en-US" dirty="0" err="1" smtClean="0"/>
+              <a:t>Blocos</a:t>
+            </a:r>
+            <a:r>
+              <a:rPr lang="en-US" dirty="0" smtClean="0"/>
+              <a:t> </a:t>
+            </a:r>
+            <a:r>
+              <a:rPr lang="en-US" dirty="0" err="1" smtClean="0"/>
+              <a:t>Matemáticos</a:t>
+            </a:r>
+            <a:r>
+              <a:rPr lang="en-US" dirty="0" smtClean="0"/>
+              <a:t>, Port View.</a:t>
             </a:r>
             <a:endParaRPr lang="en-US" dirty="0"/>
           </a:p>
@@ -5879,7 +6895,7 @@
           <a:p>
             <a:r>
               <a:rPr lang="en-US" smtClean="0"/>
-              <a:t>© 2015, EV3Lessons.com (última edição 28/2/15)</a:t>
+              <a:t>© 2015, EV3Lessons.com (last edit 11/02/15)</a:t>
             </a:r>
             <a:endParaRPr lang="en-US"/>
           </a:p>
@@ -5922,224 +6938,6 @@
 </file>
 
 <file path=ppt/slides/slide3.xml><?xml version="1.0" encoding="utf-8"?>
-<p:sld xmlns:a="http://schemas.openxmlformats.org/drawingml/2006/main" xmlns:r="http://schemas.openxmlformats.org/officeDocument/2006/relationships" xmlns:p="http://schemas.openxmlformats.org/presentationml/2006/main">
-  <p:cSld>
-    <p:spTree>
-      <p:nvGrpSpPr>
-        <p:cNvPr id="1" name=""/>
-        <p:cNvGrpSpPr/>
-        <p:nvPr/>
-      </p:nvGrpSpPr>
-      <p:grpSpPr>
-        <a:xfrm>
-          <a:off x="0" y="0"/>
-          <a:ext cx="0" cy="0"/>
-          <a:chOff x="0" y="0"/>
-          <a:chExt cx="0" cy="0"/>
-        </a:xfrm>
-      </p:grpSpPr>
-      <p:sp>
-        <p:nvSpPr>
-          <p:cNvPr id="2" name="Title 1"/>
-          <p:cNvSpPr>
-            <a:spLocks noGrp="1"/>
-          </p:cNvSpPr>
-          <p:nvPr>
-            <p:ph type="title"/>
-          </p:nvPr>
-        </p:nvSpPr>
-        <p:spPr/>
-        <p:txBody>
-          <a:bodyPr>
-            <a:normAutofit/>
-          </a:bodyPr>
-          <a:lstStyle/>
-          <a:p>
-            <a:r>
-              <a:rPr lang="en-US" dirty="0" smtClean="0"/>
-              <a:t>My blocks Com entradas e </a:t>
-            </a:r>
-            <a:r>
-              <a:rPr lang="en-US" dirty="0" err="1" smtClean="0"/>
-              <a:t>saídas</a:t>
-            </a:r>
-            <a:r>
-              <a:rPr lang="en-US" dirty="0" smtClean="0"/>
-              <a:t> (</a:t>
-            </a:r>
-            <a:r>
-              <a:rPr lang="en-US" dirty="0" err="1" smtClean="0">
-                <a:latin typeface="Courier"/>
-                <a:cs typeface="Courier"/>
-              </a:rPr>
-              <a:t>girar</a:t>
-            </a:r>
-            <a:r>
-              <a:rPr lang="en-US" dirty="0" smtClean="0">
-                <a:latin typeface="Courier"/>
-                <a:cs typeface="Courier"/>
-              </a:rPr>
-              <a:t> </a:t>
-            </a:r>
-            <a:r>
-              <a:rPr lang="en-US" dirty="0" err="1" smtClean="0">
-                <a:latin typeface="Courier"/>
-                <a:cs typeface="Courier"/>
-              </a:rPr>
-              <a:t>graus</a:t>
-            </a:r>
-            <a:r>
-              <a:rPr lang="en-US" dirty="0" smtClean="0"/>
-              <a:t>)</a:t>
-            </a:r>
-            <a:endParaRPr lang="en-US" dirty="0"/>
-          </a:p>
-        </p:txBody>
-      </p:sp>
-      <p:sp>
-        <p:nvSpPr>
-          <p:cNvPr id="3" name="Content Placeholder 2"/>
-          <p:cNvSpPr>
-            <a:spLocks noGrp="1"/>
-          </p:cNvSpPr>
-          <p:nvPr>
-            <p:ph idx="1"/>
-          </p:nvPr>
-        </p:nvSpPr>
-        <p:spPr>
-          <a:xfrm>
-            <a:off x="457200" y="1752600"/>
-            <a:ext cx="4644887" cy="4373563"/>
-          </a:xfrm>
-        </p:spPr>
-        <p:txBody>
-          <a:bodyPr/>
-          <a:lstStyle/>
-          <a:p>
-            <a:r>
-              <a:rPr lang="pt-BR" dirty="0"/>
-              <a:t>Veja as instruções passo-a-passo e o código nos arquivos EV3 anexos para aprender a construir um </a:t>
-            </a:r>
-            <a:r>
-              <a:rPr lang="pt-BR" dirty="0" err="1"/>
-              <a:t>My</a:t>
-            </a:r>
-            <a:r>
-              <a:rPr lang="pt-BR" dirty="0"/>
-              <a:t> </a:t>
-            </a:r>
-            <a:r>
-              <a:rPr lang="pt-BR" dirty="0" err="1"/>
-              <a:t>Block</a:t>
-            </a:r>
-            <a:r>
-              <a:rPr lang="pt-BR" dirty="0"/>
-              <a:t> útil para girar.</a:t>
-            </a:r>
-          </a:p>
-          <a:p>
-            <a:r>
-              <a:rPr lang="pt-BR" dirty="0"/>
-              <a:t>Comece na aba Estágio 1 e leia todos os comentários em cada </a:t>
-            </a:r>
-            <a:r>
-              <a:rPr lang="pt-BR" dirty="0" smtClean="0"/>
-              <a:t>uma delas.</a:t>
-            </a:r>
-            <a:endParaRPr lang="pt-BR" dirty="0"/>
-          </a:p>
-        </p:txBody>
-      </p:sp>
-      <p:sp>
-        <p:nvSpPr>
-          <p:cNvPr id="4" name="Footer Placeholder 3"/>
-          <p:cNvSpPr>
-            <a:spLocks noGrp="1"/>
-          </p:cNvSpPr>
-          <p:nvPr>
-            <p:ph type="ftr" sz="quarter" idx="11"/>
-          </p:nvPr>
-        </p:nvSpPr>
-        <p:spPr/>
-        <p:txBody>
-          <a:bodyPr/>
-          <a:lstStyle/>
-          <a:p>
-            <a:r>
-              <a:rPr lang="en-US"/>
-              <a:t>© 2015, EV3Lessons.com (última edição 28/2/15)</a:t>
-            </a:r>
-          </a:p>
-        </p:txBody>
-      </p:sp>
-      <p:sp>
-        <p:nvSpPr>
-          <p:cNvPr id="6" name="Slide Number Placeholder 5"/>
-          <p:cNvSpPr>
-            <a:spLocks noGrp="1"/>
-          </p:cNvSpPr>
-          <p:nvPr>
-            <p:ph type="sldNum" sz="quarter" idx="12"/>
-          </p:nvPr>
-        </p:nvSpPr>
-        <p:spPr/>
-        <p:txBody>
-          <a:bodyPr/>
-          <a:lstStyle/>
-          <a:p>
-            <a:fld id="{4DBC7FC8-25FB-FC45-8177-2B991DA6778C}" type="slidenum">
-              <a:rPr lang="en-US" smtClean="0"/>
-              <a:t>3</a:t>
-            </a:fld>
-            <a:endParaRPr lang="en-US"/>
-          </a:p>
-        </p:txBody>
-      </p:sp>
-      <p:pic>
-        <p:nvPicPr>
-          <p:cNvPr id="7" name="Picture 6"/>
-          <p:cNvPicPr>
-            <a:picLocks noChangeAspect="1"/>
-          </p:cNvPicPr>
-          <p:nvPr/>
-        </p:nvPicPr>
-        <p:blipFill>
-          <a:blip r:embed="rId3"/>
-          <a:stretch>
-            <a:fillRect/>
-          </a:stretch>
-        </p:blipFill>
-        <p:spPr>
-          <a:xfrm>
-            <a:off x="5202891" y="1400968"/>
-            <a:ext cx="3238500" cy="5076825"/>
-          </a:xfrm>
-          <a:prstGeom prst="rect">
-            <a:avLst/>
-          </a:prstGeom>
-        </p:spPr>
-      </p:pic>
-    </p:spTree>
-    <p:extLst>
-      <p:ext uri="{BB962C8B-B14F-4D97-AF65-F5344CB8AC3E}">
-        <p14:creationId xmlns:p14="http://schemas.microsoft.com/office/powerpoint/2010/main" val="3202444720"/>
-      </p:ext>
-    </p:extLst>
-  </p:cSld>
-  <p:clrMapOvr>
-    <a:masterClrMapping/>
-  </p:clrMapOvr>
-  <p:timing>
-    <p:tnLst>
-      <p:par>
-        <p:cTn id="1" dur="indefinite" restart="never" nodeType="tmRoot"/>
-      </p:par>
-    </p:tnLst>
-  </p:timing>
-</p:sld>
-</file>
-
-<file path=ppt/slides/slide4.xml><?xml version="1.0" encoding="utf-8"?>
 <p:sld xmlns:a="http://schemas.openxmlformats.org/drawingml/2006/main" xmlns:r="http://schemas.openxmlformats.org/officeDocument/2006/relationships" xmlns:p="http://schemas.openxmlformats.org/presentationml/2006/main">
   <p:cSld>
     <p:spTree>
@@ -6201,7 +6999,7 @@
         </p:blipFill>
         <p:spPr>
           <a:xfrm>
-            <a:off x="3038343" y="5314531"/>
+            <a:off x="2324609" y="1540970"/>
             <a:ext cx="1875868" cy="1094256"/>
           </a:xfrm>
           <a:prstGeom prst="rect">
@@ -6227,192 +7025,45 @@
           <a:lstStyle/>
           <a:p>
             <a:r>
-              <a:rPr lang="en-US" sz="3200" dirty="0" err="1" smtClean="0"/>
-              <a:t>construindo</a:t>
-            </a:r>
-            <a:r>
-              <a:rPr lang="en-US" sz="3200" dirty="0" smtClean="0"/>
-              <a:t> um My block para </a:t>
-            </a:r>
-            <a:r>
-              <a:rPr lang="en-US" sz="3200" dirty="0" err="1" smtClean="0"/>
-              <a:t>girar</a:t>
-            </a:r>
-            <a:endParaRPr lang="en-US" sz="3200" dirty="0"/>
-          </a:p>
-        </p:txBody>
-      </p:sp>
-      <p:sp>
-        <p:nvSpPr>
-          <p:cNvPr id="3" name="Content Placeholder 2"/>
-          <p:cNvSpPr>
-            <a:spLocks noGrp="1"/>
-          </p:cNvSpPr>
-          <p:nvPr>
-            <p:ph idx="1"/>
-          </p:nvPr>
-        </p:nvSpPr>
-        <p:spPr>
-          <a:xfrm>
-            <a:off x="237384" y="1087618"/>
-            <a:ext cx="5074996" cy="4688462"/>
-          </a:xfrm>
-        </p:spPr>
-        <p:txBody>
-          <a:bodyPr>
-            <a:noAutofit/>
-          </a:bodyPr>
-          <a:lstStyle/>
-          <a:p>
-            <a:r>
-              <a:rPr lang="pt-BR" dirty="0"/>
-              <a:t>Assim como no Move Polegadas, você também pode criar um </a:t>
-            </a:r>
-            <a:r>
-              <a:rPr lang="pt-BR" dirty="0" err="1"/>
-              <a:t>My</a:t>
-            </a:r>
-            <a:r>
-              <a:rPr lang="pt-BR" dirty="0"/>
-              <a:t> </a:t>
-            </a:r>
-            <a:r>
-              <a:rPr lang="pt-BR" dirty="0" err="1"/>
-              <a:t>Block</a:t>
-            </a:r>
-            <a:r>
-              <a:rPr lang="pt-BR" dirty="0"/>
-              <a:t> para girar. No Move Polegadas, tivemos que descobrir o quanto as rodas do robô giram para cada polegada da régua.</a:t>
-            </a:r>
-          </a:p>
-          <a:p>
-            <a:r>
-              <a:rPr lang="pt-BR" dirty="0"/>
-              <a:t>Para desenvolver o </a:t>
-            </a:r>
-            <a:r>
-              <a:rPr lang="pt-BR" dirty="0" err="1"/>
-              <a:t>My</a:t>
-            </a:r>
-            <a:r>
-              <a:rPr lang="pt-BR" dirty="0"/>
-              <a:t> </a:t>
-            </a:r>
-            <a:r>
-              <a:rPr lang="pt-BR" dirty="0" err="1"/>
-              <a:t>Block</a:t>
-            </a:r>
-            <a:r>
-              <a:rPr lang="pt-BR" dirty="0"/>
-              <a:t> Girar Degraus, será preciso descobrir o quanto o sensor de rotação do motor gira para cada grau do transferidor</a:t>
-            </a:r>
-          </a:p>
-          <a:p>
-            <a:r>
-              <a:rPr lang="pt-BR" dirty="0">
-                <a:solidFill>
-                  <a:srgbClr val="FF0000"/>
-                </a:solidFill>
-              </a:rPr>
-              <a:t>Um </a:t>
-            </a:r>
-            <a:r>
-              <a:rPr lang="pt-BR" dirty="0" err="1">
-                <a:solidFill>
-                  <a:srgbClr val="FF0000"/>
-                </a:solidFill>
-              </a:rPr>
-              <a:t>My</a:t>
-            </a:r>
-            <a:r>
-              <a:rPr lang="pt-BR" dirty="0">
-                <a:solidFill>
-                  <a:srgbClr val="FF0000"/>
-                </a:solidFill>
-              </a:rPr>
-              <a:t> </a:t>
-            </a:r>
-            <a:r>
-              <a:rPr lang="pt-BR" dirty="0" err="1">
-                <a:solidFill>
-                  <a:srgbClr val="FF0000"/>
-                </a:solidFill>
-              </a:rPr>
-              <a:t>Block</a:t>
-            </a:r>
-            <a:r>
-              <a:rPr lang="pt-BR" dirty="0">
-                <a:solidFill>
-                  <a:srgbClr val="FF0000"/>
-                </a:solidFill>
-              </a:rPr>
-              <a:t> Girar será extremamente útil para qualquer time to FLL porque agora você pode medir os giros usando um transferidor!!!</a:t>
-            </a:r>
-            <a:endParaRPr lang="en-US" sz="2000" dirty="0" smtClean="0">
-              <a:solidFill>
-                <a:srgbClr val="FF0000"/>
-              </a:solidFill>
-            </a:endParaRPr>
-          </a:p>
-        </p:txBody>
-      </p:sp>
-      <p:pic>
-        <p:nvPicPr>
-          <p:cNvPr id="4" name="Picture 3"/>
-          <p:cNvPicPr>
-            <a:picLocks noChangeAspect="1"/>
-          </p:cNvPicPr>
-          <p:nvPr/>
-        </p:nvPicPr>
-        <p:blipFill rotWithShape="1">
-          <a:blip r:embed="rId4"/>
-          <a:srcRect r="43406" b="76658"/>
-          <a:stretch/>
-        </p:blipFill>
-        <p:spPr>
-          <a:xfrm>
-            <a:off x="237384" y="5314531"/>
-            <a:ext cx="1358434" cy="1061279"/>
-          </a:xfrm>
-          <a:prstGeom prst="rect">
-            <a:avLst/>
-          </a:prstGeom>
-        </p:spPr>
-      </p:pic>
-      <p:pic>
-        <p:nvPicPr>
-          <p:cNvPr id="5" name="Picture 4"/>
-          <p:cNvPicPr>
-            <a:picLocks noChangeAspect="1"/>
-          </p:cNvPicPr>
-          <p:nvPr/>
-        </p:nvPicPr>
-        <p:blipFill rotWithShape="1">
-          <a:blip r:embed="rId4">
-            <a:clrChange>
-              <a:clrFrom>
-                <a:srgbClr val="FFFFFF"/>
-              </a:clrFrom>
-              <a:clrTo>
-                <a:srgbClr val="FFFFFF">
-                  <a:alpha val="0"/>
-                </a:srgbClr>
-              </a:clrTo>
-            </a:clrChange>
-          </a:blip>
-          <a:srcRect r="43406" b="76658"/>
-          <a:stretch/>
-        </p:blipFill>
-        <p:spPr>
-          <a:xfrm rot="18900000">
-            <a:off x="3324532" y="5427772"/>
-            <a:ext cx="1358434" cy="1061279"/>
-          </a:xfrm>
-          <a:prstGeom prst="rect">
-            <a:avLst/>
-          </a:prstGeom>
-        </p:spPr>
-      </p:pic>
+              <a:rPr lang="en-US" dirty="0" err="1" smtClean="0"/>
+              <a:t>Graus</a:t>
+            </a:r>
+            <a:r>
+              <a:rPr lang="en-US" dirty="0"/>
+              <a:t> </a:t>
+            </a:r>
+            <a:r>
+              <a:rPr lang="en-US" dirty="0" smtClean="0"/>
+              <a:t>de </a:t>
+            </a:r>
+            <a:r>
+              <a:rPr lang="en-US" dirty="0" err="1" smtClean="0"/>
+              <a:t>rotação</a:t>
+            </a:r>
+            <a:r>
+              <a:rPr lang="en-US" dirty="0" smtClean="0"/>
+              <a:t> vs </a:t>
+            </a:r>
+            <a:r>
+              <a:rPr lang="en-US" dirty="0" err="1" smtClean="0"/>
+              <a:t>graus</a:t>
+            </a:r>
+            <a:r>
+              <a:rPr lang="en-US" dirty="0" smtClean="0"/>
+              <a:t> do </a:t>
+            </a:r>
+            <a:r>
+              <a:rPr lang="en-US" dirty="0" err="1" smtClean="0"/>
+              <a:t>transferidor</a:t>
+            </a:r>
+            <a:r>
+              <a:rPr lang="en-US" dirty="0" smtClean="0"/>
+              <a:t>.</a:t>
+            </a:r>
+            <a:endParaRPr lang="en-US" dirty="0"/>
+          </a:p>
+        </p:txBody>
+      </p:sp>
       <p:sp>
         <p:nvSpPr>
           <p:cNvPr id="10" name="Right Arrow 9"/>
@@ -6421,12 +7072,15 @@
         </p:nvSpPr>
         <p:spPr>
           <a:xfrm>
-            <a:off x="2015045" y="5634021"/>
+            <a:off x="1393370" y="1755311"/>
             <a:ext cx="830440" cy="598339"/>
           </a:xfrm>
           <a:prstGeom prst="rightArrow">
             <a:avLst/>
           </a:prstGeom>
+          <a:solidFill>
+            <a:srgbClr val="FF0000"/>
+          </a:solidFill>
         </p:spPr>
         <p:style>
           <a:lnRef idx="1">
@@ -6459,7 +7113,7 @@
         </p:nvSpPr>
         <p:spPr>
           <a:xfrm>
-            <a:off x="4914211" y="5314531"/>
+            <a:off x="457199" y="2743570"/>
             <a:ext cx="4098507" cy="1200329"/>
           </a:xfrm>
           <a:prstGeom prst="rect">
@@ -6474,16 +7128,160 @@
           <a:lstStyle/>
           <a:p>
             <a:r>
-              <a:rPr lang="pt-BR" dirty="0"/>
-              <a:t>Um giro de 45 graus do robô no mundo real pode ser medido com um transferidor. </a:t>
-            </a:r>
-            <a:r>
-              <a:rPr lang="pt-BR" b="1" dirty="0">
+              <a:rPr lang="en-US" dirty="0" smtClean="0"/>
+              <a:t>Uma </a:t>
+            </a:r>
+            <a:r>
+              <a:rPr lang="en-US" dirty="0" err="1" smtClean="0"/>
+              <a:t>curva</a:t>
+            </a:r>
+            <a:r>
+              <a:rPr lang="en-US" dirty="0" smtClean="0"/>
+              <a:t> de 45 </a:t>
+            </a:r>
+            <a:r>
+              <a:rPr lang="en-US" dirty="0" err="1" smtClean="0"/>
+              <a:t>graus</a:t>
+            </a:r>
+            <a:r>
+              <a:rPr lang="en-US" dirty="0" smtClean="0"/>
+              <a:t> </a:t>
+            </a:r>
+            <a:r>
+              <a:rPr lang="en-US" dirty="0" err="1" smtClean="0"/>
+              <a:t>feita</a:t>
+            </a:r>
+            <a:r>
+              <a:rPr lang="en-US" dirty="0" smtClean="0"/>
+              <a:t> </a:t>
+            </a:r>
+            <a:r>
+              <a:rPr lang="en-US" dirty="0" err="1" smtClean="0"/>
+              <a:t>pelo</a:t>
+            </a:r>
+            <a:r>
+              <a:rPr lang="en-US" dirty="0" smtClean="0"/>
+              <a:t> </a:t>
+            </a:r>
+            <a:r>
+              <a:rPr lang="en-US" dirty="0" err="1" smtClean="0"/>
+              <a:t>robô</a:t>
+            </a:r>
+            <a:r>
+              <a:rPr lang="en-US" dirty="0" smtClean="0"/>
+              <a:t> </a:t>
+            </a:r>
+            <a:r>
+              <a:rPr lang="en-US" dirty="0" err="1" smtClean="0"/>
+              <a:t>pode</a:t>
+            </a:r>
+            <a:r>
+              <a:rPr lang="en-US" dirty="0" smtClean="0"/>
+              <a:t> </a:t>
+            </a:r>
+            <a:r>
+              <a:rPr lang="en-US" dirty="0" err="1" smtClean="0"/>
+              <a:t>ser</a:t>
+            </a:r>
+            <a:r>
+              <a:rPr lang="en-US" dirty="0" smtClean="0"/>
+              <a:t> </a:t>
+            </a:r>
+            <a:r>
+              <a:rPr lang="en-US" dirty="0" err="1" smtClean="0"/>
+              <a:t>medida</a:t>
+            </a:r>
+            <a:r>
+              <a:rPr lang="en-US" dirty="0" smtClean="0"/>
+              <a:t> com um </a:t>
+            </a:r>
+            <a:r>
+              <a:rPr lang="en-US" dirty="0" err="1" smtClean="0"/>
+              <a:t>transferidor</a:t>
+            </a:r>
+            <a:r>
+              <a:rPr lang="en-US" dirty="0" smtClean="0"/>
+              <a:t>. </a:t>
+            </a:r>
+            <a:r>
+              <a:rPr lang="en-US" b="1" dirty="0" err="1" smtClean="0">
                 <a:solidFill>
                   <a:srgbClr val="0000FF"/>
                 </a:solidFill>
               </a:rPr>
-              <a:t>Isto é chamado de graus do transferidor.</a:t>
+              <a:t>Nós</a:t>
+            </a:r>
+            <a:r>
+              <a:rPr lang="en-US" b="1" dirty="0" smtClean="0">
+                <a:solidFill>
+                  <a:srgbClr val="0000FF"/>
+                </a:solidFill>
+              </a:rPr>
+              <a:t> </a:t>
+            </a:r>
+            <a:r>
+              <a:rPr lang="en-US" b="1" dirty="0" err="1" smtClean="0">
+                <a:solidFill>
+                  <a:srgbClr val="0000FF"/>
+                </a:solidFill>
+              </a:rPr>
+              <a:t>chamamos</a:t>
+            </a:r>
+            <a:r>
+              <a:rPr lang="en-US" b="1" dirty="0" smtClean="0">
+                <a:solidFill>
+                  <a:srgbClr val="0000FF"/>
+                </a:solidFill>
+              </a:rPr>
+              <a:t> </a:t>
+            </a:r>
+            <a:r>
+              <a:rPr lang="en-US" b="1" dirty="0" err="1" smtClean="0">
+                <a:solidFill>
+                  <a:srgbClr val="0000FF"/>
+                </a:solidFill>
+              </a:rPr>
+              <a:t>isso</a:t>
+            </a:r>
+            <a:r>
+              <a:rPr lang="en-US" b="1" dirty="0" smtClean="0">
+                <a:solidFill>
+                  <a:srgbClr val="0000FF"/>
+                </a:solidFill>
+              </a:rPr>
+              <a:t> de “</a:t>
+            </a:r>
+            <a:r>
+              <a:rPr lang="en-US" b="1" dirty="0" err="1" smtClean="0">
+                <a:solidFill>
+                  <a:srgbClr val="0000FF"/>
+                </a:solidFill>
+              </a:rPr>
+              <a:t>graus</a:t>
+            </a:r>
+            <a:r>
+              <a:rPr lang="en-US" b="1" dirty="0" smtClean="0">
+                <a:solidFill>
+                  <a:srgbClr val="0000FF"/>
+                </a:solidFill>
+              </a:rPr>
+              <a:t> do </a:t>
+            </a:r>
+            <a:r>
+              <a:rPr lang="en-US" b="1" dirty="0" err="1" smtClean="0">
+                <a:solidFill>
+                  <a:srgbClr val="0000FF"/>
+                </a:solidFill>
+              </a:rPr>
+              <a:t>transferidor</a:t>
+            </a:r>
+            <a:r>
+              <a:rPr lang="en-US" b="1" dirty="0" smtClean="0">
+                <a:solidFill>
+                  <a:srgbClr val="0000FF"/>
+                </a:solidFill>
+              </a:rPr>
+              <a:t>”.</a:t>
             </a:r>
             <a:endParaRPr lang="en-US" b="1" dirty="0">
               <a:solidFill>
@@ -6502,11 +7300,11 @@
           <p:nvPr/>
         </p:nvPicPr>
         <p:blipFill>
-          <a:blip r:embed="rId5">
+          <a:blip r:embed="rId4">
             <a:extLst>
               <a:ext uri="{BEBA8EAE-BF5A-486C-A8C5-ECC9F3942E4B}">
                 <a14:imgProps xmlns:a14="http://schemas.microsoft.com/office/drawing/2010/main">
-                  <a14:imgLayer r:embed="rId6">
+                  <a14:imgLayer r:embed="rId5">
                     <a14:imgEffect>
                       <a14:backgroundRemoval t="10000" b="90000" l="10000" r="90000"/>
                     </a14:imgEffect>
@@ -6521,8 +7319,8 @@
         </p:blipFill>
         <p:spPr>
           <a:xfrm>
-            <a:off x="6197137" y="1339561"/>
-            <a:ext cx="2605047" cy="2605047"/>
+            <a:off x="6131177" y="1214615"/>
+            <a:ext cx="1679730" cy="1679730"/>
           </a:xfrm>
           <a:prstGeom prst="rect">
             <a:avLst/>
@@ -6537,8 +7335,8 @@
         </p:nvSpPr>
         <p:spPr>
           <a:xfrm>
-            <a:off x="5593259" y="3944608"/>
-            <a:ext cx="3419459" cy="1200329"/>
+            <a:off x="5751838" y="2743570"/>
+            <a:ext cx="2748935" cy="1477328"/>
           </a:xfrm>
           <a:prstGeom prst="rect">
             <a:avLst/>
@@ -6552,16 +7350,148 @@
           <a:lstStyle/>
           <a:p>
             <a:r>
-              <a:rPr lang="pt-BR" dirty="0" smtClean="0"/>
-              <a:t>Você pode usar o EV3 para medir o quanto as suas rodas giram.</a:t>
-            </a:r>
-            <a:r>
-              <a:rPr lang="pt-BR" b="1" dirty="0">
+              <a:rPr lang="en-US" dirty="0" err="1" smtClean="0"/>
+              <a:t>Você</a:t>
+            </a:r>
+            <a:r>
+              <a:rPr lang="en-US" dirty="0" smtClean="0"/>
+              <a:t> </a:t>
+            </a:r>
+            <a:r>
+              <a:rPr lang="en-US" dirty="0" err="1" smtClean="0"/>
+              <a:t>pode</a:t>
+            </a:r>
+            <a:r>
+              <a:rPr lang="en-US" dirty="0" smtClean="0"/>
+              <a:t> </a:t>
+            </a:r>
+            <a:r>
+              <a:rPr lang="en-US" dirty="0" err="1" smtClean="0"/>
+              <a:t>usar</a:t>
+            </a:r>
+            <a:r>
+              <a:rPr lang="en-US" dirty="0" smtClean="0"/>
+              <a:t> o EV3 para </a:t>
+            </a:r>
+            <a:r>
+              <a:rPr lang="en-US" dirty="0" err="1" smtClean="0"/>
+              <a:t>medir</a:t>
+            </a:r>
+            <a:r>
+              <a:rPr lang="en-US" dirty="0" smtClean="0"/>
+              <a:t> </a:t>
+            </a:r>
+            <a:r>
+              <a:rPr lang="en-US" dirty="0" err="1" smtClean="0"/>
+              <a:t>quanto</a:t>
+            </a:r>
+            <a:r>
+              <a:rPr lang="en-US" dirty="0" smtClean="0"/>
+              <a:t> a </a:t>
+            </a:r>
+            <a:r>
+              <a:rPr lang="en-US" dirty="0" err="1" smtClean="0"/>
+              <a:t>sua</a:t>
+            </a:r>
+            <a:r>
+              <a:rPr lang="en-US" dirty="0" smtClean="0"/>
+              <a:t> </a:t>
+            </a:r>
+            <a:r>
+              <a:rPr lang="en-US" dirty="0" err="1" smtClean="0"/>
+              <a:t>roda</a:t>
+            </a:r>
+            <a:r>
+              <a:rPr lang="en-US" dirty="0" smtClean="0"/>
+              <a:t> </a:t>
+            </a:r>
+            <a:r>
+              <a:rPr lang="en-US" dirty="0" err="1" smtClean="0"/>
+              <a:t>gira</a:t>
+            </a:r>
+            <a:r>
+              <a:rPr lang="en-US" dirty="0" smtClean="0"/>
+              <a:t>. </a:t>
+            </a:r>
+            <a:r>
+              <a:rPr lang="en-US" b="1" dirty="0" err="1" smtClean="0">
                 <a:solidFill>
                   <a:srgbClr val="008000"/>
                 </a:solidFill>
               </a:rPr>
-              <a:t> Isto é chamado graus de rotação.</a:t>
+              <a:t>Nós</a:t>
+            </a:r>
+            <a:r>
+              <a:rPr lang="en-US" b="1" dirty="0" smtClean="0">
+                <a:solidFill>
+                  <a:srgbClr val="008000"/>
+                </a:solidFill>
+              </a:rPr>
+              <a:t> </a:t>
+            </a:r>
+            <a:r>
+              <a:rPr lang="en-US" b="1" dirty="0" err="1" smtClean="0">
+                <a:solidFill>
+                  <a:srgbClr val="008000"/>
+                </a:solidFill>
+              </a:rPr>
+              <a:t>chamamos</a:t>
+            </a:r>
+            <a:r>
+              <a:rPr lang="en-US" b="1" dirty="0" smtClean="0">
+                <a:solidFill>
+                  <a:srgbClr val="008000"/>
+                </a:solidFill>
+              </a:rPr>
+              <a:t> </a:t>
+            </a:r>
+            <a:r>
+              <a:rPr lang="en-US" b="1" dirty="0" err="1" smtClean="0">
+                <a:solidFill>
+                  <a:srgbClr val="008000"/>
+                </a:solidFill>
+              </a:rPr>
+              <a:t>isso</a:t>
+            </a:r>
+            <a:r>
+              <a:rPr lang="en-US" b="1" dirty="0" smtClean="0">
+                <a:solidFill>
+                  <a:srgbClr val="008000"/>
+                </a:solidFill>
+              </a:rPr>
+              <a:t> de “</a:t>
+            </a:r>
+            <a:r>
+              <a:rPr lang="en-US" b="1" dirty="0" err="1" smtClean="0">
+                <a:solidFill>
+                  <a:srgbClr val="008000"/>
+                </a:solidFill>
+              </a:rPr>
+              <a:t>graus</a:t>
+            </a:r>
+            <a:r>
+              <a:rPr lang="en-US" b="1" dirty="0" smtClean="0">
+                <a:solidFill>
+                  <a:srgbClr val="008000"/>
+                </a:solidFill>
+              </a:rPr>
+              <a:t> de </a:t>
+            </a:r>
+            <a:r>
+              <a:rPr lang="en-US" b="1" dirty="0" err="1" smtClean="0">
+                <a:solidFill>
+                  <a:srgbClr val="008000"/>
+                </a:solidFill>
+              </a:rPr>
+              <a:t>rotação</a:t>
+            </a:r>
+            <a:r>
+              <a:rPr lang="en-US" b="1" dirty="0" smtClean="0">
+                <a:solidFill>
+                  <a:srgbClr val="008000"/>
+                </a:solidFill>
+              </a:rPr>
+              <a:t>”.</a:t>
             </a:r>
             <a:endParaRPr lang="en-US" b="1" dirty="0">
               <a:solidFill>
@@ -6578,12 +7508,15 @@
           <p:nvPr/>
         </p:nvSpPr>
         <p:spPr>
-          <a:xfrm>
-            <a:off x="6411486" y="1600200"/>
+          <a:xfrm rot="900000">
+            <a:off x="5596815" y="1172273"/>
             <a:ext cx="2161589" cy="1831649"/>
           </a:xfrm>
           <a:prstGeom prst="arc">
-            <a:avLst/>
+            <a:avLst>
+              <a:gd name="adj1" fmla="val 18185168"/>
+              <a:gd name="adj2" fmla="val 0"/>
+            </a:avLst>
           </a:prstGeom>
           <a:ln w="76200" cmpd="sng">
             <a:headEnd type="none"/>
@@ -6629,9 +7562,10 @@
           <a:lstStyle/>
           <a:p>
             <a:r>
-              <a:rPr lang="en-US"/>
-              <a:t>© 2015, EV3Lessons.com (última edição 28/2/15)</a:t>
-            </a:r>
+              <a:rPr lang="en-US" smtClean="0"/>
+              <a:t>© 2015, EV3Lessons.com (last edit 11/02/15)</a:t>
+            </a:r>
+            <a:endParaRPr lang="en-US"/>
           </a:p>
         </p:txBody>
       </p:sp>
@@ -6652,16 +7586,555 @@
           <a:p>
             <a:fld id="{4DBC7FC8-25FB-FC45-8177-2B991DA6778C}" type="slidenum">
               <a:rPr lang="en-US" smtClean="0"/>
-              <a:t>4</a:t>
+              <a:t>3</a:t>
             </a:fld>
             <a:endParaRPr lang="en-US"/>
+          </a:p>
+        </p:txBody>
+      </p:sp>
+      <p:grpSp>
+        <p:nvGrpSpPr>
+          <p:cNvPr id="9" name="Group 8"/>
+          <p:cNvGrpSpPr/>
+          <p:nvPr/>
+        </p:nvGrpSpPr>
+        <p:grpSpPr>
+          <a:xfrm>
+            <a:off x="482600" y="1764527"/>
+            <a:ext cx="710669" cy="588090"/>
+            <a:chOff x="533402" y="4477827"/>
+            <a:chExt cx="710669" cy="588090"/>
+          </a:xfrm>
+        </p:grpSpPr>
+        <p:sp>
+          <p:nvSpPr>
+            <p:cNvPr id="15" name="Oval 14"/>
+            <p:cNvSpPr/>
+            <p:nvPr/>
+          </p:nvSpPr>
+          <p:spPr>
+            <a:xfrm>
+              <a:off x="939269" y="4477827"/>
+              <a:ext cx="254000" cy="135467"/>
+            </a:xfrm>
+            <a:prstGeom prst="ellipse">
+              <a:avLst/>
+            </a:prstGeom>
+          </p:spPr>
+          <p:style>
+            <a:lnRef idx="2">
+              <a:schemeClr val="accent1">
+                <a:shade val="50000"/>
+              </a:schemeClr>
+            </a:lnRef>
+            <a:fillRef idx="1">
+              <a:schemeClr val="accent1"/>
+            </a:fillRef>
+            <a:effectRef idx="0">
+              <a:schemeClr val="accent1"/>
+            </a:effectRef>
+            <a:fontRef idx="minor">
+              <a:schemeClr val="lt1"/>
+            </a:fontRef>
+          </p:style>
+          <p:txBody>
+            <a:bodyPr rtlCol="0" anchor="ctr"/>
+            <a:lstStyle/>
+            <a:p>
+              <a:pPr algn="ctr"/>
+              <a:endParaRPr lang="en-US"/>
+            </a:p>
+          </p:txBody>
+        </p:sp>
+        <p:sp>
+          <p:nvSpPr>
+            <p:cNvPr id="17" name="Oval 16"/>
+            <p:cNvSpPr/>
+            <p:nvPr/>
+          </p:nvSpPr>
+          <p:spPr>
+            <a:xfrm>
+              <a:off x="930272" y="4930450"/>
+              <a:ext cx="254000" cy="135467"/>
+            </a:xfrm>
+            <a:prstGeom prst="ellipse">
+              <a:avLst/>
+            </a:prstGeom>
+          </p:spPr>
+          <p:style>
+            <a:lnRef idx="2">
+              <a:schemeClr val="accent1">
+                <a:shade val="50000"/>
+              </a:schemeClr>
+            </a:lnRef>
+            <a:fillRef idx="1">
+              <a:schemeClr val="accent1"/>
+            </a:fillRef>
+            <a:effectRef idx="0">
+              <a:schemeClr val="accent1"/>
+            </a:effectRef>
+            <a:fontRef idx="minor">
+              <a:schemeClr val="lt1"/>
+            </a:fontRef>
+          </p:style>
+          <p:txBody>
+            <a:bodyPr rtlCol="0" anchor="ctr"/>
+            <a:lstStyle/>
+            <a:p>
+              <a:pPr algn="ctr"/>
+              <a:endParaRPr lang="en-US"/>
+            </a:p>
+          </p:txBody>
+        </p:sp>
+        <p:sp>
+          <p:nvSpPr>
+            <p:cNvPr id="18" name="Rounded Rectangle 17"/>
+            <p:cNvSpPr/>
+            <p:nvPr/>
+          </p:nvSpPr>
+          <p:spPr>
+            <a:xfrm>
+              <a:off x="533402" y="4548480"/>
+              <a:ext cx="710669" cy="415910"/>
+            </a:xfrm>
+            <a:prstGeom prst="roundRect">
+              <a:avLst/>
+            </a:prstGeom>
+            <a:solidFill>
+              <a:srgbClr val="00B050"/>
+            </a:solidFill>
+          </p:spPr>
+          <p:style>
+            <a:lnRef idx="2">
+              <a:schemeClr val="accent1">
+                <a:shade val="50000"/>
+              </a:schemeClr>
+            </a:lnRef>
+            <a:fillRef idx="1">
+              <a:schemeClr val="accent1"/>
+            </a:fillRef>
+            <a:effectRef idx="0">
+              <a:schemeClr val="accent1"/>
+            </a:effectRef>
+            <a:fontRef idx="minor">
+              <a:schemeClr val="lt1"/>
+            </a:fontRef>
+          </p:style>
+          <p:txBody>
+            <a:bodyPr rtlCol="0" anchor="ctr"/>
+            <a:lstStyle/>
+            <a:p>
+              <a:pPr algn="ctr"/>
+              <a:endParaRPr lang="en-US"/>
+            </a:p>
+          </p:txBody>
+        </p:sp>
+      </p:grpSp>
+      <p:grpSp>
+        <p:nvGrpSpPr>
+          <p:cNvPr id="23" name="Group 22"/>
+          <p:cNvGrpSpPr/>
+          <p:nvPr/>
+        </p:nvGrpSpPr>
+        <p:grpSpPr>
+          <a:xfrm rot="19139359">
+            <a:off x="3041858" y="1678191"/>
+            <a:ext cx="710669" cy="588090"/>
+            <a:chOff x="533402" y="4477827"/>
+            <a:chExt cx="710669" cy="588090"/>
+          </a:xfrm>
+        </p:grpSpPr>
+        <p:sp>
+          <p:nvSpPr>
+            <p:cNvPr id="24" name="Oval 23"/>
+            <p:cNvSpPr/>
+            <p:nvPr/>
+          </p:nvSpPr>
+          <p:spPr>
+            <a:xfrm>
+              <a:off x="939269" y="4477827"/>
+              <a:ext cx="254000" cy="135467"/>
+            </a:xfrm>
+            <a:prstGeom prst="ellipse">
+              <a:avLst/>
+            </a:prstGeom>
+          </p:spPr>
+          <p:style>
+            <a:lnRef idx="2">
+              <a:schemeClr val="accent1">
+                <a:shade val="50000"/>
+              </a:schemeClr>
+            </a:lnRef>
+            <a:fillRef idx="1">
+              <a:schemeClr val="accent1"/>
+            </a:fillRef>
+            <a:effectRef idx="0">
+              <a:schemeClr val="accent1"/>
+            </a:effectRef>
+            <a:fontRef idx="minor">
+              <a:schemeClr val="lt1"/>
+            </a:fontRef>
+          </p:style>
+          <p:txBody>
+            <a:bodyPr rtlCol="0" anchor="ctr"/>
+            <a:lstStyle/>
+            <a:p>
+              <a:pPr algn="ctr"/>
+              <a:endParaRPr lang="en-US"/>
+            </a:p>
+          </p:txBody>
+        </p:sp>
+        <p:sp>
+          <p:nvSpPr>
+            <p:cNvPr id="25" name="Oval 24"/>
+            <p:cNvSpPr/>
+            <p:nvPr/>
+          </p:nvSpPr>
+          <p:spPr>
+            <a:xfrm>
+              <a:off x="930272" y="4930450"/>
+              <a:ext cx="254000" cy="135467"/>
+            </a:xfrm>
+            <a:prstGeom prst="ellipse">
+              <a:avLst/>
+            </a:prstGeom>
+          </p:spPr>
+          <p:style>
+            <a:lnRef idx="2">
+              <a:schemeClr val="accent1">
+                <a:shade val="50000"/>
+              </a:schemeClr>
+            </a:lnRef>
+            <a:fillRef idx="1">
+              <a:schemeClr val="accent1"/>
+            </a:fillRef>
+            <a:effectRef idx="0">
+              <a:schemeClr val="accent1"/>
+            </a:effectRef>
+            <a:fontRef idx="minor">
+              <a:schemeClr val="lt1"/>
+            </a:fontRef>
+          </p:style>
+          <p:txBody>
+            <a:bodyPr rtlCol="0" anchor="ctr"/>
+            <a:lstStyle/>
+            <a:p>
+              <a:pPr algn="ctr"/>
+              <a:endParaRPr lang="en-US"/>
+            </a:p>
+          </p:txBody>
+        </p:sp>
+        <p:sp>
+          <p:nvSpPr>
+            <p:cNvPr id="26" name="Rounded Rectangle 25"/>
+            <p:cNvSpPr/>
+            <p:nvPr/>
+          </p:nvSpPr>
+          <p:spPr>
+            <a:xfrm>
+              <a:off x="533402" y="4548480"/>
+              <a:ext cx="710669" cy="415910"/>
+            </a:xfrm>
+            <a:prstGeom prst="roundRect">
+              <a:avLst/>
+            </a:prstGeom>
+            <a:solidFill>
+              <a:srgbClr val="00B050"/>
+            </a:solidFill>
+          </p:spPr>
+          <p:style>
+            <a:lnRef idx="2">
+              <a:schemeClr val="accent1">
+                <a:shade val="50000"/>
+              </a:schemeClr>
+            </a:lnRef>
+            <a:fillRef idx="1">
+              <a:schemeClr val="accent1"/>
+            </a:fillRef>
+            <a:effectRef idx="0">
+              <a:schemeClr val="accent1"/>
+            </a:effectRef>
+            <a:fontRef idx="minor">
+              <a:schemeClr val="lt1"/>
+            </a:fontRef>
+          </p:style>
+          <p:txBody>
+            <a:bodyPr rtlCol="0" anchor="ctr"/>
+            <a:lstStyle/>
+            <a:p>
+              <a:pPr algn="ctr"/>
+              <a:endParaRPr lang="en-US"/>
+            </a:p>
+          </p:txBody>
+        </p:sp>
+      </p:grpSp>
+      <p:sp>
+        <p:nvSpPr>
+          <p:cNvPr id="27" name="Content Placeholder 2"/>
+          <p:cNvSpPr>
+            <a:spLocks noGrp="1"/>
+          </p:cNvSpPr>
+          <p:nvPr>
+            <p:ph idx="1"/>
+          </p:nvPr>
+        </p:nvSpPr>
+        <p:spPr>
+          <a:xfrm>
+            <a:off x="237383" y="4273579"/>
+            <a:ext cx="8242737" cy="407974"/>
+          </a:xfrm>
+        </p:spPr>
+        <p:txBody>
+          <a:bodyPr>
+            <a:noAutofit/>
+          </a:bodyPr>
+          <a:lstStyle/>
+          <a:p>
+            <a:pPr marL="342900" indent="-342900">
+              <a:buFont typeface="Arial" panose="020B0604020202020204" pitchFamily="34" charset="0"/>
+              <a:buChar char="•"/>
+            </a:pPr>
+            <a:r>
+              <a:rPr lang="en-US" sz="1800" dirty="0" err="1" smtClean="0"/>
+              <a:t>Igual</a:t>
+            </a:r>
+            <a:r>
+              <a:rPr lang="en-US" sz="1800" dirty="0" smtClean="0"/>
+              <a:t> </a:t>
+            </a:r>
+            <a:r>
+              <a:rPr lang="en-US" sz="1800" dirty="0" err="1" smtClean="0"/>
+              <a:t>ao</a:t>
+            </a:r>
+            <a:r>
+              <a:rPr lang="en-US" sz="1800" dirty="0" smtClean="0"/>
+              <a:t> </a:t>
+            </a:r>
+            <a:r>
+              <a:rPr lang="en-US" sz="1800" dirty="0" err="1" smtClean="0"/>
+              <a:t>Mover_CM</a:t>
+            </a:r>
+            <a:r>
+              <a:rPr lang="en-US" sz="1800" dirty="0" smtClean="0"/>
+              <a:t>, </a:t>
+            </a:r>
+            <a:r>
+              <a:rPr lang="en-US" sz="1800" dirty="0" err="1" smtClean="0"/>
+              <a:t>você</a:t>
+            </a:r>
+            <a:r>
+              <a:rPr lang="en-US" sz="1800" dirty="0" smtClean="0"/>
+              <a:t> </a:t>
+            </a:r>
+            <a:r>
+              <a:rPr lang="en-US" sz="1800" dirty="0" err="1" smtClean="0"/>
+              <a:t>também</a:t>
+            </a:r>
+            <a:r>
+              <a:rPr lang="en-US" sz="1800" dirty="0" smtClean="0"/>
+              <a:t> </a:t>
+            </a:r>
+            <a:r>
+              <a:rPr lang="en-US" sz="1800" dirty="0" err="1" smtClean="0"/>
+              <a:t>pode</a:t>
+            </a:r>
+            <a:r>
+              <a:rPr lang="en-US" sz="1800" dirty="0" smtClean="0"/>
+              <a:t> </a:t>
+            </a:r>
+            <a:r>
+              <a:rPr lang="en-US" sz="1800" dirty="0" err="1" smtClean="0"/>
+              <a:t>criar</a:t>
+            </a:r>
+            <a:r>
+              <a:rPr lang="en-US" sz="1800" dirty="0" smtClean="0"/>
+              <a:t> um My Block para </a:t>
+            </a:r>
+            <a:r>
+              <a:rPr lang="en-US" sz="1800" dirty="0" err="1" smtClean="0"/>
+              <a:t>curvas</a:t>
+            </a:r>
+            <a:r>
+              <a:rPr lang="en-US" sz="1800" dirty="0" smtClean="0"/>
+              <a:t>. No </a:t>
+            </a:r>
+            <a:r>
+              <a:rPr lang="en-US" sz="1800" dirty="0" err="1" smtClean="0"/>
+              <a:t>Mover_CM</a:t>
+            </a:r>
+            <a:r>
+              <a:rPr lang="en-US" sz="1800" dirty="0" smtClean="0"/>
+              <a:t>, </a:t>
+            </a:r>
+            <a:r>
+              <a:rPr lang="en-US" sz="1800" dirty="0" err="1" smtClean="0"/>
+              <a:t>nós</a:t>
+            </a:r>
+            <a:r>
+              <a:rPr lang="en-US" sz="1800" dirty="0" smtClean="0"/>
+              <a:t> </a:t>
+            </a:r>
+            <a:r>
+              <a:rPr lang="en-US" sz="1800" dirty="0" err="1" smtClean="0"/>
+              <a:t>tivemos</a:t>
+            </a:r>
+            <a:r>
+              <a:rPr lang="en-US" sz="1800" dirty="0" smtClean="0"/>
+              <a:t> </a:t>
+            </a:r>
+            <a:r>
+              <a:rPr lang="en-US" sz="1800" dirty="0" err="1" smtClean="0"/>
+              <a:t>que</a:t>
+            </a:r>
+            <a:r>
+              <a:rPr lang="en-US" sz="1800" dirty="0" smtClean="0"/>
+              <a:t> </a:t>
+            </a:r>
+            <a:r>
+              <a:rPr lang="en-US" sz="1800" dirty="0" err="1" smtClean="0"/>
+              <a:t>descobrir</a:t>
+            </a:r>
+            <a:r>
+              <a:rPr lang="en-US" sz="1800" dirty="0" smtClean="0"/>
+              <a:t> </a:t>
+            </a:r>
+            <a:r>
+              <a:rPr lang="en-US" sz="1800" dirty="0" err="1" smtClean="0"/>
+              <a:t>quantas</a:t>
+            </a:r>
+            <a:r>
+              <a:rPr lang="en-US" sz="1800" dirty="0" smtClean="0"/>
+              <a:t> </a:t>
+            </a:r>
+            <a:r>
+              <a:rPr lang="en-US" sz="1800" dirty="0" err="1" smtClean="0"/>
+              <a:t>rotações</a:t>
+            </a:r>
+            <a:r>
+              <a:rPr lang="en-US" sz="1800" dirty="0" smtClean="0"/>
+              <a:t> da </a:t>
+            </a:r>
+            <a:r>
+              <a:rPr lang="en-US" sz="1800" dirty="0" err="1" smtClean="0"/>
+              <a:t>roda</a:t>
+            </a:r>
+            <a:r>
+              <a:rPr lang="en-US" sz="1800" dirty="0" smtClean="0"/>
+              <a:t> </a:t>
+            </a:r>
+            <a:r>
+              <a:rPr lang="en-US" sz="1800" dirty="0" err="1" smtClean="0"/>
+              <a:t>seriam</a:t>
+            </a:r>
+            <a:r>
+              <a:rPr lang="en-US" sz="1800" dirty="0" smtClean="0"/>
+              <a:t> </a:t>
+            </a:r>
+            <a:r>
+              <a:rPr lang="en-US" sz="1800" dirty="0" err="1" smtClean="0"/>
+              <a:t>necessárias</a:t>
+            </a:r>
+            <a:r>
+              <a:rPr lang="en-US" sz="1800" dirty="0" smtClean="0"/>
+              <a:t> para 1 CM.</a:t>
+            </a:r>
+          </a:p>
+          <a:p>
+            <a:pPr marL="342900" indent="-342900">
+              <a:buFont typeface="Arial" panose="020B0604020202020204" pitchFamily="34" charset="0"/>
+              <a:buChar char="•"/>
+            </a:pPr>
+            <a:r>
+              <a:rPr lang="en-US" sz="1800" dirty="0" smtClean="0"/>
+              <a:t>Para </a:t>
+            </a:r>
+            <a:r>
+              <a:rPr lang="en-US" sz="1800" dirty="0" err="1" smtClean="0"/>
+              <a:t>fazer</a:t>
+            </a:r>
+            <a:r>
+              <a:rPr lang="en-US" sz="1800" dirty="0" smtClean="0"/>
+              <a:t> um My Block </a:t>
+            </a:r>
+            <a:r>
+              <a:rPr lang="en-US" sz="1800" dirty="0" err="1" smtClean="0"/>
+              <a:t>Virar_Graus</a:t>
+            </a:r>
+            <a:r>
+              <a:rPr lang="en-US" sz="1800" dirty="0" smtClean="0"/>
+              <a:t>, </a:t>
+            </a:r>
+            <a:r>
+              <a:rPr lang="en-US" sz="1800" dirty="0" err="1" smtClean="0"/>
+              <a:t>você</a:t>
+            </a:r>
+            <a:r>
+              <a:rPr lang="en-US" sz="1800" dirty="0" smtClean="0"/>
+              <a:t> tem </a:t>
+            </a:r>
+            <a:r>
+              <a:rPr lang="en-US" sz="1800" dirty="0" err="1" smtClean="0"/>
+              <a:t>que</a:t>
+            </a:r>
+            <a:r>
+              <a:rPr lang="en-US" sz="1800" dirty="0" smtClean="0"/>
+              <a:t> </a:t>
+            </a:r>
+            <a:r>
+              <a:rPr lang="en-US" sz="1800" dirty="0" err="1" smtClean="0"/>
+              <a:t>descobrir</a:t>
+            </a:r>
+            <a:r>
+              <a:rPr lang="en-US" sz="1800" dirty="0" smtClean="0"/>
+              <a:t> </a:t>
+            </a:r>
+            <a:r>
+              <a:rPr lang="en-US" sz="1800" dirty="0" err="1" smtClean="0"/>
+              <a:t>quantas</a:t>
+            </a:r>
+            <a:r>
+              <a:rPr lang="en-US" sz="1800" dirty="0" smtClean="0"/>
+              <a:t> </a:t>
+            </a:r>
+            <a:r>
+              <a:rPr lang="en-US" sz="1800" dirty="0" err="1" smtClean="0"/>
+              <a:t>rotações</a:t>
+            </a:r>
+            <a:r>
+              <a:rPr lang="en-US" sz="1800" dirty="0" smtClean="0"/>
+              <a:t> o sensor do motor </a:t>
+            </a:r>
+            <a:r>
+              <a:rPr lang="en-US" sz="1800" dirty="0" err="1" smtClean="0"/>
+              <a:t>gira</a:t>
+            </a:r>
+            <a:r>
+              <a:rPr lang="en-US" sz="1800" dirty="0" smtClean="0"/>
+              <a:t> um </a:t>
+            </a:r>
+            <a:r>
+              <a:rPr lang="en-US" sz="1800" dirty="0" err="1" smtClean="0"/>
+              <a:t>grau</a:t>
+            </a:r>
+            <a:r>
+              <a:rPr lang="en-US" sz="1800" dirty="0" smtClean="0"/>
+              <a:t> no </a:t>
+            </a:r>
+            <a:r>
+              <a:rPr lang="en-US" sz="1800" dirty="0" err="1" smtClean="0"/>
+              <a:t>transferidor</a:t>
+            </a:r>
+            <a:r>
+              <a:rPr lang="en-US" sz="1800" dirty="0" smtClean="0"/>
+              <a:t>.</a:t>
+            </a:r>
           </a:p>
         </p:txBody>
       </p:sp>
     </p:spTree>
     <p:extLst>
       <p:ext uri="{BB962C8B-B14F-4D97-AF65-F5344CB8AC3E}">
-        <p14:creationId xmlns:p14="http://schemas.microsoft.com/office/powerpoint/2010/main" val="84727892"/>
+        <p14:creationId xmlns:p14="http://schemas.microsoft.com/office/powerpoint/2010/main" val="3065732492"/>
       </p:ext>
     </p:extLst>
   </p:cSld>
@@ -6673,9 +8146,437 @@
       <p:transition spd="slow" p14:dur="2000"/>
     </mc:Choice>
     <mc:Fallback xmlns="">
-      <p:transition xmlns:p14="http://schemas.microsoft.com/office/powerpoint/2010/main" spd="slow"/>
+      <p:transition spd="slow"/>
     </mc:Fallback>
   </mc:AlternateContent>
+  <p:timing>
+    <p:tnLst>
+      <p:par>
+        <p:cTn id="1" dur="indefinite" restart="never" nodeType="tmRoot"/>
+      </p:par>
+    </p:tnLst>
+  </p:timing>
+</p:sld>
+</file>
+
+<file path=ppt/slides/slide4.xml><?xml version="1.0" encoding="utf-8"?>
+<p:sld xmlns:a="http://schemas.openxmlformats.org/drawingml/2006/main" xmlns:r="http://schemas.openxmlformats.org/officeDocument/2006/relationships" xmlns:p="http://schemas.openxmlformats.org/presentationml/2006/main">
+  <p:cSld>
+    <p:spTree>
+      <p:nvGrpSpPr>
+        <p:cNvPr id="1" name=""/>
+        <p:cNvGrpSpPr/>
+        <p:nvPr/>
+      </p:nvGrpSpPr>
+      <p:grpSpPr>
+        <a:xfrm>
+          <a:off x="0" y="0"/>
+          <a:ext cx="0" cy="0"/>
+          <a:chOff x="0" y="0"/>
+          <a:chExt cx="0" cy="0"/>
+        </a:xfrm>
+      </p:grpSpPr>
+      <p:sp>
+        <p:nvSpPr>
+          <p:cNvPr id="2" name="Title 1"/>
+          <p:cNvSpPr>
+            <a:spLocks noGrp="1"/>
+          </p:cNvSpPr>
+          <p:nvPr>
+            <p:ph type="title"/>
+          </p:nvPr>
+        </p:nvSpPr>
+        <p:spPr/>
+        <p:txBody>
+          <a:bodyPr>
+            <a:normAutofit/>
+          </a:bodyPr>
+          <a:lstStyle/>
+          <a:p>
+            <a:r>
+              <a:rPr lang="en-US" dirty="0" err="1" smtClean="0"/>
+              <a:t>Virar_curvas</a:t>
+            </a:r>
+            <a:r>
+              <a:rPr lang="en-US" dirty="0" smtClean="0"/>
+              <a:t> </a:t>
+            </a:r>
+            <a:r>
+              <a:rPr lang="en-US" dirty="0" err="1" smtClean="0"/>
+              <a:t>em</a:t>
+            </a:r>
+            <a:r>
+              <a:rPr lang="en-US" dirty="0" smtClean="0"/>
+              <a:t> </a:t>
+            </a:r>
+            <a:r>
+              <a:rPr lang="en-US" dirty="0" err="1" smtClean="0"/>
+              <a:t>três</a:t>
+            </a:r>
+            <a:r>
+              <a:rPr lang="en-US" dirty="0" smtClean="0"/>
+              <a:t> </a:t>
+            </a:r>
+            <a:r>
+              <a:rPr lang="en-US" dirty="0" err="1" smtClean="0"/>
+              <a:t>passos</a:t>
+            </a:r>
+            <a:r>
+              <a:rPr lang="en-US" dirty="0" smtClean="0"/>
+              <a:t> </a:t>
+            </a:r>
+            <a:r>
+              <a:rPr lang="en-US" dirty="0" err="1" smtClean="0"/>
+              <a:t>fáceis</a:t>
+            </a:r>
+            <a:r>
+              <a:rPr lang="en-US" dirty="0" smtClean="0"/>
+              <a:t>.</a:t>
+            </a:r>
+            <a:endParaRPr lang="en-US" dirty="0"/>
+          </a:p>
+        </p:txBody>
+      </p:sp>
+      <p:sp>
+        <p:nvSpPr>
+          <p:cNvPr id="3" name="Content Placeholder 2"/>
+          <p:cNvSpPr>
+            <a:spLocks noGrp="1"/>
+          </p:cNvSpPr>
+          <p:nvPr>
+            <p:ph idx="1"/>
+          </p:nvPr>
+        </p:nvSpPr>
+        <p:spPr>
+          <a:xfrm>
+            <a:off x="457200" y="1550884"/>
+            <a:ext cx="7940842" cy="4373563"/>
+          </a:xfrm>
+        </p:spPr>
+        <p:txBody>
+          <a:bodyPr>
+            <a:normAutofit/>
+          </a:bodyPr>
+          <a:lstStyle/>
+          <a:p>
+            <a:r>
+              <a:rPr lang="en-US" dirty="0" smtClean="0"/>
+              <a:t>PASSO 1: </a:t>
+            </a:r>
+            <a:r>
+              <a:rPr lang="en-US" b="0" dirty="0" err="1" smtClean="0"/>
+              <a:t>Quantos</a:t>
+            </a:r>
+            <a:r>
+              <a:rPr lang="en-US" b="0" dirty="0" smtClean="0"/>
+              <a:t> </a:t>
+            </a:r>
+            <a:r>
+              <a:rPr lang="en-US" b="0" dirty="0" err="1" smtClean="0"/>
+              <a:t>graus</a:t>
+            </a:r>
+            <a:r>
+              <a:rPr lang="en-US" b="0" dirty="0" smtClean="0"/>
+              <a:t> o </a:t>
+            </a:r>
+            <a:r>
+              <a:rPr lang="en-US" b="0" dirty="0" err="1" smtClean="0"/>
+              <a:t>robô</a:t>
+            </a:r>
+            <a:r>
+              <a:rPr lang="en-US" b="0" dirty="0" smtClean="0"/>
+              <a:t> </a:t>
+            </a:r>
+            <a:r>
+              <a:rPr lang="en-US" b="0" dirty="0" err="1" smtClean="0"/>
+              <a:t>vira</a:t>
+            </a:r>
+            <a:r>
+              <a:rPr lang="en-US" b="0" dirty="0" smtClean="0"/>
+              <a:t> para </a:t>
+            </a:r>
+            <a:r>
+              <a:rPr lang="en-US" b="0" dirty="0" err="1" smtClean="0"/>
+              <a:t>todo</a:t>
+            </a:r>
+            <a:r>
+              <a:rPr lang="en-US" b="0" dirty="0" smtClean="0"/>
+              <a:t> 1 </a:t>
+            </a:r>
+            <a:r>
+              <a:rPr lang="en-US" b="0" dirty="0" err="1" smtClean="0"/>
+              <a:t>grau</a:t>
+            </a:r>
+            <a:r>
+              <a:rPr lang="en-US" b="0" dirty="0" smtClean="0"/>
+              <a:t> do </a:t>
+            </a:r>
+            <a:r>
+              <a:rPr lang="en-US" b="0" dirty="0" err="1" smtClean="0"/>
+              <a:t>transferidor</a:t>
+            </a:r>
+            <a:r>
+              <a:rPr lang="en-US" b="0" dirty="0" smtClean="0"/>
+              <a:t>?</a:t>
+            </a:r>
+          </a:p>
+          <a:p>
+            <a:r>
+              <a:rPr lang="en-US" b="0" dirty="0"/>
+              <a:t>	</a:t>
+            </a:r>
+            <a:r>
+              <a:rPr lang="en-US" b="0" dirty="0" smtClean="0"/>
+              <a:t>PASSO 1A: </a:t>
+            </a:r>
+            <a:r>
+              <a:rPr lang="en-US" b="0" dirty="0" err="1" smtClean="0"/>
+              <a:t>Medida</a:t>
+            </a:r>
+            <a:r>
+              <a:rPr lang="en-US" b="0" dirty="0" smtClean="0"/>
+              <a:t> do sensor de </a:t>
+            </a:r>
+            <a:r>
+              <a:rPr lang="en-US" b="0" dirty="0" err="1" smtClean="0"/>
+              <a:t>rotação</a:t>
+            </a:r>
+            <a:r>
+              <a:rPr lang="en-US" b="0" dirty="0" smtClean="0"/>
+              <a:t>.</a:t>
+            </a:r>
+          </a:p>
+          <a:p>
+            <a:r>
+              <a:rPr lang="en-US" b="0" dirty="0"/>
+              <a:t>	</a:t>
+            </a:r>
+            <a:r>
+              <a:rPr lang="en-US" b="0" dirty="0" smtClean="0"/>
+              <a:t>PASSO 1B: </a:t>
+            </a:r>
+            <a:r>
+              <a:rPr lang="en-US" b="0" dirty="0" err="1" smtClean="0"/>
+              <a:t>Programe</a:t>
+            </a:r>
+            <a:r>
+              <a:rPr lang="en-US" b="0" dirty="0" smtClean="0"/>
+              <a:t> o </a:t>
+            </a:r>
+            <a:r>
+              <a:rPr lang="en-US" b="0" dirty="0" err="1" smtClean="0"/>
+              <a:t>robô</a:t>
+            </a:r>
+            <a:r>
+              <a:rPr lang="en-US" b="0" dirty="0" smtClean="0"/>
+              <a:t> para </a:t>
+            </a:r>
+            <a:r>
+              <a:rPr lang="en-US" b="0" dirty="0" err="1" smtClean="0"/>
+              <a:t>virar</a:t>
+            </a:r>
+            <a:r>
+              <a:rPr lang="en-US" b="0" dirty="0" smtClean="0"/>
+              <a:t> 1 </a:t>
+            </a:r>
+            <a:r>
+              <a:rPr lang="en-US" b="0" dirty="0" err="1" smtClean="0"/>
+              <a:t>grau</a:t>
+            </a:r>
+            <a:r>
+              <a:rPr lang="en-US" b="0" dirty="0" smtClean="0"/>
+              <a:t> do </a:t>
+            </a:r>
+            <a:r>
+              <a:rPr lang="en-US" b="0" dirty="0" err="1" smtClean="0"/>
+              <a:t>transferidor</a:t>
+            </a:r>
+            <a:r>
+              <a:rPr lang="en-US" b="0" dirty="0" smtClean="0"/>
+              <a:t>.</a:t>
+            </a:r>
+          </a:p>
+          <a:p>
+            <a:endParaRPr lang="en-US" b="0" dirty="0"/>
+          </a:p>
+          <a:p>
+            <a:r>
+              <a:rPr lang="en-US" dirty="0" smtClean="0"/>
+              <a:t>PASSO 2: </a:t>
+            </a:r>
+            <a:r>
+              <a:rPr lang="en-US" b="0" dirty="0" err="1" smtClean="0"/>
+              <a:t>Adicione</a:t>
+            </a:r>
+            <a:r>
+              <a:rPr lang="en-US" b="0" dirty="0" smtClean="0"/>
+              <a:t> um </a:t>
+            </a:r>
+            <a:r>
+              <a:rPr lang="en-US" b="0" dirty="0" err="1" smtClean="0"/>
+              <a:t>Bloco</a:t>
+            </a:r>
+            <a:r>
+              <a:rPr lang="en-US" b="0" dirty="0" smtClean="0"/>
+              <a:t> </a:t>
+            </a:r>
+            <a:r>
+              <a:rPr lang="en-US" b="0" dirty="0" err="1" smtClean="0"/>
+              <a:t>Matemático</a:t>
+            </a:r>
+            <a:r>
+              <a:rPr lang="en-US" b="0" dirty="0" smtClean="0"/>
+              <a:t> para converter </a:t>
+            </a:r>
+            <a:r>
+              <a:rPr lang="en-US" b="0" dirty="0" err="1" smtClean="0"/>
+              <a:t>graus</a:t>
+            </a:r>
+            <a:r>
+              <a:rPr lang="en-US" b="0" dirty="0" smtClean="0"/>
+              <a:t> do </a:t>
+            </a:r>
+            <a:r>
+              <a:rPr lang="en-US" b="0" dirty="0" err="1" smtClean="0"/>
+              <a:t>transferidor</a:t>
+            </a:r>
+            <a:r>
+              <a:rPr lang="en-US" b="0" dirty="0" smtClean="0"/>
+              <a:t> para </a:t>
+            </a:r>
+            <a:r>
+              <a:rPr lang="en-US" b="0" dirty="0" err="1" smtClean="0"/>
+              <a:t>graus</a:t>
+            </a:r>
+            <a:r>
+              <a:rPr lang="en-US" b="0" dirty="0" smtClean="0"/>
+              <a:t> de </a:t>
+            </a:r>
+            <a:r>
+              <a:rPr lang="en-US" b="0" dirty="0" err="1" smtClean="0"/>
+              <a:t>rotação</a:t>
+            </a:r>
+            <a:r>
+              <a:rPr lang="en-US" b="0" dirty="0" smtClean="0"/>
+              <a:t>.</a:t>
+            </a:r>
+          </a:p>
+          <a:p>
+            <a:endParaRPr lang="en-US" b="0" dirty="0"/>
+          </a:p>
+          <a:p>
+            <a:r>
+              <a:rPr lang="en-US" dirty="0" smtClean="0"/>
+              <a:t>PASSO 3: </a:t>
+            </a:r>
+            <a:r>
+              <a:rPr lang="en-US" b="0" dirty="0" err="1" smtClean="0"/>
+              <a:t>Crie</a:t>
+            </a:r>
+            <a:r>
+              <a:rPr lang="en-US" b="0" dirty="0" smtClean="0"/>
+              <a:t> </a:t>
+            </a:r>
+            <a:r>
+              <a:rPr lang="en-US" b="0" dirty="0"/>
+              <a:t>um My </a:t>
+            </a:r>
+            <a:r>
+              <a:rPr lang="en-US" b="0" dirty="0" smtClean="0"/>
+              <a:t>Block “</a:t>
+            </a:r>
+            <a:r>
+              <a:rPr lang="en-US" b="0" dirty="0" err="1" smtClean="0"/>
+              <a:t>Virar_Graus”com</a:t>
+            </a:r>
+            <a:r>
+              <a:rPr lang="en-US" b="0" dirty="0" smtClean="0"/>
+              <a:t> </a:t>
+            </a:r>
+            <a:r>
+              <a:rPr lang="en-US" b="0" dirty="0" err="1" smtClean="0"/>
+              <a:t>duas</a:t>
+            </a:r>
+            <a:r>
+              <a:rPr lang="en-US" b="0" dirty="0" smtClean="0"/>
+              <a:t> entradas (</a:t>
+            </a:r>
+            <a:r>
+              <a:rPr lang="en-US" b="0" dirty="0" err="1" smtClean="0"/>
+              <a:t>força</a:t>
+            </a:r>
+            <a:r>
+              <a:rPr lang="en-US" b="0" dirty="0" smtClean="0"/>
+              <a:t> e </a:t>
+            </a:r>
+            <a:r>
+              <a:rPr lang="en-US" b="0" dirty="0" err="1" smtClean="0"/>
+              <a:t>graus</a:t>
+            </a:r>
+            <a:r>
+              <a:rPr lang="en-US" b="0" dirty="0" smtClean="0"/>
+              <a:t>).</a:t>
+            </a:r>
+            <a:endParaRPr lang="en-US" b="0" dirty="0"/>
+          </a:p>
+        </p:txBody>
+      </p:sp>
+      <p:sp>
+        <p:nvSpPr>
+          <p:cNvPr id="4" name="Footer Placeholder 3"/>
+          <p:cNvSpPr>
+            <a:spLocks noGrp="1"/>
+          </p:cNvSpPr>
+          <p:nvPr>
+            <p:ph type="ftr" sz="quarter" idx="11"/>
+          </p:nvPr>
+        </p:nvSpPr>
+        <p:spPr/>
+        <p:txBody>
+          <a:bodyPr/>
+          <a:lstStyle/>
+          <a:p>
+            <a:r>
+              <a:rPr lang="en-US" smtClean="0"/>
+              <a:t>© 2015, EV3Lessons.com (last edit 11/02/15)</a:t>
+            </a:r>
+            <a:endParaRPr lang="en-US"/>
+          </a:p>
+        </p:txBody>
+      </p:sp>
+      <p:sp>
+        <p:nvSpPr>
+          <p:cNvPr id="6" name="Slide Number Placeholder 5"/>
+          <p:cNvSpPr>
+            <a:spLocks noGrp="1"/>
+          </p:cNvSpPr>
+          <p:nvPr>
+            <p:ph type="sldNum" sz="quarter" idx="12"/>
+          </p:nvPr>
+        </p:nvSpPr>
+        <p:spPr/>
+        <p:txBody>
+          <a:bodyPr/>
+          <a:lstStyle/>
+          <a:p>
+            <a:fld id="{4DBC7FC8-25FB-FC45-8177-2B991DA6778C}" type="slidenum">
+              <a:rPr lang="en-US" smtClean="0"/>
+              <a:t>4</a:t>
+            </a:fld>
+            <a:endParaRPr lang="en-US"/>
+          </a:p>
+        </p:txBody>
+      </p:sp>
+    </p:spTree>
+    <p:extLst>
+      <p:ext uri="{BB962C8B-B14F-4D97-AF65-F5344CB8AC3E}">
+        <p14:creationId xmlns:p14="http://schemas.microsoft.com/office/powerpoint/2010/main" val="3879843782"/>
+      </p:ext>
+    </p:extLst>
+  </p:cSld>
+  <p:clrMapOvr>
+    <a:masterClrMapping/>
+  </p:clrMapOvr>
   <p:timing>
     <p:tnLst>
       <p:par>
@@ -6721,18 +8622,34 @@
           <a:lstStyle/>
           <a:p>
             <a:r>
-              <a:rPr lang="en-US" sz="3200" dirty="0" err="1" smtClean="0"/>
-              <a:t>medindo</a:t>
-            </a:r>
-            <a:r>
-              <a:rPr lang="en-US" sz="3200" dirty="0" smtClean="0"/>
-              <a:t> o sensor de </a:t>
-            </a:r>
-            <a:r>
-              <a:rPr lang="en-US" sz="3200" dirty="0" err="1" smtClean="0"/>
+              <a:rPr lang="en-US" dirty="0" err="1" smtClean="0"/>
+              <a:t>passo</a:t>
+            </a:r>
+            <a:r>
+              <a:rPr lang="en-US" dirty="0" smtClean="0"/>
+              <a:t> 1A: </a:t>
+            </a:r>
+            <a:r>
+              <a:rPr lang="en-US" dirty="0" err="1" smtClean="0"/>
+              <a:t>Medindo</a:t>
+            </a:r>
+            <a:r>
+              <a:rPr lang="en-US" dirty="0"/>
+              <a:t> </a:t>
+            </a:r>
+            <a:r>
+              <a:rPr lang="en-US" dirty="0" smtClean="0"/>
+              <a:t>o sensor de </a:t>
+            </a:r>
+            <a:r>
+              <a:rPr lang="en-US" dirty="0" err="1" smtClean="0"/>
               <a:t>rotação</a:t>
             </a:r>
-            <a:endParaRPr lang="en-US" sz="3200" dirty="0"/>
+            <a:r>
+              <a:rPr lang="en-US" dirty="0" smtClean="0"/>
+              <a:t>.</a:t>
+            </a:r>
+            <a:endParaRPr lang="en-US" dirty="0"/>
           </a:p>
         </p:txBody>
       </p:sp>
@@ -6746,228 +8663,595 @@
             <p:ph idx="1"/>
           </p:nvPr>
         </p:nvSpPr>
-        <p:spPr>
-          <a:xfrm>
-            <a:off x="457200" y="1600200"/>
-            <a:ext cx="8229600" cy="4821967"/>
-          </a:xfrm>
-        </p:spPr>
+        <p:spPr/>
         <p:txBody>
           <a:bodyPr>
-            <a:normAutofit fontScale="92500" lnSpcReduction="20000"/>
+            <a:normAutofit fontScale="92500" lnSpcReduction="10000"/>
           </a:bodyPr>
           <a:lstStyle/>
           <a:p>
             <a:r>
-              <a:rPr lang="pt-BR" sz="1800" dirty="0">
-                <a:solidFill>
-                  <a:srgbClr val="000000"/>
-                </a:solidFill>
-              </a:rPr>
-              <a:t>O EV3 possui uma Função para visualização da Porta que exibe os valores medidos pelos sensores</a:t>
-            </a:r>
-          </a:p>
-          <a:p>
-            <a:r>
-              <a:rPr lang="pt-BR" sz="1800" dirty="0">
-                <a:solidFill>
-                  <a:srgbClr val="000000"/>
-                </a:solidFill>
-              </a:rPr>
-              <a:t>Nesta seção, iremos mostrar como usar a visualização da porta para medir giros.</a:t>
-            </a:r>
-          </a:p>
-          <a:p>
-            <a:endParaRPr lang="en-US" sz="1800" dirty="0">
-              <a:solidFill>
-                <a:srgbClr val="000000"/>
-              </a:solidFill>
-            </a:endParaRPr>
-          </a:p>
-          <a:p>
-            <a:r>
-              <a:rPr lang="pt-BR" sz="1600" dirty="0">
-                <a:solidFill>
-                  <a:srgbClr val="FF0000"/>
-                </a:solidFill>
-              </a:rPr>
-              <a:t>Passo 1</a:t>
-            </a:r>
-            <a:r>
-              <a:rPr lang="pt-BR" sz="1600" dirty="0"/>
-              <a:t>: Vá para a Visualização de Porta do seu robô. No EV3 é o terceiro menu à direita. Procure pelo valor de um dos motores (motores ligados às suas rodas)</a:t>
-            </a:r>
-            <a:endParaRPr lang="en-US" sz="1600" dirty="0"/>
-          </a:p>
-          <a:p>
-            <a:r>
-              <a:rPr lang="pt-BR" sz="1600" dirty="0">
-                <a:solidFill>
-                  <a:srgbClr val="FF0000"/>
-                </a:solidFill>
-              </a:rPr>
-              <a:t>Passo 2</a:t>
-            </a:r>
-            <a:r>
-              <a:rPr lang="pt-BR" sz="1600" dirty="0"/>
-              <a:t>: Gire o robô 90 graus (gire no eixo) – usando as suas mãos para girar uma roda. Certifique-se de que as rodas não vão escorregar quando você fizer isto.</a:t>
-            </a:r>
-            <a:endParaRPr lang="en-US" sz="1600" dirty="0"/>
-          </a:p>
-          <a:p>
-            <a:r>
-              <a:rPr lang="pt-BR" sz="1600" dirty="0">
-                <a:solidFill>
-                  <a:srgbClr val="FF0000"/>
-                </a:solidFill>
-              </a:rPr>
-              <a:t>Passo 3</a:t>
-            </a:r>
-            <a:r>
-              <a:rPr lang="pt-BR" sz="1600" dirty="0"/>
-              <a:t>: Veja o valor do grau de rotação e anote o número de graus (n)</a:t>
-            </a:r>
-            <a:endParaRPr lang="en-US" sz="1600" dirty="0"/>
-          </a:p>
-          <a:p>
-            <a:r>
-              <a:rPr lang="pt-BR" sz="1600" dirty="0">
-                <a:solidFill>
-                  <a:srgbClr val="FF0000"/>
-                </a:solidFill>
-              </a:rPr>
-              <a:t>Passo 4</a:t>
-            </a:r>
-            <a:r>
-              <a:rPr lang="pt-BR" sz="1600" dirty="0"/>
-              <a:t>: Divida o número do Passo 3 (n) por 90 (n/90)</a:t>
-            </a:r>
-            <a:endParaRPr lang="en-US" sz="1600" dirty="0"/>
-          </a:p>
-          <a:p>
-            <a:endParaRPr lang="en-US" sz="1800" dirty="0" smtClean="0">
-              <a:solidFill>
-                <a:srgbClr val="000000"/>
-              </a:solidFill>
-            </a:endParaRPr>
-          </a:p>
-          <a:p>
-            <a:r>
-              <a:rPr lang="pt-BR" sz="1600" dirty="0"/>
-              <a:t>Este é o número de quantos </a:t>
-            </a:r>
-            <a:r>
-              <a:rPr lang="pt-BR" sz="1800" dirty="0">
-                <a:solidFill>
-                  <a:srgbClr val="008000"/>
-                </a:solidFill>
-              </a:rPr>
-              <a:t>graus de rotação </a:t>
-            </a:r>
-            <a:r>
-              <a:rPr lang="pt-BR" sz="1600" dirty="0"/>
-              <a:t>do motor corresponde 1 </a:t>
-            </a:r>
-            <a:r>
-              <a:rPr lang="pt-BR" sz="1800" dirty="0">
-                <a:solidFill>
-                  <a:srgbClr val="0000FF"/>
-                </a:solidFill>
-              </a:rPr>
-              <a:t>grau no transferidor</a:t>
-            </a:r>
-            <a:r>
-              <a:rPr lang="pt-BR" sz="1600" dirty="0"/>
+              <a:rPr lang="en-US" dirty="0" err="1" smtClean="0"/>
+              <a:t>Calcule</a:t>
+            </a:r>
+            <a:r>
+              <a:rPr lang="en-US" dirty="0" smtClean="0"/>
+              <a:t> </a:t>
+            </a:r>
+            <a:r>
+              <a:rPr lang="en-US" dirty="0" err="1" smtClean="0"/>
+              <a:t>quantos</a:t>
+            </a:r>
+            <a:r>
+              <a:rPr lang="en-US" dirty="0" smtClean="0"/>
+              <a:t> </a:t>
+            </a:r>
+            <a:r>
+              <a:rPr lang="en-US" dirty="0" err="1" smtClean="0"/>
+              <a:t>graus</a:t>
+            </a:r>
+            <a:r>
+              <a:rPr lang="en-US" dirty="0" smtClean="0"/>
+              <a:t> de </a:t>
+            </a:r>
+            <a:r>
+              <a:rPr lang="en-US" dirty="0" err="1" smtClean="0"/>
+              <a:t>rotação</a:t>
+            </a:r>
+            <a:r>
+              <a:rPr lang="en-US" dirty="0" smtClean="0"/>
+              <a:t> </a:t>
+            </a:r>
+            <a:r>
+              <a:rPr lang="en-US" dirty="0" err="1" smtClean="0"/>
+              <a:t>há</a:t>
+            </a:r>
+            <a:r>
+              <a:rPr lang="en-US" dirty="0" smtClean="0"/>
+              <a:t> </a:t>
+            </a:r>
+            <a:r>
+              <a:rPr lang="en-US" dirty="0" err="1" smtClean="0"/>
+              <a:t>em</a:t>
+            </a:r>
+            <a:r>
+              <a:rPr lang="en-US" dirty="0" smtClean="0"/>
+              <a:t> 1 </a:t>
+            </a:r>
+            <a:r>
+              <a:rPr lang="en-US" dirty="0" err="1" smtClean="0"/>
+              <a:t>grau</a:t>
+            </a:r>
+            <a:r>
+              <a:rPr lang="en-US" dirty="0" smtClean="0"/>
+              <a:t> do </a:t>
+            </a:r>
+            <a:r>
+              <a:rPr lang="en-US" dirty="0" err="1" smtClean="0"/>
+              <a:t>transferidor</a:t>
+            </a:r>
+            <a:r>
+              <a:rPr lang="en-US" dirty="0" smtClean="0"/>
               <a:t>.</a:t>
             </a:r>
-            <a:endParaRPr lang="en-US" sz="1600" dirty="0"/>
-          </a:p>
-          <a:p>
-            <a:r>
-              <a:rPr lang="pt-BR" sz="1800" dirty="0">
-                <a:solidFill>
-                  <a:srgbClr val="FF6600"/>
-                </a:solidFill>
-              </a:rPr>
-              <a:t>Você pode agora usar esta informação para escrever o </a:t>
-            </a:r>
-            <a:r>
-              <a:rPr lang="pt-BR" sz="1800" dirty="0" err="1">
-                <a:solidFill>
-                  <a:srgbClr val="FF6600"/>
-                </a:solidFill>
-              </a:rPr>
-              <a:t>My</a:t>
-            </a:r>
-            <a:r>
-              <a:rPr lang="pt-BR" sz="1800" dirty="0">
-                <a:solidFill>
-                  <a:srgbClr val="FF6600"/>
-                </a:solidFill>
-              </a:rPr>
-              <a:t> </a:t>
-            </a:r>
-            <a:r>
-              <a:rPr lang="pt-BR" sz="1800" dirty="0" err="1">
-                <a:solidFill>
-                  <a:srgbClr val="FF6600"/>
-                </a:solidFill>
-              </a:rPr>
-              <a:t>Block</a:t>
-            </a:r>
-            <a:r>
-              <a:rPr lang="pt-BR" sz="1800" dirty="0">
-                <a:solidFill>
-                  <a:srgbClr val="FF6600"/>
-                </a:solidFill>
-              </a:rPr>
-              <a:t> Giro no eixo chamado de Girar Graus. Por favor, veja o arquivo EV3 em anexo. Há Fases marcadas para você seguir. Uma vez que o código é entendido, você pode modificar para fazer o </a:t>
-            </a:r>
-            <a:r>
-              <a:rPr lang="pt-BR" sz="1800" dirty="0" err="1">
-                <a:solidFill>
-                  <a:srgbClr val="FF6600"/>
-                </a:solidFill>
-              </a:rPr>
-              <a:t>My</a:t>
-            </a:r>
-            <a:r>
-              <a:rPr lang="pt-BR" sz="1800" dirty="0">
-                <a:solidFill>
-                  <a:srgbClr val="FF6600"/>
-                </a:solidFill>
-              </a:rPr>
-              <a:t> </a:t>
-            </a:r>
-            <a:r>
-              <a:rPr lang="pt-BR" sz="1800" err="1">
-                <a:solidFill>
-                  <a:srgbClr val="FF6600"/>
-                </a:solidFill>
-              </a:rPr>
-              <a:t>Block</a:t>
-            </a:r>
-            <a:r>
-              <a:rPr lang="pt-BR" sz="1800">
-                <a:solidFill>
-                  <a:srgbClr val="FF6600"/>
-                </a:solidFill>
-              </a:rPr>
-              <a:t> </a:t>
-            </a:r>
-            <a:r>
-              <a:rPr lang="pt-BR" sz="1800" smtClean="0">
-                <a:solidFill>
-                  <a:srgbClr val="FF6600"/>
-                </a:solidFill>
-              </a:rPr>
-              <a:t>Rotação </a:t>
-            </a:r>
-            <a:endParaRPr lang="en-US" sz="1800" dirty="0" smtClean="0">
-              <a:solidFill>
-                <a:srgbClr val="FF6600"/>
-              </a:solidFill>
-            </a:endParaRPr>
+          </a:p>
+          <a:p>
+            <a:pPr lvl="1"/>
+            <a:r>
+              <a:rPr lang="en-US" dirty="0" err="1" smtClean="0"/>
+              <a:t>Vá</a:t>
+            </a:r>
+            <a:r>
+              <a:rPr lang="en-US" dirty="0" smtClean="0"/>
+              <a:t> no Port View e </a:t>
+            </a:r>
+            <a:r>
+              <a:rPr lang="en-US" dirty="0" err="1" smtClean="0"/>
+              <a:t>escolha</a:t>
+            </a:r>
+            <a:r>
+              <a:rPr lang="en-US" dirty="0" smtClean="0"/>
+              <a:t> o sensor de </a:t>
+            </a:r>
+            <a:r>
+              <a:rPr lang="en-US" dirty="0" err="1" smtClean="0"/>
+              <a:t>rotação</a:t>
+            </a:r>
+            <a:r>
+              <a:rPr lang="en-US" dirty="0" smtClean="0"/>
+              <a:t> do </a:t>
+            </a:r>
+            <a:r>
+              <a:rPr lang="en-US" dirty="0" err="1" smtClean="0"/>
+              <a:t>seu</a:t>
+            </a:r>
+            <a:r>
+              <a:rPr lang="en-US" dirty="0" smtClean="0"/>
+              <a:t> sensor.</a:t>
+            </a:r>
+          </a:p>
+          <a:p>
+            <a:pPr lvl="1"/>
+            <a:r>
+              <a:rPr lang="en-US" dirty="0" err="1" smtClean="0"/>
+              <a:t>Segure</a:t>
+            </a:r>
+            <a:r>
+              <a:rPr lang="en-US" dirty="0" smtClean="0"/>
+              <a:t> </a:t>
+            </a:r>
+            <a:r>
+              <a:rPr lang="en-US" dirty="0" err="1" smtClean="0"/>
+              <a:t>uma</a:t>
+            </a:r>
+            <a:r>
+              <a:rPr lang="en-US" dirty="0" smtClean="0"/>
+              <a:t> </a:t>
+            </a:r>
+            <a:r>
+              <a:rPr lang="en-US" dirty="0" err="1" smtClean="0"/>
+              <a:t>roda</a:t>
+            </a:r>
+            <a:r>
+              <a:rPr lang="en-US" dirty="0" smtClean="0"/>
+              <a:t> no </a:t>
+            </a:r>
+            <a:r>
+              <a:rPr lang="en-US" dirty="0" err="1" smtClean="0"/>
+              <a:t>lugar</a:t>
+            </a:r>
+            <a:r>
+              <a:rPr lang="en-US" dirty="0" smtClean="0"/>
+              <a:t> e </a:t>
+            </a:r>
+            <a:r>
+              <a:rPr lang="en-US" dirty="0" err="1" smtClean="0"/>
+              <a:t>gire</a:t>
+            </a:r>
+            <a:r>
+              <a:rPr lang="en-US" dirty="0" smtClean="0"/>
+              <a:t> </a:t>
+            </a:r>
+            <a:r>
+              <a:rPr lang="en-US" dirty="0" err="1" smtClean="0"/>
+              <a:t>só</a:t>
+            </a:r>
+            <a:r>
+              <a:rPr lang="en-US" dirty="0" smtClean="0"/>
+              <a:t> a </a:t>
+            </a:r>
+            <a:r>
+              <a:rPr lang="en-US" dirty="0" err="1" smtClean="0"/>
+              <a:t>outra</a:t>
+            </a:r>
+            <a:r>
+              <a:rPr lang="en-US" dirty="0" smtClean="0"/>
+              <a:t> </a:t>
+            </a:r>
+            <a:r>
+              <a:rPr lang="en-US" dirty="0" err="1" smtClean="0"/>
+              <a:t>roda</a:t>
+            </a:r>
+            <a:r>
+              <a:rPr lang="en-US" dirty="0"/>
+              <a:t> </a:t>
+            </a:r>
+            <a:r>
+              <a:rPr lang="en-US" dirty="0" smtClean="0"/>
+              <a:t>(</a:t>
+            </a:r>
+            <a:r>
+              <a:rPr lang="en-US" dirty="0" err="1" smtClean="0"/>
+              <a:t>Curva</a:t>
+            </a:r>
+            <a:r>
+              <a:rPr lang="en-US" dirty="0" smtClean="0"/>
+              <a:t> </a:t>
+            </a:r>
+            <a:r>
+              <a:rPr lang="en-US" dirty="0" err="1" smtClean="0"/>
+              <a:t>Pivô</a:t>
+            </a:r>
+            <a:r>
+              <a:rPr lang="en-US" dirty="0" smtClean="0"/>
+              <a:t>). </a:t>
+            </a:r>
+            <a:r>
+              <a:rPr lang="en-US" dirty="0" err="1" smtClean="0"/>
+              <a:t>Gire</a:t>
+            </a:r>
+            <a:r>
+              <a:rPr lang="en-US" dirty="0" smtClean="0"/>
+              <a:t> o </a:t>
+            </a:r>
+            <a:r>
+              <a:rPr lang="en-US" dirty="0" err="1" smtClean="0"/>
+              <a:t>robô</a:t>
+            </a:r>
+            <a:r>
+              <a:rPr lang="en-US" dirty="0" smtClean="0"/>
+              <a:t> </a:t>
+            </a:r>
+            <a:r>
+              <a:rPr lang="en-US" dirty="0" err="1" smtClean="0"/>
+              <a:t>qualquer</a:t>
+            </a:r>
+            <a:r>
+              <a:rPr lang="en-US" dirty="0" smtClean="0"/>
+              <a:t> </a:t>
+            </a:r>
+            <a:r>
+              <a:rPr lang="en-US" dirty="0" err="1" smtClean="0"/>
+              <a:t>quantidade</a:t>
+            </a:r>
+            <a:r>
+              <a:rPr lang="en-US" dirty="0" smtClean="0"/>
+              <a:t> de </a:t>
+            </a:r>
+            <a:r>
+              <a:rPr lang="en-US" dirty="0" err="1" smtClean="0"/>
+              <a:t>graus</a:t>
+            </a:r>
+            <a:r>
+              <a:rPr lang="en-US" dirty="0" smtClean="0"/>
+              <a:t> </a:t>
+            </a:r>
+            <a:r>
+              <a:rPr lang="en-US" dirty="0" err="1" smtClean="0"/>
+              <a:t>que</a:t>
+            </a:r>
+            <a:r>
+              <a:rPr lang="en-US" dirty="0" smtClean="0"/>
+              <a:t> </a:t>
+            </a:r>
+            <a:r>
+              <a:rPr lang="en-US" dirty="0" err="1" smtClean="0"/>
+              <a:t>você</a:t>
+            </a:r>
+            <a:r>
+              <a:rPr lang="en-US" dirty="0" smtClean="0"/>
+              <a:t> </a:t>
+            </a:r>
+            <a:r>
+              <a:rPr lang="en-US" dirty="0" err="1" smtClean="0"/>
+              <a:t>escolher</a:t>
+            </a:r>
+            <a:r>
+              <a:rPr lang="en-US" dirty="0" smtClean="0"/>
+              <a:t>. </a:t>
+            </a:r>
+            <a:r>
+              <a:rPr lang="en-US" dirty="0" err="1" smtClean="0"/>
+              <a:t>Tenha</a:t>
+            </a:r>
+            <a:r>
+              <a:rPr lang="en-US" dirty="0" smtClean="0"/>
+              <a:t> </a:t>
+            </a:r>
+            <a:r>
+              <a:rPr lang="en-US" dirty="0" err="1" smtClean="0"/>
+              <a:t>certeza</a:t>
+            </a:r>
+            <a:r>
+              <a:rPr lang="en-US" dirty="0" smtClean="0"/>
+              <a:t> de </a:t>
+            </a:r>
+            <a:r>
+              <a:rPr lang="en-US" dirty="0" err="1" smtClean="0"/>
+              <a:t>que</a:t>
+            </a:r>
+            <a:r>
+              <a:rPr lang="en-US" dirty="0" smtClean="0"/>
+              <a:t> </a:t>
+            </a:r>
+            <a:r>
+              <a:rPr lang="en-US" dirty="0" err="1" smtClean="0"/>
+              <a:t>suas</a:t>
+            </a:r>
+            <a:r>
+              <a:rPr lang="en-US" dirty="0" smtClean="0"/>
+              <a:t> </a:t>
+            </a:r>
+            <a:r>
+              <a:rPr lang="en-US" dirty="0" err="1" smtClean="0"/>
+              <a:t>rodas</a:t>
+            </a:r>
+            <a:r>
+              <a:rPr lang="en-US" dirty="0" smtClean="0"/>
+              <a:t> </a:t>
+            </a:r>
+            <a:r>
+              <a:rPr lang="en-US" dirty="0" err="1" smtClean="0"/>
+              <a:t>não</a:t>
+            </a:r>
+            <a:r>
+              <a:rPr lang="en-US" dirty="0" smtClean="0"/>
+              <a:t> </a:t>
+            </a:r>
+            <a:r>
+              <a:rPr lang="en-US" dirty="0" err="1" smtClean="0"/>
+              <a:t>escorreguem</a:t>
+            </a:r>
+            <a:r>
+              <a:rPr lang="en-US" dirty="0" smtClean="0"/>
+              <a:t> </a:t>
+            </a:r>
+            <a:r>
+              <a:rPr lang="en-US" dirty="0" err="1" smtClean="0"/>
+              <a:t>quando</a:t>
+            </a:r>
+            <a:r>
+              <a:rPr lang="en-US" dirty="0" smtClean="0"/>
+              <a:t> </a:t>
+            </a:r>
+            <a:r>
+              <a:rPr lang="en-US" dirty="0" err="1" smtClean="0"/>
+              <a:t>você</a:t>
+            </a:r>
+            <a:r>
+              <a:rPr lang="en-US" dirty="0" smtClean="0"/>
+              <a:t> for </a:t>
+            </a:r>
+            <a:r>
+              <a:rPr lang="en-US" dirty="0" err="1" smtClean="0"/>
+              <a:t>fazer</a:t>
+            </a:r>
+            <a:r>
+              <a:rPr lang="en-US" dirty="0" smtClean="0"/>
+              <a:t> </a:t>
+            </a:r>
+            <a:r>
+              <a:rPr lang="en-US" dirty="0" err="1" smtClean="0"/>
+              <a:t>isso</a:t>
+            </a:r>
+            <a:r>
+              <a:rPr lang="en-US" dirty="0" smtClean="0"/>
+              <a:t>.</a:t>
+            </a:r>
+          </a:p>
+          <a:p>
+            <a:pPr lvl="1"/>
+            <a:r>
+              <a:rPr lang="en-US" dirty="0" err="1" smtClean="0"/>
+              <a:t>Veja</a:t>
+            </a:r>
+            <a:r>
+              <a:rPr lang="en-US" dirty="0" smtClean="0"/>
+              <a:t> a </a:t>
+            </a:r>
+            <a:r>
+              <a:rPr lang="en-US" dirty="0" err="1" smtClean="0"/>
+              <a:t>quantidade</a:t>
+            </a:r>
+            <a:r>
+              <a:rPr lang="en-US" dirty="0" smtClean="0"/>
+              <a:t> de </a:t>
+            </a:r>
+            <a:r>
+              <a:rPr lang="en-US" dirty="0" err="1" smtClean="0"/>
+              <a:t>graus</a:t>
+            </a:r>
+            <a:r>
+              <a:rPr lang="en-US" dirty="0" smtClean="0"/>
+              <a:t> do motor e </a:t>
+            </a:r>
+            <a:r>
+              <a:rPr lang="en-US" dirty="0" err="1" smtClean="0"/>
+              <a:t>divida</a:t>
+            </a:r>
+            <a:r>
+              <a:rPr lang="en-US" dirty="0" smtClean="0"/>
+              <a:t> </a:t>
+            </a:r>
+            <a:r>
+              <a:rPr lang="en-US" dirty="0" err="1" smtClean="0"/>
+              <a:t>pelo</a:t>
+            </a:r>
+            <a:r>
+              <a:rPr lang="en-US" dirty="0" smtClean="0"/>
+              <a:t> </a:t>
+            </a:r>
+            <a:r>
+              <a:rPr lang="en-US" dirty="0" err="1" smtClean="0"/>
+              <a:t>número</a:t>
+            </a:r>
+            <a:r>
+              <a:rPr lang="en-US" dirty="0" smtClean="0"/>
+              <a:t> de </a:t>
+            </a:r>
+            <a:r>
+              <a:rPr lang="en-US" dirty="0" err="1" smtClean="0"/>
+              <a:t>graus</a:t>
+            </a:r>
+            <a:r>
+              <a:rPr lang="en-US" dirty="0" smtClean="0"/>
+              <a:t> da </a:t>
+            </a:r>
+            <a:r>
+              <a:rPr lang="en-US" dirty="0" err="1" smtClean="0"/>
+              <a:t>curva</a:t>
+            </a:r>
+            <a:r>
+              <a:rPr lang="en-US" dirty="0" smtClean="0"/>
+              <a:t> do </a:t>
+            </a:r>
+            <a:r>
+              <a:rPr lang="en-US" dirty="0" err="1" smtClean="0"/>
+              <a:t>transferidor</a:t>
+            </a:r>
+            <a:r>
+              <a:rPr lang="en-US" dirty="0" smtClean="0"/>
+              <a:t>.</a:t>
+            </a:r>
+          </a:p>
+          <a:p>
+            <a:pPr lvl="1"/>
+            <a:r>
+              <a:rPr lang="en-US" dirty="0" err="1" smtClean="0"/>
+              <a:t>Esse</a:t>
+            </a:r>
+            <a:r>
+              <a:rPr lang="en-US" dirty="0" smtClean="0"/>
+              <a:t> é o </a:t>
+            </a:r>
+            <a:r>
+              <a:rPr lang="en-US" dirty="0" err="1" smtClean="0"/>
+              <a:t>número</a:t>
+            </a:r>
+            <a:r>
+              <a:rPr lang="en-US" dirty="0" smtClean="0"/>
+              <a:t> de </a:t>
+            </a:r>
+            <a:r>
+              <a:rPr lang="en-US" dirty="0" err="1" smtClean="0"/>
+              <a:t>graus</a:t>
+            </a:r>
+            <a:r>
+              <a:rPr lang="en-US" dirty="0" smtClean="0"/>
+              <a:t> </a:t>
+            </a:r>
+            <a:r>
+              <a:rPr lang="en-US" dirty="0" err="1" smtClean="0"/>
+              <a:t>em</a:t>
+            </a:r>
+            <a:r>
+              <a:rPr lang="en-US" dirty="0" smtClean="0"/>
+              <a:t> 1 </a:t>
+            </a:r>
+            <a:r>
+              <a:rPr lang="en-US" dirty="0" err="1" smtClean="0"/>
+              <a:t>grau</a:t>
+            </a:r>
+            <a:r>
+              <a:rPr lang="en-US" dirty="0" smtClean="0"/>
+              <a:t> do </a:t>
+            </a:r>
+            <a:r>
+              <a:rPr lang="en-US" dirty="0" err="1" smtClean="0"/>
+              <a:t>transferidor</a:t>
+            </a:r>
+            <a:r>
+              <a:rPr lang="en-US" dirty="0" smtClean="0"/>
+              <a:t>.</a:t>
+            </a:r>
+          </a:p>
+          <a:p>
+            <a:endParaRPr lang="en-US" dirty="0" smtClean="0"/>
+          </a:p>
+          <a:p>
+            <a:r>
+              <a:rPr lang="en-US" dirty="0" smtClean="0"/>
+              <a:t>Um </a:t>
+            </a:r>
+            <a:r>
+              <a:rPr lang="en-US" dirty="0" err="1" smtClean="0"/>
+              <a:t>exemplo</a:t>
+            </a:r>
+            <a:r>
+              <a:rPr lang="en-US" dirty="0" smtClean="0"/>
+              <a:t> </a:t>
+            </a:r>
+            <a:r>
+              <a:rPr lang="en-US" dirty="0" err="1" smtClean="0"/>
+              <a:t>usado</a:t>
+            </a:r>
+            <a:r>
+              <a:rPr lang="en-US" dirty="0" smtClean="0"/>
+              <a:t> </a:t>
+            </a:r>
+            <a:r>
+              <a:rPr lang="en-US" dirty="0" err="1" smtClean="0"/>
+              <a:t>por</a:t>
+            </a:r>
+            <a:r>
+              <a:rPr lang="en-US" dirty="0" smtClean="0"/>
+              <a:t> Droid Bot.</a:t>
+            </a:r>
+          </a:p>
+          <a:p>
+            <a:pPr lvl="1"/>
+            <a:r>
+              <a:rPr lang="en-US" dirty="0" err="1" smtClean="0"/>
+              <a:t>Robô</a:t>
+            </a:r>
+            <a:r>
+              <a:rPr lang="en-US" dirty="0" smtClean="0"/>
+              <a:t> </a:t>
+            </a:r>
+            <a:r>
+              <a:rPr lang="en-US" dirty="0" err="1" smtClean="0"/>
+              <a:t>girou</a:t>
+            </a:r>
+            <a:r>
+              <a:rPr lang="en-US" dirty="0" smtClean="0"/>
+              <a:t> 90 </a:t>
+            </a:r>
+            <a:r>
+              <a:rPr lang="en-US" dirty="0" err="1" smtClean="0"/>
+              <a:t>graus</a:t>
+            </a:r>
+            <a:r>
+              <a:rPr lang="en-US" dirty="0" smtClean="0"/>
+              <a:t> do </a:t>
+            </a:r>
+            <a:r>
+              <a:rPr lang="en-US" dirty="0" err="1" smtClean="0"/>
+              <a:t>transferidor</a:t>
+            </a:r>
+            <a:r>
+              <a:rPr lang="en-US" dirty="0" smtClean="0"/>
+              <a:t>.</a:t>
+            </a:r>
+          </a:p>
+          <a:p>
+            <a:pPr lvl="1"/>
+            <a:r>
+              <a:rPr lang="en-US" dirty="0" err="1" smtClean="0"/>
+              <a:t>Usando</a:t>
+            </a:r>
+            <a:r>
+              <a:rPr lang="en-US" dirty="0" smtClean="0"/>
+              <a:t> Port View, o motor </a:t>
+            </a:r>
+            <a:r>
+              <a:rPr lang="en-US" dirty="0" err="1" smtClean="0"/>
+              <a:t>moveu</a:t>
+            </a:r>
+            <a:r>
+              <a:rPr lang="en-US" dirty="0" smtClean="0"/>
+              <a:t> 330 </a:t>
+            </a:r>
+            <a:r>
+              <a:rPr lang="en-US" dirty="0" err="1" smtClean="0"/>
+              <a:t>graus</a:t>
+            </a:r>
+            <a:r>
+              <a:rPr lang="en-US" dirty="0" smtClean="0"/>
+              <a:t>.</a:t>
+            </a:r>
+          </a:p>
+          <a:p>
+            <a:pPr lvl="1"/>
+            <a:r>
+              <a:rPr lang="en-US" dirty="0" smtClean="0"/>
+              <a:t>330 </a:t>
+            </a:r>
+            <a:r>
+              <a:rPr lang="en-US" dirty="0" err="1" smtClean="0"/>
+              <a:t>graus</a:t>
+            </a:r>
+            <a:r>
+              <a:rPr lang="en-US" dirty="0" smtClean="0"/>
+              <a:t> do motor/90 </a:t>
+            </a:r>
+            <a:r>
+              <a:rPr lang="en-US" dirty="0" err="1" smtClean="0"/>
+              <a:t>graus</a:t>
+            </a:r>
+            <a:r>
+              <a:rPr lang="en-US" dirty="0" smtClean="0"/>
+              <a:t> protractor = 3.7.</a:t>
+            </a:r>
           </a:p>
         </p:txBody>
       </p:sp>
@@ -6987,9 +9271,10 @@
           <a:lstStyle/>
           <a:p>
             <a:r>
-              <a:rPr lang="en-US"/>
-              <a:t>© 2015, EV3Lessons.com (última edição 28/2/15)</a:t>
-            </a:r>
+              <a:rPr lang="en-US" smtClean="0"/>
+              <a:t>© 2015, EV3Lessons.com (last edit 11/02/15)</a:t>
+            </a:r>
+            <a:endParaRPr lang="en-US"/>
           </a:p>
         </p:txBody>
       </p:sp>
@@ -7010,12 +9295,37 @@
           <a:p>
             <a:fld id="{4DBC7FC8-25FB-FC45-8177-2B991DA6778C}" type="slidenum">
               <a:rPr lang="en-US" smtClean="0"/>
+              <a:pPr/>
               <a:t>5</a:t>
             </a:fld>
             <a:endParaRPr lang="en-US"/>
           </a:p>
         </p:txBody>
       </p:sp>
+      <p:pic>
+        <p:nvPicPr>
+          <p:cNvPr id="10" name="Picture 9"/>
+          <p:cNvPicPr>
+            <a:picLocks noChangeAspect="1"/>
+          </p:cNvPicPr>
+          <p:nvPr/>
+        </p:nvPicPr>
+        <p:blipFill>
+          <a:blip r:embed="rId2"/>
+          <a:stretch>
+            <a:fillRect/>
+          </a:stretch>
+        </p:blipFill>
+        <p:spPr>
+          <a:xfrm>
+            <a:off x="6411066" y="4560926"/>
+            <a:ext cx="2085975" cy="1362075"/>
+          </a:xfrm>
+          <a:prstGeom prst="rect">
+            <a:avLst/>
+          </a:prstGeom>
+        </p:spPr>
+      </p:pic>
     </p:spTree>
     <p:extLst>
       <p:ext uri="{BB962C8B-B14F-4D97-AF65-F5344CB8AC3E}">
@@ -7073,60 +9383,67 @@
         </p:nvSpPr>
         <p:spPr/>
         <p:txBody>
+          <a:bodyPr>
+            <a:normAutofit/>
+          </a:bodyPr>
+          <a:lstStyle/>
+          <a:p>
+            <a:r>
+              <a:rPr lang="en-US" dirty="0" err="1" smtClean="0"/>
+              <a:t>passo</a:t>
+            </a:r>
+            <a:r>
+              <a:rPr lang="en-US" dirty="0" smtClean="0"/>
+              <a:t> 1B: </a:t>
+            </a:r>
+            <a:r>
+              <a:rPr lang="en-US" dirty="0" err="1" smtClean="0"/>
+              <a:t>Vire</a:t>
+            </a:r>
+            <a:r>
+              <a:rPr lang="en-US" dirty="0" smtClean="0"/>
+              <a:t> o </a:t>
+            </a:r>
+            <a:r>
+              <a:rPr lang="en-US" dirty="0" err="1" smtClean="0"/>
+              <a:t>robô</a:t>
+            </a:r>
+            <a:r>
+              <a:rPr lang="en-US" dirty="0" smtClean="0"/>
+              <a:t> 1 </a:t>
+            </a:r>
+            <a:r>
+              <a:rPr lang="en-US" dirty="0" err="1" smtClean="0"/>
+              <a:t>grau</a:t>
+            </a:r>
+            <a:r>
+              <a:rPr lang="en-US" dirty="0" smtClean="0"/>
+              <a:t>.</a:t>
+            </a:r>
+            <a:endParaRPr lang="en-US" dirty="0"/>
+          </a:p>
+        </p:txBody>
+      </p:sp>
+      <p:sp>
+        <p:nvSpPr>
+          <p:cNvPr id="4" name="Footer Placeholder 3"/>
+          <p:cNvSpPr>
+            <a:spLocks noGrp="1"/>
+          </p:cNvSpPr>
+          <p:nvPr>
+            <p:ph type="ftr" sz="quarter" idx="11"/>
+          </p:nvPr>
+        </p:nvSpPr>
+        <p:spPr/>
+        <p:txBody>
           <a:bodyPr/>
           <a:lstStyle/>
           <a:p>
             <a:r>
-              <a:rPr lang="en-US" dirty="0" err="1" smtClean="0"/>
-              <a:t>Estágio</a:t>
-            </a:r>
-            <a:r>
-              <a:rPr lang="en-US" dirty="0" smtClean="0"/>
-              <a:t> 1: </a:t>
-            </a:r>
-            <a:r>
-              <a:rPr lang="en-US" dirty="0" err="1" smtClean="0"/>
-              <a:t>Medir</a:t>
-            </a:r>
-            <a:r>
-              <a:rPr lang="en-US" dirty="0" smtClean="0"/>
-              <a:t> </a:t>
-            </a:r>
-            <a:r>
-              <a:rPr lang="en-US" dirty="0" err="1" smtClean="0"/>
-              <a:t>os</a:t>
-            </a:r>
-            <a:r>
-              <a:rPr lang="en-US" dirty="0" smtClean="0"/>
-              <a:t> </a:t>
-            </a:r>
-            <a:r>
-              <a:rPr lang="en-US" dirty="0" err="1" smtClean="0"/>
-              <a:t>giros</a:t>
-            </a:r>
-            <a:endParaRPr lang="en-US" dirty="0"/>
-          </a:p>
-        </p:txBody>
-      </p:sp>
-      <p:sp>
-        <p:nvSpPr>
-          <p:cNvPr id="4" name="Footer Placeholder 3"/>
-          <p:cNvSpPr>
-            <a:spLocks noGrp="1"/>
-          </p:cNvSpPr>
-          <p:nvPr>
-            <p:ph type="ftr" sz="quarter" idx="11"/>
-          </p:nvPr>
-        </p:nvSpPr>
-        <p:spPr/>
-        <p:txBody>
-          <a:bodyPr/>
-          <a:lstStyle/>
-          <a:p>
-            <a:r>
-              <a:rPr lang="en-US"/>
-              <a:t>© 2015, EV3Lessons.com (última edição 28/2/15)</a:t>
-            </a:r>
+              <a:rPr lang="en-US" smtClean="0"/>
+              <a:t>© 2015, EV3Lessons.com (last edit 11/02/15)</a:t>
+            </a:r>
+            <a:endParaRPr lang="en-US"/>
           </a:p>
         </p:txBody>
       </p:sp>
@@ -7155,22 +9472,28 @@
       </p:sp>
       <p:pic>
         <p:nvPicPr>
-          <p:cNvPr id="6" name="Picture 5"/>
+          <p:cNvPr id="5" name="Imagem 4"/>
           <p:cNvPicPr>
             <a:picLocks noChangeAspect="1"/>
           </p:cNvPicPr>
           <p:nvPr/>
         </p:nvPicPr>
         <p:blipFill>
-          <a:blip r:embed="rId2"/>
+          <a:blip r:embed="rId2">
+            <a:extLst>
+              <a:ext uri="{28A0092B-C50C-407E-A947-70E740481C1C}">
+                <a14:useLocalDpi xmlns:a14="http://schemas.microsoft.com/office/drawing/2010/main" val="0"/>
+              </a:ext>
+            </a:extLst>
+          </a:blip>
           <a:stretch>
             <a:fillRect/>
           </a:stretch>
         </p:blipFill>
         <p:spPr>
           <a:xfrm>
-            <a:off x="650781" y="1401015"/>
-            <a:ext cx="6628560" cy="4338063"/>
+            <a:off x="1777581" y="1475874"/>
+            <a:ext cx="5604709" cy="4941786"/>
           </a:xfrm>
           <a:prstGeom prst="rect">
             <a:avLst/>
@@ -7227,35 +9550,75 @@
         <p:spPr/>
         <p:txBody>
           <a:bodyPr>
-            <a:normAutofit/>
+            <a:normAutofit fontScale="90000"/>
           </a:bodyPr>
           <a:lstStyle/>
           <a:p>
             <a:r>
-              <a:rPr lang="en-US" sz="2800" dirty="0" err="1" smtClean="0"/>
-              <a:t>Estágio</a:t>
-            </a:r>
-            <a:r>
-              <a:rPr lang="en-US" sz="2800" dirty="0" smtClean="0"/>
+              <a:rPr lang="en-US" dirty="0" err="1" smtClean="0"/>
+              <a:t>passo</a:t>
+            </a:r>
+            <a:r>
+              <a:rPr lang="en-US" dirty="0" smtClean="0"/>
               <a:t> 2: </a:t>
             </a:r>
             <a:r>
-              <a:rPr lang="en-US" sz="2800" dirty="0" err="1"/>
-              <a:t>a</a:t>
-            </a:r>
-            <a:r>
-              <a:rPr lang="en-US" sz="2800" dirty="0" err="1" smtClean="0"/>
-              <a:t>dicionar</a:t>
-            </a:r>
-            <a:r>
-              <a:rPr lang="en-US" sz="2800" dirty="0" smtClean="0"/>
-              <a:t> </a:t>
-            </a:r>
-            <a:r>
-              <a:rPr lang="en-US" sz="2800" dirty="0" err="1" smtClean="0"/>
-              <a:t>constantes</a:t>
-            </a:r>
-            <a:endParaRPr lang="en-US" sz="2800" dirty="0"/>
+              <a:rPr lang="en-US" dirty="0" err="1" smtClean="0"/>
+              <a:t>Crie</a:t>
+            </a:r>
+            <a:r>
+              <a:rPr lang="en-US" dirty="0" smtClean="0"/>
+              <a:t> um </a:t>
+            </a:r>
+            <a:r>
+              <a:rPr lang="en-US" dirty="0" err="1" smtClean="0"/>
+              <a:t>grau</a:t>
+            </a:r>
+            <a:r>
+              <a:rPr lang="en-US" dirty="0" smtClean="0"/>
+              <a:t> do </a:t>
+            </a:r>
+            <a:r>
+              <a:rPr lang="en-US" dirty="0" err="1" smtClean="0"/>
+              <a:t>transferidor</a:t>
+            </a:r>
+            <a:r>
+              <a:rPr lang="en-US" dirty="0" smtClean="0"/>
+              <a:t> para o </a:t>
+            </a:r>
+            <a:r>
+              <a:rPr lang="en-US" dirty="0" err="1" smtClean="0"/>
+              <a:t>bloco</a:t>
+            </a:r>
+            <a:r>
+              <a:rPr lang="en-US" dirty="0" smtClean="0"/>
+              <a:t> </a:t>
+            </a:r>
+            <a:r>
+              <a:rPr lang="en-US" dirty="0" err="1" smtClean="0"/>
+              <a:t>matemático</a:t>
+            </a:r>
+            <a:r>
+              <a:rPr lang="en-US" dirty="0" smtClean="0"/>
+              <a:t> </a:t>
+            </a:r>
+            <a:r>
+              <a:rPr lang="en-US" dirty="0" err="1" smtClean="0"/>
+              <a:t>que</a:t>
+            </a:r>
+            <a:r>
+              <a:rPr lang="en-US" dirty="0" smtClean="0"/>
+              <a:t> </a:t>
+            </a:r>
+            <a:r>
+              <a:rPr lang="en-US" dirty="0" err="1" smtClean="0"/>
+              <a:t>vai</a:t>
+            </a:r>
+            <a:r>
+              <a:rPr lang="en-US" dirty="0" smtClean="0"/>
+              <a:t> pro motor.</a:t>
+            </a:r>
+            <a:endParaRPr lang="en-US" dirty="0"/>
           </a:p>
         </p:txBody>
       </p:sp>
@@ -7275,9 +9638,10 @@
           <a:lstStyle/>
           <a:p>
             <a:r>
-              <a:rPr lang="en-US"/>
-              <a:t>© 2015, EV3Lessons.com (última edição 28/2/15)</a:t>
-            </a:r>
+              <a:rPr lang="en-US" smtClean="0"/>
+              <a:t>© 2015, EV3Lessons.com (last edit 11/02/15)</a:t>
+            </a:r>
+            <a:endParaRPr lang="en-US"/>
           </a:p>
         </p:txBody>
       </p:sp>
@@ -7306,22 +9670,28 @@
       </p:sp>
       <p:pic>
         <p:nvPicPr>
-          <p:cNvPr id="6" name="Picture 5"/>
+          <p:cNvPr id="5" name="Imagem 4"/>
           <p:cNvPicPr>
             <a:picLocks noChangeAspect="1"/>
           </p:cNvPicPr>
           <p:nvPr/>
         </p:nvPicPr>
         <p:blipFill>
-          <a:blip r:embed="rId2"/>
+          <a:blip r:embed="rId2">
+            <a:extLst>
+              <a:ext uri="{28A0092B-C50C-407E-A947-70E740481C1C}">
+                <a14:useLocalDpi xmlns:a14="http://schemas.microsoft.com/office/drawing/2010/main" val="0"/>
+              </a:ext>
+            </a:extLst>
+          </a:blip>
           <a:stretch>
             <a:fillRect/>
           </a:stretch>
         </p:blipFill>
         <p:spPr>
           <a:xfrm>
-            <a:off x="200589" y="1524318"/>
-            <a:ext cx="8261771" cy="3589652"/>
+            <a:off x="1297216" y="1767715"/>
+            <a:ext cx="6565439" cy="4375507"/>
           </a:xfrm>
           <a:prstGeom prst="rect">
             <a:avLst/>
@@ -7375,120 +9745,746 @@
             <p:ph type="title"/>
           </p:nvPr>
         </p:nvSpPr>
-        <p:spPr/>
-        <p:txBody>
-          <a:bodyPr>
-            <a:normAutofit/>
-          </a:bodyPr>
-          <a:lstStyle/>
-          <a:p>
-            <a:r>
-              <a:rPr lang="en-US" sz="3200" dirty="0" err="1" smtClean="0"/>
-              <a:t>Estágio</a:t>
-            </a:r>
-            <a:r>
-              <a:rPr lang="en-US" sz="3200" dirty="0" smtClean="0"/>
-              <a:t> 3: </a:t>
-            </a:r>
-            <a:r>
-              <a:rPr lang="en-US" sz="3200" dirty="0" err="1" smtClean="0"/>
-              <a:t>construir</a:t>
-            </a:r>
-            <a:r>
-              <a:rPr lang="en-US" sz="3200" dirty="0" smtClean="0"/>
-              <a:t> My BLOCK</a:t>
-            </a:r>
-            <a:endParaRPr lang="en-US" sz="3200" dirty="0"/>
-          </a:p>
-        </p:txBody>
-      </p:sp>
-      <p:sp>
-        <p:nvSpPr>
-          <p:cNvPr id="4" name="Footer Placeholder 3"/>
-          <p:cNvSpPr>
-            <a:spLocks noGrp="1"/>
-          </p:cNvSpPr>
-          <p:nvPr>
-            <p:ph type="ftr" sz="quarter" idx="11"/>
-          </p:nvPr>
-        </p:nvSpPr>
-        <p:spPr/>
+        <p:spPr>
+          <a:xfrm>
+            <a:off x="457199" y="0"/>
+            <a:ext cx="8402321" cy="1371600"/>
+          </a:xfrm>
+        </p:spPr>
         <p:txBody>
           <a:bodyPr/>
           <a:lstStyle/>
           <a:p>
             <a:r>
-              <a:rPr lang="en-US"/>
-              <a:t>© 2015, EV3Lessons.com (última edição 28/2/15)</a:t>
-            </a:r>
-            <a:endParaRPr lang="en-US"/>
-          </a:p>
-        </p:txBody>
-      </p:sp>
-      <p:sp>
-        <p:nvSpPr>
-          <p:cNvPr id="3" name="Slide Number Placeholder 2"/>
-          <p:cNvSpPr>
-            <a:spLocks noGrp="1"/>
-          </p:cNvSpPr>
-          <p:nvPr>
-            <p:ph type="sldNum" sz="quarter" idx="12"/>
-          </p:nvPr>
-        </p:nvSpPr>
-        <p:spPr/>
-        <p:txBody>
-          <a:bodyPr/>
-          <a:lstStyle/>
-          <a:p>
-            <a:fld id="{4DBC7FC8-25FB-FC45-8177-2B991DA6778C}" type="slidenum">
-              <a:rPr lang="en-US" smtClean="0"/>
-              <a:t>8</a:t>
-            </a:fld>
-            <a:endParaRPr lang="en-US"/>
+              <a:rPr lang="en-US" dirty="0" err="1" smtClean="0"/>
+              <a:t>Passo</a:t>
+            </a:r>
+            <a:r>
+              <a:rPr lang="en-US" dirty="0" smtClean="0"/>
+              <a:t> 3a: Configure o MY BLOCK.</a:t>
+            </a:r>
+            <a:endParaRPr lang="en-US" dirty="0"/>
           </a:p>
         </p:txBody>
       </p:sp>
       <p:pic>
         <p:nvPicPr>
-          <p:cNvPr id="6" name="Picture 5"/>
+          <p:cNvPr id="6" name="Content Placeholder 5" descr="Screen Clipping"/>
           <p:cNvPicPr>
-            <a:picLocks noChangeAspect="1"/>
+            <a:picLocks noGrp="1" noChangeAspect="1"/>
           </p:cNvPicPr>
-          <p:nvPr/>
+          <p:nvPr>
+            <p:ph idx="1"/>
+          </p:nvPr>
         </p:nvPicPr>
         <p:blipFill>
-          <a:blip r:embed="rId2"/>
+          <a:blip r:embed="rId2">
+            <a:extLst>
+              <a:ext uri="{28A0092B-C50C-407E-A947-70E740481C1C}">
+                <a14:useLocalDpi xmlns:a14="http://schemas.microsoft.com/office/drawing/2010/main" val="0"/>
+              </a:ext>
+            </a:extLst>
+          </a:blip>
           <a:stretch>
             <a:fillRect/>
           </a:stretch>
         </p:blipFill>
         <p:spPr>
           <a:xfrm>
-            <a:off x="42863" y="1333500"/>
-            <a:ext cx="8724040" cy="4036359"/>
+            <a:off x="4721556" y="2912811"/>
+            <a:ext cx="3981118" cy="3504849"/>
+          </a:xfrm>
+        </p:spPr>
+      </p:pic>
+      <p:sp>
+        <p:nvSpPr>
+          <p:cNvPr id="4" name="Footer Placeholder 3"/>
+          <p:cNvSpPr>
+            <a:spLocks noGrp="1"/>
+          </p:cNvSpPr>
+          <p:nvPr>
+            <p:ph type="ftr" sz="quarter" idx="11"/>
+          </p:nvPr>
+        </p:nvSpPr>
+        <p:spPr/>
+        <p:txBody>
+          <a:bodyPr/>
+          <a:lstStyle/>
+          <a:p>
+            <a:r>
+              <a:rPr lang="en-US" smtClean="0"/>
+              <a:t>© 2015, EV3Lessons.com (last edit 11/02/15)</a:t>
+            </a:r>
+            <a:endParaRPr lang="en-US"/>
+          </a:p>
+        </p:txBody>
+      </p:sp>
+      <p:sp>
+        <p:nvSpPr>
+          <p:cNvPr id="5" name="Slide Number Placeholder 4"/>
+          <p:cNvSpPr>
+            <a:spLocks noGrp="1"/>
+          </p:cNvSpPr>
+          <p:nvPr>
+            <p:ph type="sldNum" sz="quarter" idx="12"/>
+          </p:nvPr>
+        </p:nvSpPr>
+        <p:spPr/>
+        <p:txBody>
+          <a:bodyPr/>
+          <a:lstStyle/>
+          <a:p>
+            <a:fld id="{4DBC7FC8-25FB-FC45-8177-2B991DA6778C}" type="slidenum">
+              <a:rPr lang="en-US" smtClean="0"/>
+              <a:t>8</a:t>
+            </a:fld>
+            <a:endParaRPr lang="en-US"/>
+          </a:p>
+        </p:txBody>
+      </p:sp>
+      <p:sp>
+        <p:nvSpPr>
+          <p:cNvPr id="7" name="TextBox 6"/>
+          <p:cNvSpPr txBox="1"/>
+          <p:nvPr/>
+        </p:nvSpPr>
+        <p:spPr>
+          <a:xfrm>
+            <a:off x="343948" y="1211236"/>
+            <a:ext cx="3298411" cy="5416868"/>
+          </a:xfrm>
+          <a:prstGeom prst="rect">
+            <a:avLst/>
+          </a:prstGeom>
+          <a:noFill/>
+        </p:spPr>
+        <p:txBody>
+          <a:bodyPr wrap="square" rtlCol="0">
+            <a:spAutoFit/>
+          </a:bodyPr>
+          <a:lstStyle/>
+          <a:p>
+            <a:pPr marL="285750" indent="-285750">
+              <a:buFont typeface="Arial" panose="020B0604020202020204" pitchFamily="34" charset="0"/>
+              <a:buChar char="•"/>
+            </a:pPr>
+            <a:r>
+              <a:rPr lang="en-US" dirty="0" smtClean="0">
+                <a:solidFill>
+                  <a:srgbClr val="0070C0"/>
+                </a:solidFill>
+              </a:rPr>
+              <a:t>A. </a:t>
+            </a:r>
+            <a:r>
+              <a:rPr lang="en-US" dirty="0" err="1" smtClean="0">
+                <a:solidFill>
+                  <a:srgbClr val="0070C0"/>
+                </a:solidFill>
+              </a:rPr>
+              <a:t>Selecione</a:t>
+            </a:r>
+            <a:r>
+              <a:rPr lang="en-US" dirty="0" smtClean="0">
+                <a:solidFill>
+                  <a:srgbClr val="0070C0"/>
+                </a:solidFill>
+              </a:rPr>
+              <a:t> </a:t>
+            </a:r>
+            <a:r>
+              <a:rPr lang="en-US" dirty="0" err="1" smtClean="0">
+                <a:solidFill>
+                  <a:srgbClr val="0070C0"/>
+                </a:solidFill>
+              </a:rPr>
+              <a:t>dois</a:t>
+            </a:r>
+            <a:r>
+              <a:rPr lang="en-US" dirty="0" smtClean="0">
+                <a:solidFill>
+                  <a:srgbClr val="0070C0"/>
+                </a:solidFill>
+              </a:rPr>
+              <a:t> </a:t>
+            </a:r>
+            <a:r>
+              <a:rPr lang="en-US" dirty="0" err="1" smtClean="0">
+                <a:solidFill>
+                  <a:srgbClr val="0070C0"/>
+                </a:solidFill>
+              </a:rPr>
+              <a:t>blocos</a:t>
+            </a:r>
+            <a:r>
+              <a:rPr lang="en-US" dirty="0" smtClean="0">
+                <a:solidFill>
+                  <a:srgbClr val="0070C0"/>
+                </a:solidFill>
+              </a:rPr>
+              <a:t> e </a:t>
+            </a:r>
+            <a:r>
+              <a:rPr lang="en-US" dirty="0" err="1" smtClean="0">
+                <a:solidFill>
+                  <a:srgbClr val="0070C0"/>
+                </a:solidFill>
+              </a:rPr>
+              <a:t>vá</a:t>
+            </a:r>
+            <a:r>
+              <a:rPr lang="en-US" dirty="0" smtClean="0">
+                <a:solidFill>
+                  <a:srgbClr val="0070C0"/>
+                </a:solidFill>
+              </a:rPr>
+              <a:t> para o “</a:t>
+            </a:r>
+            <a:r>
+              <a:rPr lang="en-US" dirty="0" err="1" smtClean="0">
+                <a:solidFill>
+                  <a:srgbClr val="0070C0"/>
+                </a:solidFill>
+              </a:rPr>
+              <a:t>Meu</a:t>
+            </a:r>
+            <a:r>
+              <a:rPr lang="en-US" dirty="0" smtClean="0">
+                <a:solidFill>
+                  <a:srgbClr val="0070C0"/>
+                </a:solidFill>
+              </a:rPr>
+              <a:t> constructor de </a:t>
+            </a:r>
+            <a:r>
+              <a:rPr lang="en-US" dirty="0" err="1" smtClean="0">
+                <a:solidFill>
+                  <a:srgbClr val="0070C0"/>
+                </a:solidFill>
+              </a:rPr>
+              <a:t>bloco</a:t>
+            </a:r>
+            <a:r>
+              <a:rPr lang="en-US" dirty="0" smtClean="0">
+                <a:solidFill>
+                  <a:srgbClr val="0070C0"/>
+                </a:solidFill>
+              </a:rPr>
+              <a:t>”.</a:t>
+            </a:r>
+          </a:p>
+          <a:p>
+            <a:pPr marL="285750" indent="-285750">
+              <a:buFont typeface="Arial" panose="020B0604020202020204" pitchFamily="34" charset="0"/>
+              <a:buChar char="•"/>
+            </a:pPr>
+            <a:endParaRPr lang="en-US" dirty="0">
+              <a:solidFill>
+                <a:srgbClr val="0070C0"/>
+              </a:solidFill>
+            </a:endParaRPr>
+          </a:p>
+          <a:p>
+            <a:endParaRPr lang="en-US" dirty="0"/>
+          </a:p>
+          <a:p>
+            <a:endParaRPr lang="en-US" dirty="0" smtClean="0"/>
+          </a:p>
+          <a:p>
+            <a:endParaRPr lang="en-US" dirty="0" smtClean="0"/>
+          </a:p>
+          <a:p>
+            <a:pPr marL="285750" indent="-285750">
+              <a:buFont typeface="Arial" panose="020B0604020202020204" pitchFamily="34" charset="0"/>
+              <a:buChar char="•"/>
+            </a:pPr>
+            <a:r>
+              <a:rPr lang="en-US" dirty="0">
+                <a:solidFill>
+                  <a:srgbClr val="00B050"/>
+                </a:solidFill>
+              </a:rPr>
+              <a:t>B</a:t>
+            </a:r>
+            <a:r>
+              <a:rPr lang="en-US" dirty="0" smtClean="0">
+                <a:solidFill>
+                  <a:srgbClr val="00B050"/>
+                </a:solidFill>
+              </a:rPr>
+              <a:t>. </a:t>
+            </a:r>
+            <a:r>
+              <a:rPr lang="en-US" dirty="0" err="1" smtClean="0">
+                <a:solidFill>
+                  <a:srgbClr val="00B050"/>
+                </a:solidFill>
+              </a:rPr>
+              <a:t>Crie</a:t>
+            </a:r>
+            <a:r>
+              <a:rPr lang="en-US" dirty="0">
+                <a:solidFill>
+                  <a:srgbClr val="00B050"/>
+                </a:solidFill>
+              </a:rPr>
+              <a:t> </a:t>
+            </a:r>
+            <a:r>
+              <a:rPr lang="en-US" dirty="0" err="1" smtClean="0">
+                <a:solidFill>
+                  <a:srgbClr val="00B050"/>
+                </a:solidFill>
+              </a:rPr>
+              <a:t>duas</a:t>
+            </a:r>
+            <a:r>
+              <a:rPr lang="en-US" dirty="0" smtClean="0">
+                <a:solidFill>
+                  <a:srgbClr val="00B050"/>
+                </a:solidFill>
+              </a:rPr>
+              <a:t> entradas: </a:t>
+            </a:r>
+            <a:r>
+              <a:rPr lang="en-US" dirty="0" err="1" smtClean="0">
+                <a:solidFill>
+                  <a:srgbClr val="00B050"/>
+                </a:solidFill>
+              </a:rPr>
+              <a:t>uma</a:t>
+            </a:r>
+            <a:r>
+              <a:rPr lang="en-US" dirty="0" smtClean="0">
+                <a:solidFill>
+                  <a:srgbClr val="00B050"/>
+                </a:solidFill>
+              </a:rPr>
+              <a:t> para </a:t>
+            </a:r>
+            <a:r>
+              <a:rPr lang="en-US" dirty="0" err="1" smtClean="0">
+                <a:solidFill>
+                  <a:srgbClr val="00B050"/>
+                </a:solidFill>
+              </a:rPr>
+              <a:t>graus</a:t>
+            </a:r>
+            <a:r>
+              <a:rPr lang="en-US" dirty="0" smtClean="0">
+                <a:solidFill>
+                  <a:srgbClr val="00B050"/>
+                </a:solidFill>
+              </a:rPr>
+              <a:t> e </a:t>
+            </a:r>
+            <a:r>
+              <a:rPr lang="en-US" dirty="0" err="1" smtClean="0">
+                <a:solidFill>
+                  <a:srgbClr val="00B050"/>
+                </a:solidFill>
+              </a:rPr>
+              <a:t>uma</a:t>
+            </a:r>
+            <a:r>
+              <a:rPr lang="en-US" dirty="0" smtClean="0">
+                <a:solidFill>
+                  <a:srgbClr val="00B050"/>
+                </a:solidFill>
+              </a:rPr>
+              <a:t> para </a:t>
+            </a:r>
+            <a:r>
+              <a:rPr lang="en-US" dirty="0" err="1" smtClean="0">
+                <a:solidFill>
+                  <a:srgbClr val="00B050"/>
+                </a:solidFill>
+              </a:rPr>
+              <a:t>força</a:t>
+            </a:r>
+            <a:r>
+              <a:rPr lang="en-US" dirty="0" smtClean="0">
+                <a:solidFill>
+                  <a:srgbClr val="00B050"/>
+                </a:solidFill>
+              </a:rPr>
+              <a:t>. </a:t>
+            </a:r>
+            <a:r>
+              <a:rPr lang="en-US" dirty="0" err="1" smtClean="0">
+                <a:solidFill>
+                  <a:srgbClr val="00B050"/>
+                </a:solidFill>
+              </a:rPr>
+              <a:t>Ambas</a:t>
+            </a:r>
+            <a:r>
+              <a:rPr lang="en-US" dirty="0" smtClean="0">
+                <a:solidFill>
+                  <a:srgbClr val="00B050"/>
+                </a:solidFill>
+              </a:rPr>
+              <a:t> as entradas </a:t>
+            </a:r>
+            <a:r>
+              <a:rPr lang="en-US" dirty="0" err="1" smtClean="0">
+                <a:solidFill>
+                  <a:srgbClr val="00B050"/>
+                </a:solidFill>
+              </a:rPr>
+              <a:t>devem</a:t>
+            </a:r>
+            <a:r>
+              <a:rPr lang="en-US" dirty="0" smtClean="0">
+                <a:solidFill>
+                  <a:srgbClr val="00B050"/>
+                </a:solidFill>
+              </a:rPr>
+              <a:t> </a:t>
+            </a:r>
+            <a:r>
+              <a:rPr lang="en-US" dirty="0" err="1" smtClean="0">
+                <a:solidFill>
+                  <a:srgbClr val="00B050"/>
+                </a:solidFill>
+              </a:rPr>
+              <a:t>ser</a:t>
+            </a:r>
+            <a:r>
+              <a:rPr lang="en-US" dirty="0" smtClean="0">
+                <a:solidFill>
+                  <a:srgbClr val="00B050"/>
+                </a:solidFill>
+              </a:rPr>
+              <a:t> </a:t>
+            </a:r>
+            <a:r>
+              <a:rPr lang="en-US" dirty="0" err="1" smtClean="0">
+                <a:solidFill>
+                  <a:srgbClr val="00B050"/>
+                </a:solidFill>
+              </a:rPr>
+              <a:t>configuradas</a:t>
+            </a:r>
+            <a:r>
+              <a:rPr lang="en-US" dirty="0" smtClean="0">
+                <a:solidFill>
+                  <a:srgbClr val="00B050"/>
+                </a:solidFill>
+              </a:rPr>
+              <a:t> </a:t>
+            </a:r>
+            <a:r>
+              <a:rPr lang="en-US" dirty="0" err="1" smtClean="0">
+                <a:solidFill>
+                  <a:srgbClr val="00B050"/>
+                </a:solidFill>
+              </a:rPr>
+              <a:t>como</a:t>
+            </a:r>
+            <a:r>
+              <a:rPr lang="en-US" dirty="0" smtClean="0">
+                <a:solidFill>
+                  <a:srgbClr val="00B050"/>
+                </a:solidFill>
+              </a:rPr>
+              <a:t> entradas </a:t>
+            </a:r>
+            <a:r>
+              <a:rPr lang="en-US" dirty="0" err="1" smtClean="0">
+                <a:solidFill>
+                  <a:srgbClr val="00B050"/>
+                </a:solidFill>
+              </a:rPr>
+              <a:t>numéricas</a:t>
+            </a:r>
+            <a:r>
+              <a:rPr lang="en-US" dirty="0" smtClean="0">
+                <a:solidFill>
+                  <a:srgbClr val="00B050"/>
+                </a:solidFill>
+              </a:rPr>
+              <a:t>.</a:t>
+            </a:r>
+          </a:p>
+          <a:p>
+            <a:pPr marL="285750" indent="-285750">
+              <a:buFont typeface="Arial" panose="020B0604020202020204" pitchFamily="34" charset="0"/>
+              <a:buChar char="•"/>
+            </a:pPr>
+            <a:endParaRPr lang="en-US" dirty="0" smtClean="0"/>
+          </a:p>
+          <a:p>
+            <a:pPr marL="285750" indent="-285750">
+              <a:buFont typeface="Arial" panose="020B0604020202020204" pitchFamily="34" charset="0"/>
+              <a:buChar char="•"/>
+            </a:pPr>
+            <a:endParaRPr lang="en-US" sz="1600" dirty="0"/>
+          </a:p>
+          <a:p>
+            <a:r>
+              <a:rPr lang="en-US" sz="1600" i="1" dirty="0" err="1" smtClean="0"/>
+              <a:t>Veja</a:t>
+            </a:r>
+            <a:r>
+              <a:rPr lang="en-US" sz="1600" i="1" dirty="0" smtClean="0"/>
+              <a:t> a </a:t>
+            </a:r>
+            <a:r>
+              <a:rPr lang="en-US" sz="1600" i="1" dirty="0" err="1" smtClean="0"/>
+              <a:t>lição</a:t>
+            </a:r>
+            <a:r>
+              <a:rPr lang="en-US" sz="1600" i="1" dirty="0" smtClean="0"/>
+              <a:t> “</a:t>
+            </a:r>
+            <a:r>
+              <a:rPr lang="en-US" sz="1600" dirty="0"/>
+              <a:t>My Blocks Overview</a:t>
+            </a:r>
+          </a:p>
+          <a:p>
+            <a:r>
+              <a:rPr lang="en-US" sz="1600" dirty="0" err="1"/>
+              <a:t>Passo</a:t>
+            </a:r>
+            <a:r>
+              <a:rPr lang="en-US" sz="1600" dirty="0"/>
+              <a:t> A </a:t>
+            </a:r>
+            <a:r>
+              <a:rPr lang="en-US" sz="1600" dirty="0" err="1"/>
+              <a:t>Passo</a:t>
+            </a:r>
+            <a:r>
+              <a:rPr lang="en-US" sz="1600" dirty="0"/>
+              <a:t> </a:t>
+            </a:r>
+            <a:r>
+              <a:rPr lang="en-US" sz="1600" dirty="0" err="1"/>
+              <a:t>Guia</a:t>
+            </a:r>
+            <a:r>
+              <a:rPr lang="en-US" sz="1600" dirty="0"/>
+              <a:t> Visual Para </a:t>
+            </a:r>
+            <a:r>
+              <a:rPr lang="en-US" sz="1600" dirty="0" err="1"/>
+              <a:t>Criar</a:t>
+            </a:r>
+            <a:r>
+              <a:rPr lang="en-US" sz="1600" dirty="0"/>
+              <a:t> Um My Block Com Entradas E </a:t>
+            </a:r>
+            <a:r>
+              <a:rPr lang="en-US" sz="1600" dirty="0" err="1"/>
+              <a:t>Saídas</a:t>
+            </a:r>
+            <a:r>
+              <a:rPr lang="en-US" sz="1600" dirty="0"/>
+              <a:t> (</a:t>
+            </a:r>
+            <a:r>
+              <a:rPr lang="en-US" sz="1600" dirty="0" err="1"/>
+              <a:t>Parâmetros</a:t>
+            </a:r>
+            <a:r>
+              <a:rPr lang="en-US" sz="1600" dirty="0" smtClean="0"/>
+              <a:t>).” se </a:t>
+            </a:r>
+            <a:r>
+              <a:rPr lang="en-US" sz="1600" dirty="0" err="1" smtClean="0"/>
+              <a:t>precisar</a:t>
+            </a:r>
+            <a:r>
+              <a:rPr lang="en-US" sz="1600" dirty="0" smtClean="0"/>
+              <a:t> de </a:t>
+            </a:r>
+            <a:r>
+              <a:rPr lang="en-US" sz="1600" dirty="0" err="1" smtClean="0"/>
+              <a:t>ajuda</a:t>
+            </a:r>
+            <a:r>
+              <a:rPr lang="en-US" sz="1600" dirty="0" smtClean="0"/>
+              <a:t> para </a:t>
+            </a:r>
+            <a:r>
+              <a:rPr lang="en-US" sz="1600" dirty="0" err="1" smtClean="0"/>
+              <a:t>configurar</a:t>
+            </a:r>
+            <a:r>
+              <a:rPr lang="en-US" sz="1600" dirty="0" smtClean="0"/>
+              <a:t> o</a:t>
+            </a:r>
+            <a:r>
+              <a:rPr lang="en-US" sz="1600" i="1" dirty="0" smtClean="0"/>
+              <a:t> My Block.</a:t>
+            </a:r>
+            <a:endParaRPr lang="en-US" sz="1600" i="1" dirty="0"/>
+          </a:p>
+        </p:txBody>
+      </p:sp>
+      <p:pic>
+        <p:nvPicPr>
+          <p:cNvPr id="9" name="Picture 8" descr="Screen Clipping"/>
+          <p:cNvPicPr>
+            <a:picLocks noChangeAspect="1"/>
+          </p:cNvPicPr>
+          <p:nvPr/>
+        </p:nvPicPr>
+        <p:blipFill rotWithShape="1">
+          <a:blip r:embed="rId3">
+            <a:extLst>
+              <a:ext uri="{28A0092B-C50C-407E-A947-70E740481C1C}">
+                <a14:useLocalDpi xmlns:a14="http://schemas.microsoft.com/office/drawing/2010/main" val="0"/>
+              </a:ext>
+            </a:extLst>
+          </a:blip>
+          <a:srcRect t="27404" r="21086" b="41159"/>
+          <a:stretch/>
+        </p:blipFill>
+        <p:spPr>
+          <a:xfrm>
+            <a:off x="3886200" y="1403861"/>
+            <a:ext cx="4816474" cy="1180754"/>
           </a:xfrm>
           <a:prstGeom prst="rect">
             <a:avLst/>
           </a:prstGeom>
         </p:spPr>
       </p:pic>
+      <p:sp>
+        <p:nvSpPr>
+          <p:cNvPr id="10" name="Rectangle 9"/>
+          <p:cNvSpPr/>
+          <p:nvPr/>
+        </p:nvSpPr>
+        <p:spPr>
+          <a:xfrm>
+            <a:off x="4721556" y="1249680"/>
+            <a:ext cx="3858564" cy="1441615"/>
+          </a:xfrm>
+          <a:prstGeom prst="rect">
+            <a:avLst/>
+          </a:prstGeom>
+          <a:noFill/>
+          <a:ln w="57150">
+            <a:solidFill>
+              <a:srgbClr val="0070C0"/>
+            </a:solidFill>
+          </a:ln>
+        </p:spPr>
+        <p:style>
+          <a:lnRef idx="2">
+            <a:schemeClr val="accent1">
+              <a:shade val="50000"/>
+            </a:schemeClr>
+          </a:lnRef>
+          <a:fillRef idx="1">
+            <a:schemeClr val="accent1"/>
+          </a:fillRef>
+          <a:effectRef idx="0">
+            <a:schemeClr val="accent1"/>
+          </a:effectRef>
+          <a:fontRef idx="minor">
+            <a:schemeClr val="lt1"/>
+          </a:fontRef>
+        </p:style>
+        <p:txBody>
+          <a:bodyPr rtlCol="0" anchor="ctr"/>
+          <a:lstStyle/>
+          <a:p>
+            <a:pPr algn="ctr"/>
+            <a:endParaRPr lang="en-US"/>
+          </a:p>
+        </p:txBody>
+      </p:sp>
+      <p:sp>
+        <p:nvSpPr>
+          <p:cNvPr id="11" name="TextBox 10"/>
+          <p:cNvSpPr txBox="1"/>
+          <p:nvPr/>
+        </p:nvSpPr>
+        <p:spPr>
+          <a:xfrm>
+            <a:off x="4082967" y="942514"/>
+            <a:ext cx="457200" cy="461665"/>
+          </a:xfrm>
+          <a:prstGeom prst="rect">
+            <a:avLst/>
+          </a:prstGeom>
+          <a:noFill/>
+        </p:spPr>
+        <p:txBody>
+          <a:bodyPr wrap="square" rtlCol="0">
+            <a:spAutoFit/>
+          </a:bodyPr>
+          <a:lstStyle/>
+          <a:p>
+            <a:r>
+              <a:rPr lang="en-US" sz="2400" b="1" dirty="0" smtClean="0">
+                <a:solidFill>
+                  <a:srgbClr val="0070C0"/>
+                </a:solidFill>
+              </a:rPr>
+              <a:t>A</a:t>
+            </a:r>
+            <a:endParaRPr lang="en-US" sz="2400" b="1" dirty="0">
+              <a:solidFill>
+                <a:srgbClr val="0070C0"/>
+              </a:solidFill>
+            </a:endParaRPr>
+          </a:p>
+        </p:txBody>
+      </p:sp>
+      <p:sp>
+        <p:nvSpPr>
+          <p:cNvPr id="13" name="TextBox 12"/>
+          <p:cNvSpPr txBox="1"/>
+          <p:nvPr/>
+        </p:nvSpPr>
+        <p:spPr>
+          <a:xfrm>
+            <a:off x="4323962" y="3070067"/>
+            <a:ext cx="457200" cy="461665"/>
+          </a:xfrm>
+          <a:prstGeom prst="rect">
+            <a:avLst/>
+          </a:prstGeom>
+          <a:noFill/>
+        </p:spPr>
+        <p:txBody>
+          <a:bodyPr wrap="square" rtlCol="0">
+            <a:spAutoFit/>
+          </a:bodyPr>
+          <a:lstStyle/>
+          <a:p>
+            <a:r>
+              <a:rPr lang="en-US" sz="2400" b="1" dirty="0" smtClean="0">
+                <a:solidFill>
+                  <a:srgbClr val="00B050"/>
+                </a:solidFill>
+              </a:rPr>
+              <a:t>B</a:t>
+            </a:r>
+            <a:endParaRPr lang="en-US" sz="2400" b="1" dirty="0">
+              <a:solidFill>
+                <a:srgbClr val="00B050"/>
+              </a:solidFill>
+            </a:endParaRPr>
+          </a:p>
+        </p:txBody>
+      </p:sp>
     </p:spTree>
     <p:extLst>
       <p:ext uri="{BB962C8B-B14F-4D97-AF65-F5344CB8AC3E}">
-        <p14:creationId xmlns:p14="http://schemas.microsoft.com/office/powerpoint/2010/main" val="4196143026"/>
+        <p14:creationId xmlns:p14="http://schemas.microsoft.com/office/powerpoint/2010/main" val="2608295296"/>
       </p:ext>
     </p:extLst>
   </p:cSld>
   <p:clrMapOvr>
     <a:masterClrMapping/>
   </p:clrMapOvr>
-  <p:timing>
-    <p:tnLst>
-      <p:par>
-        <p:cTn id="1" dur="indefinite" restart="never" nodeType="tmRoot"/>
-      </p:par>
-    </p:tnLst>
-  </p:timing>
 </p:sld>
 </file>
 
@@ -7521,47 +10517,57 @@
         </p:nvSpPr>
         <p:spPr/>
         <p:txBody>
+          <a:bodyPr>
+            <a:normAutofit fontScale="90000"/>
+          </a:bodyPr>
+          <a:lstStyle/>
+          <a:p>
+            <a:r>
+              <a:rPr lang="en-US" dirty="0" err="1" smtClean="0"/>
+              <a:t>passo</a:t>
+            </a:r>
+            <a:r>
+              <a:rPr lang="en-US" dirty="0" smtClean="0"/>
+              <a:t> 3A: </a:t>
+            </a:r>
+            <a:r>
+              <a:rPr lang="en-US" dirty="0" err="1" smtClean="0"/>
+              <a:t>Conecte</a:t>
+            </a:r>
+            <a:r>
+              <a:rPr lang="en-US" dirty="0" smtClean="0"/>
+              <a:t> a entrada no </a:t>
+            </a:r>
+            <a:r>
+              <a:rPr lang="en-US" dirty="0" err="1" smtClean="0"/>
+              <a:t>seu</a:t>
+            </a:r>
+            <a:r>
+              <a:rPr lang="en-US" dirty="0" smtClean="0"/>
+              <a:t> novo my block.</a:t>
+            </a:r>
+            <a:endParaRPr lang="en-US" dirty="0"/>
+          </a:p>
+        </p:txBody>
+      </p:sp>
+      <p:sp>
+        <p:nvSpPr>
+          <p:cNvPr id="4" name="Footer Placeholder 3"/>
+          <p:cNvSpPr>
+            <a:spLocks noGrp="1"/>
+          </p:cNvSpPr>
+          <p:nvPr>
+            <p:ph type="ftr" sz="quarter" idx="11"/>
+          </p:nvPr>
+        </p:nvSpPr>
+        <p:spPr/>
+        <p:txBody>
           <a:bodyPr/>
           <a:lstStyle/>
           <a:p>
             <a:r>
-              <a:rPr lang="en-US" dirty="0" err="1" smtClean="0"/>
-              <a:t>Estágio</a:t>
-            </a:r>
-            <a:r>
-              <a:rPr lang="en-US" dirty="0" smtClean="0"/>
-              <a:t> 4: </a:t>
-            </a:r>
-            <a:r>
-              <a:rPr lang="en-US" dirty="0" err="1" smtClean="0"/>
-              <a:t>USar</a:t>
-            </a:r>
-            <a:r>
-              <a:rPr lang="en-US" dirty="0" smtClean="0"/>
-              <a:t> My BLOCK</a:t>
-            </a:r>
-            <a:endParaRPr lang="en-US" dirty="0"/>
-          </a:p>
-        </p:txBody>
-      </p:sp>
-      <p:sp>
-        <p:nvSpPr>
-          <p:cNvPr id="4" name="Footer Placeholder 3"/>
-          <p:cNvSpPr>
-            <a:spLocks noGrp="1"/>
-          </p:cNvSpPr>
-          <p:nvPr>
-            <p:ph type="ftr" sz="quarter" idx="11"/>
-          </p:nvPr>
-        </p:nvSpPr>
-        <p:spPr/>
-        <p:txBody>
-          <a:bodyPr/>
-          <a:lstStyle/>
-          <a:p>
-            <a:r>
-              <a:rPr lang="en-US"/>
-              <a:t>© 2015, EV3Lessons.com (última edição 28/2/15)</a:t>
+              <a:rPr lang="en-US" smtClean="0"/>
+              <a:t>© 2015, EV3Lessons.com (last edit 11/02/15)</a:t>
             </a:r>
             <a:endParaRPr lang="en-US"/>
           </a:p>
@@ -7569,7 +10575,7 @@
       </p:sp>
       <p:sp>
         <p:nvSpPr>
-          <p:cNvPr id="3" name="Slide Number Placeholder 2"/>
+          <p:cNvPr id="5" name="Slide Number Placeholder 4"/>
           <p:cNvSpPr>
             <a:spLocks noGrp="1"/>
           </p:cNvSpPr>
@@ -7592,45 +10598,393 @@
       </p:sp>
       <p:pic>
         <p:nvPicPr>
-          <p:cNvPr id="6" name="Picture 5"/>
+          <p:cNvPr id="6" name="Picture 5" descr="Screen Clipping"/>
           <p:cNvPicPr>
             <a:picLocks noChangeAspect="1"/>
           </p:cNvPicPr>
           <p:nvPr/>
         </p:nvPicPr>
-        <p:blipFill>
-          <a:blip r:embed="rId2"/>
-          <a:stretch>
-            <a:fillRect/>
-          </a:stretch>
+        <p:blipFill rotWithShape="1">
+          <a:blip r:embed="rId2">
+            <a:extLst>
+              <a:ext uri="{28A0092B-C50C-407E-A947-70E740481C1C}">
+                <a14:useLocalDpi xmlns:a14="http://schemas.microsoft.com/office/drawing/2010/main" val="0"/>
+              </a:ext>
+            </a:extLst>
+          </a:blip>
+          <a:srcRect t="23635" r="5146" b="41611"/>
+          <a:stretch/>
         </p:blipFill>
         <p:spPr>
           <a:xfrm>
-            <a:off x="319087" y="1804987"/>
-            <a:ext cx="8505825" cy="3248025"/>
+            <a:off x="396240" y="2712719"/>
+            <a:ext cx="8245474" cy="1747521"/>
           </a:xfrm>
           <a:prstGeom prst="rect">
             <a:avLst/>
           </a:prstGeom>
         </p:spPr>
       </p:pic>
+      <p:sp>
+        <p:nvSpPr>
+          <p:cNvPr id="3" name="TextBox 2"/>
+          <p:cNvSpPr txBox="1"/>
+          <p:nvPr/>
+        </p:nvSpPr>
+        <p:spPr>
+          <a:xfrm>
+            <a:off x="528320" y="4704080"/>
+            <a:ext cx="7660640" cy="1200329"/>
+          </a:xfrm>
+          <a:prstGeom prst="rect">
+            <a:avLst/>
+          </a:prstGeom>
+          <a:noFill/>
+        </p:spPr>
+        <p:txBody>
+          <a:bodyPr wrap="square" rtlCol="0">
+            <a:spAutoFit/>
+          </a:bodyPr>
+          <a:lstStyle/>
+          <a:p>
+            <a:r>
+              <a:rPr lang="en-US" dirty="0" smtClean="0">
+                <a:solidFill>
+                  <a:srgbClr val="7030A0"/>
+                </a:solidFill>
+              </a:rPr>
+              <a:t>C. </a:t>
+            </a:r>
+            <a:r>
+              <a:rPr lang="en-US" dirty="0" err="1" smtClean="0">
+                <a:solidFill>
+                  <a:srgbClr val="7030A0"/>
+                </a:solidFill>
+              </a:rPr>
+              <a:t>Conecte</a:t>
+            </a:r>
+            <a:r>
+              <a:rPr lang="en-US" dirty="0" smtClean="0">
+                <a:solidFill>
+                  <a:srgbClr val="7030A0"/>
+                </a:solidFill>
+              </a:rPr>
+              <a:t> as entradas do </a:t>
+            </a:r>
+            <a:r>
+              <a:rPr lang="en-US" dirty="0" err="1" smtClean="0">
+                <a:solidFill>
+                  <a:srgbClr val="7030A0"/>
+                </a:solidFill>
+              </a:rPr>
+              <a:t>bloco</a:t>
+            </a:r>
+            <a:r>
+              <a:rPr lang="en-US" dirty="0" smtClean="0">
+                <a:solidFill>
+                  <a:srgbClr val="7030A0"/>
+                </a:solidFill>
+              </a:rPr>
+              <a:t> </a:t>
+            </a:r>
+            <a:r>
+              <a:rPr lang="en-US" dirty="0" err="1" smtClean="0">
+                <a:solidFill>
+                  <a:srgbClr val="7030A0"/>
+                </a:solidFill>
+              </a:rPr>
+              <a:t>cinza</a:t>
+            </a:r>
+            <a:r>
+              <a:rPr lang="en-US" dirty="0" smtClean="0">
+                <a:solidFill>
+                  <a:srgbClr val="7030A0"/>
+                </a:solidFill>
+              </a:rPr>
+              <a:t>. </a:t>
+            </a:r>
+            <a:r>
+              <a:rPr lang="en-US" dirty="0" err="1" smtClean="0">
+                <a:solidFill>
+                  <a:srgbClr val="7030A0"/>
+                </a:solidFill>
+              </a:rPr>
+              <a:t>Os</a:t>
+            </a:r>
+            <a:r>
+              <a:rPr lang="en-US" dirty="0" smtClean="0">
+                <a:solidFill>
+                  <a:srgbClr val="7030A0"/>
+                </a:solidFill>
+              </a:rPr>
+              <a:t> </a:t>
+            </a:r>
+            <a:r>
+              <a:rPr lang="en-US" dirty="0" err="1" smtClean="0">
+                <a:solidFill>
+                  <a:srgbClr val="7030A0"/>
+                </a:solidFill>
+              </a:rPr>
+              <a:t>graus</a:t>
+            </a:r>
+            <a:r>
+              <a:rPr lang="en-US" dirty="0" smtClean="0">
+                <a:solidFill>
+                  <a:srgbClr val="7030A0"/>
+                </a:solidFill>
+              </a:rPr>
+              <a:t> </a:t>
+            </a:r>
+            <a:r>
+              <a:rPr lang="en-US" dirty="0" err="1" smtClean="0">
+                <a:solidFill>
+                  <a:srgbClr val="7030A0"/>
+                </a:solidFill>
+              </a:rPr>
+              <a:t>na</a:t>
+            </a:r>
+            <a:r>
+              <a:rPr lang="en-US" dirty="0" smtClean="0">
+                <a:solidFill>
+                  <a:srgbClr val="7030A0"/>
+                </a:solidFill>
+              </a:rPr>
+              <a:t> entrada no </a:t>
+            </a:r>
+            <a:r>
+              <a:rPr lang="en-US" dirty="0" err="1" smtClean="0">
+                <a:solidFill>
+                  <a:srgbClr val="7030A0"/>
+                </a:solidFill>
+              </a:rPr>
+              <a:t>Bloco</a:t>
+            </a:r>
+            <a:r>
+              <a:rPr lang="en-US" dirty="0" smtClean="0">
+                <a:solidFill>
+                  <a:srgbClr val="7030A0"/>
+                </a:solidFill>
+              </a:rPr>
+              <a:t> </a:t>
+            </a:r>
+            <a:r>
+              <a:rPr lang="en-US" dirty="0" err="1" smtClean="0">
+                <a:solidFill>
+                  <a:srgbClr val="7030A0"/>
+                </a:solidFill>
+              </a:rPr>
+              <a:t>Matemático</a:t>
+            </a:r>
+            <a:r>
+              <a:rPr lang="en-US" dirty="0" smtClean="0">
+                <a:solidFill>
+                  <a:srgbClr val="7030A0"/>
+                </a:solidFill>
+              </a:rPr>
+              <a:t>. A </a:t>
+            </a:r>
+            <a:r>
+              <a:rPr lang="en-US" dirty="0" err="1" smtClean="0">
+                <a:solidFill>
+                  <a:srgbClr val="7030A0"/>
+                </a:solidFill>
+              </a:rPr>
+              <a:t>força</a:t>
+            </a:r>
+            <a:r>
+              <a:rPr lang="en-US" dirty="0" smtClean="0">
+                <a:solidFill>
+                  <a:srgbClr val="7030A0"/>
+                </a:solidFill>
+              </a:rPr>
+              <a:t> </a:t>
+            </a:r>
+            <a:r>
+              <a:rPr lang="en-US" dirty="0" err="1" smtClean="0">
+                <a:solidFill>
+                  <a:srgbClr val="7030A0"/>
+                </a:solidFill>
+              </a:rPr>
+              <a:t>vai</a:t>
+            </a:r>
+            <a:r>
+              <a:rPr lang="en-US" dirty="0" smtClean="0">
+                <a:solidFill>
+                  <a:srgbClr val="7030A0"/>
+                </a:solidFill>
+              </a:rPr>
+              <a:t> para a entrada de </a:t>
+            </a:r>
+            <a:r>
+              <a:rPr lang="en-US" dirty="0" err="1" smtClean="0">
+                <a:solidFill>
+                  <a:srgbClr val="7030A0"/>
+                </a:solidFill>
+              </a:rPr>
+              <a:t>força</a:t>
+            </a:r>
+            <a:r>
+              <a:rPr lang="en-US" dirty="0" smtClean="0">
+                <a:solidFill>
+                  <a:srgbClr val="7030A0"/>
+                </a:solidFill>
+              </a:rPr>
+              <a:t> do </a:t>
+            </a:r>
+            <a:r>
+              <a:rPr lang="en-US" dirty="0" err="1" smtClean="0">
+                <a:solidFill>
+                  <a:srgbClr val="7030A0"/>
+                </a:solidFill>
+              </a:rPr>
+              <a:t>Bloco</a:t>
+            </a:r>
+            <a:r>
+              <a:rPr lang="en-US" dirty="0" smtClean="0">
+                <a:solidFill>
+                  <a:srgbClr val="7030A0"/>
+                </a:solidFill>
+              </a:rPr>
+              <a:t> Mover. O </a:t>
+            </a:r>
+            <a:r>
+              <a:rPr lang="en-US" dirty="0" err="1" smtClean="0">
+                <a:solidFill>
+                  <a:srgbClr val="7030A0"/>
+                </a:solidFill>
+              </a:rPr>
+              <a:t>resultado</a:t>
+            </a:r>
+            <a:r>
+              <a:rPr lang="en-US" dirty="0" smtClean="0">
+                <a:solidFill>
+                  <a:srgbClr val="7030A0"/>
+                </a:solidFill>
+              </a:rPr>
+              <a:t> do </a:t>
+            </a:r>
+            <a:r>
+              <a:rPr lang="en-US" dirty="0" err="1" smtClean="0">
+                <a:solidFill>
+                  <a:srgbClr val="7030A0"/>
+                </a:solidFill>
+              </a:rPr>
+              <a:t>Bloco</a:t>
+            </a:r>
+            <a:r>
+              <a:rPr lang="en-US" dirty="0" smtClean="0">
+                <a:solidFill>
+                  <a:srgbClr val="7030A0"/>
+                </a:solidFill>
+              </a:rPr>
+              <a:t> </a:t>
+            </a:r>
+            <a:r>
+              <a:rPr lang="en-US" dirty="0" err="1" smtClean="0">
+                <a:solidFill>
+                  <a:srgbClr val="7030A0"/>
+                </a:solidFill>
+              </a:rPr>
+              <a:t>Matemático</a:t>
+            </a:r>
+            <a:r>
+              <a:rPr lang="en-US" dirty="0" smtClean="0">
+                <a:solidFill>
+                  <a:srgbClr val="7030A0"/>
+                </a:solidFill>
+              </a:rPr>
+              <a:t> é </a:t>
+            </a:r>
+            <a:r>
+              <a:rPr lang="en-US" dirty="0" err="1" smtClean="0">
+                <a:solidFill>
+                  <a:srgbClr val="7030A0"/>
+                </a:solidFill>
+              </a:rPr>
+              <a:t>conectado</a:t>
+            </a:r>
+            <a:r>
+              <a:rPr lang="en-US" dirty="0" smtClean="0">
+                <a:solidFill>
+                  <a:srgbClr val="7030A0"/>
+                </a:solidFill>
+              </a:rPr>
+              <a:t> </a:t>
+            </a:r>
+            <a:r>
+              <a:rPr lang="en-US" dirty="0" err="1" smtClean="0">
+                <a:solidFill>
+                  <a:srgbClr val="7030A0"/>
+                </a:solidFill>
+              </a:rPr>
+              <a:t>na</a:t>
+            </a:r>
+            <a:r>
+              <a:rPr lang="en-US" dirty="0" smtClean="0">
+                <a:solidFill>
+                  <a:srgbClr val="7030A0"/>
+                </a:solidFill>
+              </a:rPr>
+              <a:t> entrada de </a:t>
+            </a:r>
+            <a:r>
+              <a:rPr lang="en-US" dirty="0" err="1" smtClean="0">
+                <a:solidFill>
+                  <a:srgbClr val="7030A0"/>
+                </a:solidFill>
+              </a:rPr>
+              <a:t>graus</a:t>
+            </a:r>
+            <a:r>
+              <a:rPr lang="en-US" dirty="0" smtClean="0">
+                <a:solidFill>
+                  <a:srgbClr val="7030A0"/>
+                </a:solidFill>
+              </a:rPr>
+              <a:t> do </a:t>
+            </a:r>
+            <a:r>
+              <a:rPr lang="en-US" dirty="0" err="1">
+                <a:solidFill>
+                  <a:srgbClr val="7030A0"/>
+                </a:solidFill>
+              </a:rPr>
+              <a:t>B</a:t>
+            </a:r>
+            <a:r>
+              <a:rPr lang="en-US" dirty="0" err="1" smtClean="0">
+                <a:solidFill>
+                  <a:srgbClr val="7030A0"/>
+                </a:solidFill>
+              </a:rPr>
+              <a:t>loco</a:t>
+            </a:r>
+            <a:r>
+              <a:rPr lang="en-US" dirty="0" smtClean="0">
+                <a:solidFill>
+                  <a:srgbClr val="7030A0"/>
+                </a:solidFill>
+              </a:rPr>
+              <a:t> Mover.</a:t>
+            </a:r>
+            <a:endParaRPr lang="en-US" dirty="0">
+              <a:solidFill>
+                <a:srgbClr val="7030A0"/>
+              </a:solidFill>
+            </a:endParaRPr>
+          </a:p>
+        </p:txBody>
+      </p:sp>
     </p:spTree>
     <p:extLst>
       <p:ext uri="{BB962C8B-B14F-4D97-AF65-F5344CB8AC3E}">
-        <p14:creationId xmlns:p14="http://schemas.microsoft.com/office/powerpoint/2010/main" val="1066107082"/>
+        <p14:creationId xmlns:p14="http://schemas.microsoft.com/office/powerpoint/2010/main" val="1670237072"/>
       </p:ext>
     </p:extLst>
   </p:cSld>
   <p:clrMapOvr>
     <a:masterClrMapping/>
   </p:clrMapOvr>
-  <p:timing>
-    <p:tnLst>
-      <p:par>
-        <p:cTn id="1" dur="indefinite" restart="never" nodeType="tmRoot"/>
-      </p:par>
-    </p:tnLst>
-  </p:timing>
 </p:sld>
 </file>
 
